--- a/offline_docs/fims_client/nmnh_mockup.pptx
+++ b/offline_docs/fims_client/nmnh_mockup.pptx
@@ -1751,8 +1751,8 @@
         </p:nvSpPr>
         <p:spPr>
           <a:xfrm>
-            <a:off x="1962019" y="2800538"/>
-            <a:ext cx="9141101" cy="1549142"/>
+            <a:off x="1962019" y="2677429"/>
+            <a:ext cx="9141101" cy="1795363"/>
           </a:xfrm>
           <a:prstGeom prst="rect">
             <a:avLst/>
@@ -1804,7 +1804,7 @@
           <a:p>
             <a:r>
               <a:rPr lang="en-US" sz="1600" b="0" dirty="0" smtClean="0"/>
-              <a:t>The NMNH-FIMS Client supports offline data entry in a form-based environment.  Users can generate templates, create expeditions, and save </a:t>
+              <a:t>Generate templates for your custom forms on a project by project basis, create expeditions to track your personal data, and enter data without an internet connection.  The FIMS Client is based on the </a:t>
             </a:r>
             <a:r>
               <a:rPr lang="en-US" sz="1600" b="0" dirty="0" err="1" smtClean="0"/>
@@ -1828,7 +1828,7 @@
             </a:r>
             <a:r>
               <a:rPr lang="en-US" sz="1600" b="0" dirty="0" smtClean="0"/>
-              <a:t> for use within the FIMS Client environment.  Data is saved on the client using  </a:t>
+              <a:t> w3c standard, existing FIMS services, and browser based storage.</a:t>
             </a:r>
           </a:p>
         </p:txBody>

--- a/offline_docs/fims_client/nmnh_mockup.pptx
+++ b/offline_docs/fims_client/nmnh_mockup.pptx
@@ -5,13 +5,14 @@
     <p:sldMasterId id="2147483648" r:id="rId1"/>
   </p:sldMasterIdLst>
   <p:notesMasterIdLst>
-    <p:notesMasterId r:id="rId6"/>
+    <p:notesMasterId r:id="rId7"/>
   </p:notesMasterIdLst>
   <p:sldIdLst>
     <p:sldId id="269" r:id="rId2"/>
     <p:sldId id="268" r:id="rId3"/>
     <p:sldId id="267" r:id="rId4"/>
     <p:sldId id="266" r:id="rId5"/>
+    <p:sldId id="270" r:id="rId6"/>
   </p:sldIdLst>
   <p:sldSz cx="13004800" cy="9753600"/>
   <p:notesSz cx="6858000" cy="9144000"/>
@@ -4562,6 +4563,7 @@
           </a:lstStyle>
           <a:p>
             <a:r>
+              <a:rPr dirty="0"/>
               <a:t>Remove</a:t>
             </a:r>
           </a:p>
@@ -6307,6 +6309,7 @@
           </a:lstStyle>
           <a:p>
             <a:r>
+              <a:rPr dirty="0"/>
               <a:t>would  be disabled if offline</a:t>
             </a:r>
           </a:p>
@@ -6404,6 +6407,7 @@
           </a:lstStyle>
           <a:p>
             <a:r>
+              <a:rPr dirty="0"/>
               <a:t>if form is not “available for offline entry”, this would say “Download for offline Use”</a:t>
             </a:r>
           </a:p>
@@ -6568,6 +6572,286 @@
           </a:p>
         </p:txBody>
       </p:sp>
+      <p:sp>
+        <p:nvSpPr>
+          <p:cNvPr id="41" name="Shape 389"/>
+          <p:cNvSpPr/>
+          <p:nvPr/>
+        </p:nvSpPr>
+        <p:spPr>
+          <a:xfrm>
+            <a:off x="7684549" y="4495193"/>
+            <a:ext cx="960732" cy="393701"/>
+          </a:xfrm>
+          <a:prstGeom prst="roundRect">
+            <a:avLst>
+              <a:gd name="adj" fmla="val 12309"/>
+            </a:avLst>
+          </a:prstGeom>
+          <a:solidFill>
+            <a:srgbClr val="4393C7"/>
+          </a:solidFill>
+          <a:ln w="25400">
+            <a:miter lim="400000"/>
+          </a:ln>
+          <a:extLst>
+            <a:ext uri="{C572A759-6A51-4108-AA02-DFA0A04FC94B}">
+              <ma14:wrappingTextBoxFlag xmlns:ma14="http://schemas.microsoft.com/office/mac/drawingml/2011/main" val="1"/>
+            </a:ext>
+          </a:extLst>
+        </p:spPr>
+        <p:txBody>
+          <a:bodyPr lIns="50800" tIns="50800" rIns="50800" bIns="50800" anchor="ctr"/>
+          <a:lstStyle/>
+          <a:p>
+            <a:pPr defTabSz="914400">
+              <a:buClr>
+                <a:srgbClr val="FAFFFF"/>
+              </a:buClr>
+              <a:buFont typeface="Helvetica Neue"/>
+              <a:defRPr sz="1200" b="1">
+                <a:uFill>
+                  <a:solidFill>
+                    <a:srgbClr val="FFFFFF"/>
+                  </a:solidFill>
+                </a:uFill>
+                <a:latin typeface="Helvetica Neue"/>
+                <a:ea typeface="Helvetica Neue"/>
+                <a:cs typeface="Helvetica Neue"/>
+                <a:sym typeface="Helvetica Neue"/>
+              </a:defRPr>
+            </a:pPr>
+            <a:r>
+              <a:rPr lang="en-US" sz="1200" smtClean="0"/>
+              <a:t>Add Subsample</a:t>
+            </a:r>
+            <a:endParaRPr sz="1000" dirty="0">
+              <a:solidFill>
+                <a:srgbClr val="F4F4F4"/>
+              </a:solidFill>
+              <a:uFill>
+                <a:solidFill>
+                  <a:srgbClr val="F4F4F4"/>
+                </a:solidFill>
+              </a:uFill>
+              <a:latin typeface="Webdings"/>
+              <a:ea typeface="Webdings"/>
+              <a:cs typeface="Webdings"/>
+              <a:sym typeface="Webdings"/>
+            </a:endParaRPr>
+          </a:p>
+        </p:txBody>
+      </p:sp>
+      <p:sp>
+        <p:nvSpPr>
+          <p:cNvPr id="42" name="Shape 389"/>
+          <p:cNvSpPr/>
+          <p:nvPr/>
+        </p:nvSpPr>
+        <p:spPr>
+          <a:xfrm>
+            <a:off x="7680628" y="5132150"/>
+            <a:ext cx="960732" cy="393701"/>
+          </a:xfrm>
+          <a:prstGeom prst="roundRect">
+            <a:avLst>
+              <a:gd name="adj" fmla="val 12309"/>
+            </a:avLst>
+          </a:prstGeom>
+          <a:solidFill>
+            <a:srgbClr val="4393C7"/>
+          </a:solidFill>
+          <a:ln w="25400">
+            <a:miter lim="400000"/>
+          </a:ln>
+          <a:extLst>
+            <a:ext uri="{C572A759-6A51-4108-AA02-DFA0A04FC94B}">
+              <ma14:wrappingTextBoxFlag xmlns:ma14="http://schemas.microsoft.com/office/mac/drawingml/2011/main" val="1"/>
+            </a:ext>
+          </a:extLst>
+        </p:spPr>
+        <p:txBody>
+          <a:bodyPr lIns="50800" tIns="50800" rIns="50800" bIns="50800" anchor="ctr"/>
+          <a:lstStyle/>
+          <a:p>
+            <a:pPr defTabSz="914400">
+              <a:buClr>
+                <a:srgbClr val="FAFFFF"/>
+              </a:buClr>
+              <a:buFont typeface="Helvetica Neue"/>
+              <a:defRPr sz="1200" b="1">
+                <a:uFill>
+                  <a:solidFill>
+                    <a:srgbClr val="FFFFFF"/>
+                  </a:solidFill>
+                </a:uFill>
+                <a:latin typeface="Helvetica Neue"/>
+                <a:ea typeface="Helvetica Neue"/>
+                <a:cs typeface="Helvetica Neue"/>
+                <a:sym typeface="Helvetica Neue"/>
+              </a:defRPr>
+            </a:pPr>
+            <a:r>
+              <a:rPr lang="en-US" sz="1200" smtClean="0"/>
+              <a:t>Add Subsample</a:t>
+            </a:r>
+            <a:endParaRPr sz="1000" dirty="0">
+              <a:solidFill>
+                <a:srgbClr val="F4F4F4"/>
+              </a:solidFill>
+              <a:uFill>
+                <a:solidFill>
+                  <a:srgbClr val="F4F4F4"/>
+                </a:solidFill>
+              </a:uFill>
+              <a:latin typeface="Webdings"/>
+              <a:ea typeface="Webdings"/>
+              <a:cs typeface="Webdings"/>
+              <a:sym typeface="Webdings"/>
+            </a:endParaRPr>
+          </a:p>
+        </p:txBody>
+      </p:sp>
+      <p:sp>
+        <p:nvSpPr>
+          <p:cNvPr id="43" name="Shape 389"/>
+          <p:cNvSpPr/>
+          <p:nvPr/>
+        </p:nvSpPr>
+        <p:spPr>
+          <a:xfrm>
+            <a:off x="7680628" y="5769445"/>
+            <a:ext cx="960732" cy="393701"/>
+          </a:xfrm>
+          <a:prstGeom prst="roundRect">
+            <a:avLst>
+              <a:gd name="adj" fmla="val 12309"/>
+            </a:avLst>
+          </a:prstGeom>
+          <a:solidFill>
+            <a:srgbClr val="4393C7"/>
+          </a:solidFill>
+          <a:ln w="25400">
+            <a:miter lim="400000"/>
+          </a:ln>
+          <a:extLst>
+            <a:ext uri="{C572A759-6A51-4108-AA02-DFA0A04FC94B}">
+              <ma14:wrappingTextBoxFlag xmlns:ma14="http://schemas.microsoft.com/office/mac/drawingml/2011/main" val="1"/>
+            </a:ext>
+          </a:extLst>
+        </p:spPr>
+        <p:txBody>
+          <a:bodyPr lIns="50800" tIns="50800" rIns="50800" bIns="50800" anchor="ctr"/>
+          <a:lstStyle/>
+          <a:p>
+            <a:pPr defTabSz="914400">
+              <a:buClr>
+                <a:srgbClr val="FAFFFF"/>
+              </a:buClr>
+              <a:buFont typeface="Helvetica Neue"/>
+              <a:defRPr sz="1200" b="1">
+                <a:uFill>
+                  <a:solidFill>
+                    <a:srgbClr val="FFFFFF"/>
+                  </a:solidFill>
+                </a:uFill>
+                <a:latin typeface="Helvetica Neue"/>
+                <a:ea typeface="Helvetica Neue"/>
+                <a:cs typeface="Helvetica Neue"/>
+                <a:sym typeface="Helvetica Neue"/>
+              </a:defRPr>
+            </a:pPr>
+            <a:r>
+              <a:rPr lang="en-US" sz="1200" smtClean="0"/>
+              <a:t>Add Subsample</a:t>
+            </a:r>
+            <a:endParaRPr sz="1000" dirty="0">
+              <a:solidFill>
+                <a:srgbClr val="F4F4F4"/>
+              </a:solidFill>
+              <a:uFill>
+                <a:solidFill>
+                  <a:srgbClr val="F4F4F4"/>
+                </a:solidFill>
+              </a:uFill>
+              <a:latin typeface="Webdings"/>
+              <a:ea typeface="Webdings"/>
+              <a:cs typeface="Webdings"/>
+              <a:sym typeface="Webdings"/>
+            </a:endParaRPr>
+          </a:p>
+        </p:txBody>
+      </p:sp>
+      <p:sp>
+        <p:nvSpPr>
+          <p:cNvPr id="44" name="Shape 389"/>
+          <p:cNvSpPr/>
+          <p:nvPr/>
+        </p:nvSpPr>
+        <p:spPr>
+          <a:xfrm>
+            <a:off x="7682257" y="6392325"/>
+            <a:ext cx="960732" cy="393701"/>
+          </a:xfrm>
+          <a:prstGeom prst="roundRect">
+            <a:avLst>
+              <a:gd name="adj" fmla="val 12309"/>
+            </a:avLst>
+          </a:prstGeom>
+          <a:solidFill>
+            <a:srgbClr val="4393C7"/>
+          </a:solidFill>
+          <a:ln w="25400">
+            <a:miter lim="400000"/>
+          </a:ln>
+          <a:extLst>
+            <a:ext uri="{C572A759-6A51-4108-AA02-DFA0A04FC94B}">
+              <ma14:wrappingTextBoxFlag xmlns:ma14="http://schemas.microsoft.com/office/mac/drawingml/2011/main" val="1"/>
+            </a:ext>
+          </a:extLst>
+        </p:spPr>
+        <p:txBody>
+          <a:bodyPr lIns="50800" tIns="50800" rIns="50800" bIns="50800" anchor="ctr"/>
+          <a:lstStyle/>
+          <a:p>
+            <a:pPr defTabSz="914400">
+              <a:buClr>
+                <a:srgbClr val="FAFFFF"/>
+              </a:buClr>
+              <a:buFont typeface="Helvetica Neue"/>
+              <a:defRPr sz="1200" b="1">
+                <a:uFill>
+                  <a:solidFill>
+                    <a:srgbClr val="FFFFFF"/>
+                  </a:solidFill>
+                </a:uFill>
+                <a:latin typeface="Helvetica Neue"/>
+                <a:ea typeface="Helvetica Neue"/>
+                <a:cs typeface="Helvetica Neue"/>
+                <a:sym typeface="Helvetica Neue"/>
+              </a:defRPr>
+            </a:pPr>
+            <a:r>
+              <a:rPr lang="en-US" sz="1200" smtClean="0"/>
+              <a:t>Add Subsample</a:t>
+            </a:r>
+            <a:endParaRPr sz="1000" dirty="0">
+              <a:solidFill>
+                <a:srgbClr val="F4F4F4"/>
+              </a:solidFill>
+              <a:uFill>
+                <a:solidFill>
+                  <a:srgbClr val="F4F4F4"/>
+                </a:solidFill>
+              </a:uFill>
+              <a:latin typeface="Webdings"/>
+              <a:ea typeface="Webdings"/>
+              <a:cs typeface="Webdings"/>
+              <a:sym typeface="Webdings"/>
+            </a:endParaRPr>
+          </a:p>
+        </p:txBody>
+      </p:sp>
     </p:spTree>
   </p:cSld>
   <p:clrMapOvr>
@@ -6601,6 +6885,148 @@
           <a:chExt cx="0" cy="0"/>
         </a:xfrm>
       </p:grpSpPr>
+      <p:sp>
+        <p:nvSpPr>
+          <p:cNvPr id="5" name="Rectangle 4"/>
+          <p:cNvSpPr/>
+          <p:nvPr/>
+        </p:nvSpPr>
+        <p:spPr>
+          <a:xfrm>
+            <a:off x="7380784" y="2934298"/>
+            <a:ext cx="3988216" cy="1106153"/>
+          </a:xfrm>
+          <a:prstGeom prst="rect">
+            <a:avLst/>
+          </a:prstGeom>
+          <a:solidFill>
+            <a:schemeClr val="accent1"/>
+          </a:solidFill>
+          <a:ln w="25400" cap="flat">
+            <a:noFill/>
+            <a:miter lim="400000"/>
+          </a:ln>
+          <a:effectLst/>
+          <a:sp3d/>
+        </p:spPr>
+        <p:style>
+          <a:lnRef idx="0">
+            <a:scrgbClr r="0" g="0" b="0"/>
+          </a:lnRef>
+          <a:fillRef idx="0">
+            <a:scrgbClr r="0" g="0" b="0"/>
+          </a:fillRef>
+          <a:effectRef idx="0">
+            <a:scrgbClr r="0" g="0" b="0"/>
+          </a:effectRef>
+          <a:fontRef idx="none"/>
+        </p:style>
+        <p:txBody>
+          <a:bodyPr rot="0" spcFirstLastPara="1" vertOverflow="overflow" horzOverflow="overflow" vert="horz" wrap="square" lIns="50800" tIns="50800" rIns="50800" bIns="50800" numCol="1" spcCol="38100" rtlCol="0" anchor="ctr">
+            <a:spAutoFit/>
+          </a:bodyPr>
+          <a:lstStyle/>
+          <a:p>
+            <a:pPr marL="0" marR="0" indent="0" algn="ctr" defTabSz="584200" rtl="0" fontAlgn="auto" latinLnBrk="0" hangingPunct="0">
+              <a:lnSpc>
+                <a:spcPct val="100000"/>
+              </a:lnSpc>
+              <a:spcBef>
+                <a:spcPts val="0"/>
+              </a:spcBef>
+              <a:spcAft>
+                <a:spcPts val="0"/>
+              </a:spcAft>
+              <a:buClrTx/>
+              <a:buSzTx/>
+              <a:buFontTx/>
+              <a:buNone/>
+              <a:tabLst/>
+            </a:pPr>
+            <a:endParaRPr kumimoji="0" lang="en-US" sz="3000" b="0" i="0" u="none" strike="noStrike" cap="none" spc="0" normalizeH="0" baseline="0">
+              <a:ln>
+                <a:noFill/>
+              </a:ln>
+              <a:solidFill>
+                <a:srgbClr val="FFFFFF"/>
+              </a:solidFill>
+              <a:effectLst>
+                <a:outerShdw blurRad="38100" dist="12700" dir="5400000" rotWithShape="0">
+                  <a:srgbClr val="000000">
+                    <a:alpha val="50000"/>
+                  </a:srgbClr>
+                </a:outerShdw>
+              </a:effectLst>
+              <a:uFillTx/>
+              <a:latin typeface="+mn-lt"/>
+              <a:ea typeface="+mn-ea"/>
+              <a:cs typeface="+mn-cs"/>
+              <a:sym typeface="Gill Sans"/>
+            </a:endParaRPr>
+          </a:p>
+        </p:txBody>
+      </p:sp>
+      <p:sp>
+        <p:nvSpPr>
+          <p:cNvPr id="27" name="Shape 367"/>
+          <p:cNvSpPr/>
+          <p:nvPr/>
+        </p:nvSpPr>
+        <p:spPr>
+          <a:xfrm>
+            <a:off x="4403404" y="5118341"/>
+            <a:ext cx="2595259" cy="469901"/>
+          </a:xfrm>
+          <a:prstGeom prst="roundRect">
+            <a:avLst>
+              <a:gd name="adj" fmla="val 10313"/>
+            </a:avLst>
+          </a:prstGeom>
+          <a:solidFill>
+            <a:srgbClr val="FFFFFF"/>
+          </a:solidFill>
+          <a:ln w="12700">
+            <a:solidFill>
+              <a:srgbClr val="D1D1D1"/>
+            </a:solidFill>
+            <a:miter lim="400000"/>
+          </a:ln>
+          <a:effectLst>
+            <a:outerShdw blurRad="25400" dir="5400000" rotWithShape="0">
+              <a:srgbClr val="000000">
+                <a:alpha val="10000"/>
+              </a:srgbClr>
+            </a:outerShdw>
+          </a:effectLst>
+        </p:spPr>
+        <p:txBody>
+          <a:bodyPr lIns="50800" tIns="50800" rIns="50800" bIns="50800" anchor="ctr"/>
+          <a:lstStyle/>
+          <a:p>
+            <a:pPr marL="91044" algn="l" defTabSz="914400">
+              <a:buClr>
+                <a:srgbClr val="FAFFFF"/>
+              </a:buClr>
+              <a:buFont typeface="Helvetica Neue"/>
+              <a:defRPr sz="1300">
+                <a:solidFill>
+                  <a:srgbClr val="5A5C5C"/>
+                </a:solidFill>
+                <a:uFill>
+                  <a:solidFill>
+                    <a:srgbClr val="5A5C5C"/>
+                  </a:solidFill>
+                </a:uFill>
+                <a:latin typeface="Helvetica Neue Medium"/>
+                <a:ea typeface="Helvetica Neue Medium"/>
+                <a:cs typeface="Helvetica Neue Medium"/>
+                <a:sym typeface="Helvetica Neue Medium"/>
+              </a:defRPr>
+            </a:pPr>
+            <a:endParaRPr sz="1300"/>
+          </a:p>
+        </p:txBody>
+      </p:sp>
       <p:sp>
         <p:nvSpPr>
           <p:cNvPr id="349" name="Shape 349"/>
@@ -6695,8 +7121,8 @@
         </p:nvSpPr>
         <p:spPr>
           <a:xfrm>
-            <a:off x="4973165" y="2820005"/>
-            <a:ext cx="3260508" cy="456535"/>
+            <a:off x="1866894" y="2487421"/>
+            <a:ext cx="4892365" cy="456535"/>
           </a:xfrm>
           <a:prstGeom prst="rect">
             <a:avLst/>
@@ -6738,8 +7164,14 @@
           </a:lstStyle>
           <a:p>
             <a:r>
+              <a:rPr dirty="0" smtClean="0"/>
               <a:t>DEMO_EXPEDITION_1</a:t>
             </a:r>
+            <a:r>
+              <a:rPr lang="en-US" dirty="0" smtClean="0"/>
+              <a:t> -- Sample</a:t>
+            </a:r>
+            <a:endParaRPr dirty="0"/>
           </a:p>
         </p:txBody>
       </p:sp>
@@ -6751,7 +7183,7 @@
         </p:nvSpPr>
         <p:spPr>
           <a:xfrm>
-            <a:off x="6291319" y="3822972"/>
+            <a:off x="4436500" y="3043574"/>
             <a:ext cx="2595259" cy="469901"/>
           </a:xfrm>
           <a:prstGeom prst="roundRect">
@@ -6820,7 +7252,7 @@
         </p:nvSpPr>
         <p:spPr>
           <a:xfrm>
-            <a:off x="3637019" y="3873772"/>
+            <a:off x="1782200" y="3094374"/>
             <a:ext cx="2096695" cy="368301"/>
           </a:xfrm>
           <a:prstGeom prst="rect">
@@ -6867,6 +7299,7 @@
           </a:lstStyle>
           <a:p>
             <a:r>
+              <a:rPr dirty="0"/>
               <a:t>Primary Collector 1</a:t>
             </a:r>
           </a:p>
@@ -6880,7 +7313,7 @@
         </p:nvSpPr>
         <p:spPr>
           <a:xfrm>
-            <a:off x="3637019" y="4445272"/>
+            <a:off x="1782200" y="3650391"/>
             <a:ext cx="2364627" cy="368301"/>
           </a:xfrm>
           <a:prstGeom prst="rect">
@@ -6940,7 +7373,7 @@
         </p:nvSpPr>
         <p:spPr>
           <a:xfrm>
-            <a:off x="6291319" y="4381772"/>
+            <a:off x="4436500" y="3586891"/>
             <a:ext cx="1386727" cy="469901"/>
           </a:xfrm>
           <a:prstGeom prst="roundRect">
@@ -7019,7 +7452,7 @@
         </p:blipFill>
         <p:spPr>
           <a:xfrm>
-            <a:off x="7815319" y="4419872"/>
+            <a:off x="5960500" y="3624991"/>
             <a:ext cx="1143001" cy="393701"/>
           </a:xfrm>
           <a:prstGeom prst="rect">
@@ -7038,7 +7471,7 @@
         </p:nvGrpSpPr>
         <p:grpSpPr>
           <a:xfrm>
-            <a:off x="6337998" y="5124722"/>
+            <a:off x="4407220" y="4184283"/>
             <a:ext cx="2501901" cy="381001"/>
             <a:chOff x="0" y="0"/>
             <a:chExt cx="2501899" cy="380999"/>
@@ -7414,7 +7847,7 @@
         </p:nvSpPr>
         <p:spPr>
           <a:xfrm>
-            <a:off x="3637019" y="5133119"/>
+            <a:off x="1706241" y="4192680"/>
             <a:ext cx="857607" cy="364202"/>
           </a:xfrm>
           <a:prstGeom prst="rect">
@@ -7470,7 +7903,7 @@
         </p:nvSpPr>
         <p:spPr>
           <a:xfrm>
-            <a:off x="6342758" y="5499372"/>
+            <a:off x="4411980" y="4558933"/>
             <a:ext cx="2492376" cy="1130301"/>
           </a:xfrm>
           <a:prstGeom prst="roundRect">
@@ -7524,7 +7957,7 @@
               </a:defRPr>
             </a:pPr>
             <a:r>
-              <a:rPr sz="1400"/>
+              <a:rPr sz="1400" dirty="0"/>
               <a:t>   Aquatic herb</a:t>
             </a:r>
           </a:p>
@@ -7549,9 +7982,14 @@
               </a:defRPr>
             </a:pPr>
             <a:r>
-              <a:rPr sz="1400"/>
-              <a:t>   Cespitose herb</a:t>
-            </a:r>
+              <a:rPr sz="1400" dirty="0"/>
+              <a:t>   Cespitose </a:t>
+            </a:r>
+            <a:r>
+              <a:rPr sz="1400" dirty="0" smtClean="0"/>
+              <a:t>herb</a:t>
+            </a:r>
+            <a:endParaRPr lang="en-US" sz="1400" dirty="0" smtClean="0"/>
           </a:p>
           <a:p>
             <a:pPr algn="l" defTabSz="914400">
@@ -7574,9 +8012,18 @@
               </a:defRPr>
             </a:pPr>
             <a:r>
-              <a:rPr sz="1400"/>
-              <a:t>   …</a:t>
-            </a:r>
+              <a:rPr lang="en-US" sz="1400" dirty="0"/>
+              <a:t> </a:t>
+            </a:r>
+            <a:r>
+              <a:rPr lang="en-US" sz="1400" dirty="0" smtClean="0"/>
+              <a:t>  </a:t>
+            </a:r>
+            <a:r>
+              <a:rPr lang="is-IS" sz="1400" dirty="0" smtClean="0"/>
+              <a:t>…</a:t>
+            </a:r>
+            <a:endParaRPr sz="1400" dirty="0"/>
           </a:p>
         </p:txBody>
       </p:sp>
@@ -7588,7 +8035,7 @@
         </p:nvSpPr>
         <p:spPr>
           <a:xfrm>
-            <a:off x="7491469" y="8689466"/>
+            <a:off x="7585598" y="9123813"/>
             <a:ext cx="1451323" cy="469901"/>
           </a:xfrm>
           <a:prstGeom prst="roundRect">
@@ -7636,7 +8083,11 @@
             </a:r>
             <a:r>
               <a:rPr lang="en-US" dirty="0" smtClean="0"/>
-              <a:t>and New</a:t>
+              <a:t>and </a:t>
+            </a:r>
+            <a:r>
+              <a:rPr lang="en-US" dirty="0" smtClean="0"/>
+              <a:t>Blank New record</a:t>
             </a:r>
             <a:endParaRPr dirty="0"/>
           </a:p>
@@ -7650,7 +8101,7 @@
         </p:nvSpPr>
         <p:spPr>
           <a:xfrm>
-            <a:off x="6316719" y="6832872"/>
+            <a:off x="4407220" y="5790623"/>
             <a:ext cx="717097" cy="469901"/>
           </a:xfrm>
           <a:prstGeom prst="roundRect">
@@ -7711,7 +8162,7 @@
         </p:nvSpPr>
         <p:spPr>
           <a:xfrm>
-            <a:off x="3662419" y="6883672"/>
+            <a:off x="1752920" y="5841423"/>
             <a:ext cx="2040777" cy="368301"/>
           </a:xfrm>
           <a:prstGeom prst="rect">
@@ -7754,6 +8205,7 @@
           </a:lstStyle>
           <a:p>
             <a:r>
+              <a:rPr dirty="0"/>
               <a:t>Elevation From (m)</a:t>
             </a:r>
           </a:p>
@@ -7761,13 +8213,3107 @@
       </p:sp>
       <p:sp>
         <p:nvSpPr>
-          <p:cNvPr id="367" name="Shape 367"/>
+          <p:cNvPr id="22" name="Shape 364"/>
           <p:cNvSpPr/>
           <p:nvPr/>
         </p:nvSpPr>
         <p:spPr>
           <a:xfrm>
-            <a:off x="6316719" y="7507559"/>
+            <a:off x="4300874" y="9110805"/>
+            <a:ext cx="1451323" cy="469901"/>
+          </a:xfrm>
+          <a:prstGeom prst="roundRect">
+            <a:avLst>
+              <a:gd name="adj" fmla="val 10313"/>
+            </a:avLst>
+          </a:prstGeom>
+          <a:solidFill>
+            <a:srgbClr val="454747"/>
+          </a:solidFill>
+          <a:ln w="25400">
+            <a:miter lim="400000"/>
+          </a:ln>
+          <a:extLst>
+            <a:ext uri="{C572A759-6A51-4108-AA02-DFA0A04FC94B}">
+              <ma14:wrappingTextBoxFlag xmlns:ma14="http://schemas.microsoft.com/office/mac/drawingml/2011/main" val="1"/>
+            </a:ext>
+          </a:extLst>
+        </p:spPr>
+        <p:txBody>
+          <a:bodyPr lIns="50800" tIns="50800" rIns="50800" bIns="50800" anchor="ctr"/>
+          <a:lstStyle>
+            <a:lvl1pPr defTabSz="914400">
+              <a:buClr>
+                <a:srgbClr val="FAFFFF"/>
+              </a:buClr>
+              <a:buFont typeface="Helvetica Neue"/>
+              <a:defRPr sz="1400" b="1">
+                <a:uFill>
+                  <a:solidFill>
+                    <a:srgbClr val="FFFFFF"/>
+                  </a:solidFill>
+                </a:uFill>
+                <a:latin typeface="Helvetica Neue"/>
+                <a:ea typeface="Helvetica Neue"/>
+                <a:cs typeface="Helvetica Neue"/>
+                <a:sym typeface="Helvetica Neue"/>
+              </a:defRPr>
+            </a:lvl1pPr>
+          </a:lstStyle>
+          <a:p>
+            <a:r>
+              <a:t>Save Sample</a:t>
+            </a:r>
+          </a:p>
+        </p:txBody>
+      </p:sp>
+      <p:sp>
+        <p:nvSpPr>
+          <p:cNvPr id="23" name="Shape 364"/>
+          <p:cNvSpPr/>
+          <p:nvPr/>
+        </p:nvSpPr>
+        <p:spPr>
+          <a:xfrm>
+            <a:off x="2523889" y="9110804"/>
+            <a:ext cx="1451323" cy="469901"/>
+          </a:xfrm>
+          <a:prstGeom prst="roundRect">
+            <a:avLst>
+              <a:gd name="adj" fmla="val 10313"/>
+            </a:avLst>
+          </a:prstGeom>
+          <a:solidFill>
+            <a:srgbClr val="454747"/>
+          </a:solidFill>
+          <a:ln w="25400">
+            <a:miter lim="400000"/>
+          </a:ln>
+          <a:extLst>
+            <a:ext uri="{C572A759-6A51-4108-AA02-DFA0A04FC94B}">
+              <ma14:wrappingTextBoxFlag xmlns:ma14="http://schemas.microsoft.com/office/mac/drawingml/2011/main" val="1"/>
+            </a:ext>
+          </a:extLst>
+        </p:spPr>
+        <p:txBody>
+          <a:bodyPr lIns="50800" tIns="50800" rIns="50800" bIns="50800" anchor="ctr"/>
+          <a:lstStyle>
+            <a:lvl1pPr defTabSz="914400">
+              <a:buClr>
+                <a:srgbClr val="FAFFFF"/>
+              </a:buClr>
+              <a:buFont typeface="Helvetica Neue"/>
+              <a:defRPr sz="1400" b="1">
+                <a:uFill>
+                  <a:solidFill>
+                    <a:srgbClr val="FFFFFF"/>
+                  </a:solidFill>
+                </a:uFill>
+                <a:latin typeface="Helvetica Neue"/>
+                <a:ea typeface="Helvetica Neue"/>
+                <a:cs typeface="Helvetica Neue"/>
+                <a:sym typeface="Helvetica Neue"/>
+              </a:defRPr>
+            </a:lvl1pPr>
+          </a:lstStyle>
+          <a:p>
+            <a:r>
+              <a:rPr lang="en-US" dirty="0" smtClean="0"/>
+              <a:t>Cancel</a:t>
+            </a:r>
+            <a:endParaRPr dirty="0"/>
+          </a:p>
+        </p:txBody>
+      </p:sp>
+      <p:sp>
+        <p:nvSpPr>
+          <p:cNvPr id="24" name="Shape 364"/>
+          <p:cNvSpPr/>
+          <p:nvPr/>
+        </p:nvSpPr>
+        <p:spPr>
+          <a:xfrm>
+            <a:off x="9244068" y="9104098"/>
+            <a:ext cx="1451323" cy="469901"/>
+          </a:xfrm>
+          <a:prstGeom prst="roundRect">
+            <a:avLst>
+              <a:gd name="adj" fmla="val 10313"/>
+            </a:avLst>
+          </a:prstGeom>
+          <a:solidFill>
+            <a:srgbClr val="454747"/>
+          </a:solidFill>
+          <a:ln w="25400">
+            <a:miter lim="400000"/>
+          </a:ln>
+          <a:extLst>
+            <a:ext uri="{C572A759-6A51-4108-AA02-DFA0A04FC94B}">
+              <ma14:wrappingTextBoxFlag xmlns:ma14="http://schemas.microsoft.com/office/mac/drawingml/2011/main" val="1"/>
+            </a:ext>
+          </a:extLst>
+        </p:spPr>
+        <p:txBody>
+          <a:bodyPr lIns="50800" tIns="50800" rIns="50800" bIns="50800" anchor="ctr"/>
+          <a:lstStyle>
+            <a:lvl1pPr defTabSz="914400">
+              <a:buClr>
+                <a:srgbClr val="FAFFFF"/>
+              </a:buClr>
+              <a:buFont typeface="Helvetica Neue"/>
+              <a:defRPr sz="1400" b="1">
+                <a:uFill>
+                  <a:solidFill>
+                    <a:srgbClr val="FFFFFF"/>
+                  </a:solidFill>
+                </a:uFill>
+                <a:latin typeface="Helvetica Neue"/>
+                <a:ea typeface="Helvetica Neue"/>
+                <a:cs typeface="Helvetica Neue"/>
+                <a:sym typeface="Helvetica Neue"/>
+              </a:defRPr>
+            </a:lvl1pPr>
+          </a:lstStyle>
+          <a:p>
+            <a:r>
+              <a:rPr dirty="0"/>
+              <a:t>Save </a:t>
+            </a:r>
+            <a:r>
+              <a:rPr lang="en-US" dirty="0" smtClean="0"/>
+              <a:t>and Close</a:t>
+            </a:r>
+            <a:endParaRPr dirty="0"/>
+          </a:p>
+        </p:txBody>
+      </p:sp>
+      <p:sp>
+        <p:nvSpPr>
+          <p:cNvPr id="28" name="Shape 368"/>
+          <p:cNvSpPr/>
+          <p:nvPr/>
+        </p:nvSpPr>
+        <p:spPr>
+          <a:xfrm>
+            <a:off x="1749104" y="5171188"/>
+            <a:ext cx="1721625" cy="364202"/>
+          </a:xfrm>
+          <a:prstGeom prst="rect">
+            <a:avLst/>
+          </a:prstGeom>
+          <a:ln w="12700">
+            <a:miter lim="400000"/>
+          </a:ln>
+          <a:extLst>
+            <a:ext uri="{C572A759-6A51-4108-AA02-DFA0A04FC94B}">
+              <ma14:wrappingTextBoxFlag xmlns:ma14="http://schemas.microsoft.com/office/mac/drawingml/2011/main" val="1"/>
+            </a:ext>
+          </a:extLst>
+        </p:spPr>
+        <p:txBody>
+          <a:bodyPr wrap="none" lIns="50800" tIns="50800" rIns="50800" bIns="50800" anchor="ctr">
+            <a:spAutoFit/>
+          </a:bodyPr>
+          <a:lstStyle>
+            <a:lvl1pPr algn="l" defTabSz="914400">
+              <a:buClr>
+                <a:srgbClr val="FAFFFF"/>
+              </a:buClr>
+              <a:buFont typeface="Helvetica Neue"/>
+              <a:defRPr sz="1700" b="1">
+                <a:solidFill>
+                  <a:srgbClr val="000000"/>
+                </a:solidFill>
+                <a:uFill>
+                  <a:solidFill>
+                    <a:srgbClr val="232323"/>
+                  </a:solidFill>
+                </a:uFill>
+                <a:latin typeface="Helvetica Neue"/>
+                <a:ea typeface="Helvetica Neue"/>
+                <a:cs typeface="Helvetica Neue"/>
+                <a:sym typeface="Helvetica Neue"/>
+              </a:defRPr>
+            </a:lvl1pPr>
+          </a:lstStyle>
+          <a:p>
+            <a:r>
+              <a:rPr lang="en-US" dirty="0" smtClean="0"/>
+              <a:t>Depth From (m)</a:t>
+            </a:r>
+            <a:endParaRPr dirty="0"/>
+          </a:p>
+        </p:txBody>
+      </p:sp>
+      <p:grpSp>
+        <p:nvGrpSpPr>
+          <p:cNvPr id="2" name="Group 1"/>
+          <p:cNvGrpSpPr/>
+          <p:nvPr/>
+        </p:nvGrpSpPr>
+        <p:grpSpPr>
+          <a:xfrm>
+            <a:off x="1743760" y="6515752"/>
+            <a:ext cx="5260247" cy="2142235"/>
+            <a:chOff x="1743760" y="6515752"/>
+            <a:chExt cx="5260247" cy="2142235"/>
+          </a:xfrm>
+        </p:grpSpPr>
+        <p:sp>
+          <p:nvSpPr>
+            <p:cNvPr id="367" name="Shape 367"/>
+            <p:cNvSpPr/>
+            <p:nvPr/>
+          </p:nvSpPr>
+          <p:spPr>
+            <a:xfrm>
+              <a:off x="4408748" y="7037123"/>
+              <a:ext cx="2595259" cy="469901"/>
+            </a:xfrm>
+            <a:prstGeom prst="roundRect">
+              <a:avLst>
+                <a:gd name="adj" fmla="val 10313"/>
+              </a:avLst>
+            </a:prstGeom>
+            <a:solidFill>
+              <a:srgbClr val="FFFFFF"/>
+            </a:solidFill>
+            <a:ln w="12700">
+              <a:solidFill>
+                <a:srgbClr val="D1D1D1"/>
+              </a:solidFill>
+              <a:miter lim="400000"/>
+            </a:ln>
+            <a:effectLst>
+              <a:outerShdw blurRad="25400" dir="5400000" rotWithShape="0">
+                <a:srgbClr val="000000">
+                  <a:alpha val="10000"/>
+                </a:srgbClr>
+              </a:outerShdw>
+            </a:effectLst>
+          </p:spPr>
+          <p:txBody>
+            <a:bodyPr lIns="50800" tIns="50800" rIns="50800" bIns="50800" anchor="ctr"/>
+            <a:lstStyle/>
+            <a:p>
+              <a:pPr marL="91044" algn="l" defTabSz="914400">
+                <a:buClr>
+                  <a:srgbClr val="FAFFFF"/>
+                </a:buClr>
+                <a:buFont typeface="Helvetica Neue"/>
+                <a:defRPr sz="1300">
+                  <a:solidFill>
+                    <a:srgbClr val="5A5C5C"/>
+                  </a:solidFill>
+                  <a:uFill>
+                    <a:solidFill>
+                      <a:srgbClr val="5A5C5C"/>
+                    </a:solidFill>
+                  </a:uFill>
+                  <a:latin typeface="Helvetica Neue Medium"/>
+                  <a:ea typeface="Helvetica Neue Medium"/>
+                  <a:cs typeface="Helvetica Neue Medium"/>
+                  <a:sym typeface="Helvetica Neue Medium"/>
+                </a:defRPr>
+              </a:pPr>
+              <a:endParaRPr sz="1300"/>
+            </a:p>
+          </p:txBody>
+        </p:sp>
+        <p:sp>
+          <p:nvSpPr>
+            <p:cNvPr id="368" name="Shape 368"/>
+            <p:cNvSpPr/>
+            <p:nvPr/>
+          </p:nvSpPr>
+          <p:spPr>
+            <a:xfrm>
+              <a:off x="1754448" y="7089970"/>
+              <a:ext cx="769441" cy="364202"/>
+            </a:xfrm>
+            <a:prstGeom prst="rect">
+              <a:avLst/>
+            </a:prstGeom>
+            <a:ln w="12700">
+              <a:miter lim="400000"/>
+            </a:ln>
+            <a:extLst>
+              <a:ext uri="{C572A759-6A51-4108-AA02-DFA0A04FC94B}">
+                <ma14:wrappingTextBoxFlag xmlns:ma14="http://schemas.microsoft.com/office/mac/drawingml/2011/main" val="1"/>
+              </a:ext>
+            </a:extLst>
+          </p:spPr>
+          <p:txBody>
+            <a:bodyPr wrap="none" lIns="50800" tIns="50800" rIns="50800" bIns="50800" anchor="ctr">
+              <a:spAutoFit/>
+            </a:bodyPr>
+            <a:lstStyle>
+              <a:lvl1pPr algn="l" defTabSz="914400">
+                <a:buClr>
+                  <a:srgbClr val="FAFFFF"/>
+                </a:buClr>
+                <a:buFont typeface="Helvetica Neue"/>
+                <a:defRPr sz="1700" b="1">
+                  <a:solidFill>
+                    <a:srgbClr val="000000"/>
+                  </a:solidFill>
+                  <a:uFill>
+                    <a:solidFill>
+                      <a:srgbClr val="232323"/>
+                    </a:solidFill>
+                  </a:uFill>
+                  <a:latin typeface="Helvetica Neue"/>
+                  <a:ea typeface="Helvetica Neue"/>
+                  <a:cs typeface="Helvetica Neue"/>
+                  <a:sym typeface="Helvetica Neue"/>
+                </a:defRPr>
+              </a:lvl1pPr>
+            </a:lstStyle>
+            <a:p>
+              <a:r>
+                <a:rPr lang="en-US" dirty="0" smtClean="0"/>
+                <a:t>Genus</a:t>
+              </a:r>
+              <a:endParaRPr dirty="0"/>
+            </a:p>
+          </p:txBody>
+        </p:sp>
+        <p:sp>
+          <p:nvSpPr>
+            <p:cNvPr id="26" name="Shape 368"/>
+            <p:cNvSpPr/>
+            <p:nvPr/>
+          </p:nvSpPr>
+          <p:spPr>
+            <a:xfrm>
+              <a:off x="1749104" y="6515752"/>
+              <a:ext cx="780663" cy="364202"/>
+            </a:xfrm>
+            <a:prstGeom prst="rect">
+              <a:avLst/>
+            </a:prstGeom>
+            <a:ln w="12700">
+              <a:miter lim="400000"/>
+            </a:ln>
+            <a:extLst>
+              <a:ext uri="{C572A759-6A51-4108-AA02-DFA0A04FC94B}">
+                <ma14:wrappingTextBoxFlag xmlns:ma14="http://schemas.microsoft.com/office/mac/drawingml/2011/main" val="1"/>
+              </a:ext>
+            </a:extLst>
+          </p:spPr>
+          <p:txBody>
+            <a:bodyPr wrap="none" lIns="50800" tIns="50800" rIns="50800" bIns="50800" anchor="ctr">
+              <a:spAutoFit/>
+            </a:bodyPr>
+            <a:lstStyle>
+              <a:lvl1pPr algn="l" defTabSz="914400">
+                <a:buClr>
+                  <a:srgbClr val="FAFFFF"/>
+                </a:buClr>
+                <a:buFont typeface="Helvetica Neue"/>
+                <a:defRPr sz="1700" b="1">
+                  <a:solidFill>
+                    <a:srgbClr val="000000"/>
+                  </a:solidFill>
+                  <a:uFill>
+                    <a:solidFill>
+                      <a:srgbClr val="232323"/>
+                    </a:solidFill>
+                  </a:uFill>
+                  <a:latin typeface="Helvetica Neue"/>
+                  <a:ea typeface="Helvetica Neue"/>
+                  <a:cs typeface="Helvetica Neue"/>
+                  <a:sym typeface="Helvetica Neue"/>
+                </a:defRPr>
+              </a:lvl1pPr>
+            </a:lstStyle>
+            <a:p>
+              <a:r>
+                <a:rPr lang="en-US" dirty="0" smtClean="0"/>
+                <a:t>Family</a:t>
+              </a:r>
+              <a:endParaRPr dirty="0"/>
+            </a:p>
+          </p:txBody>
+        </p:sp>
+        <p:sp>
+          <p:nvSpPr>
+            <p:cNvPr id="29" name="Shape 367"/>
+            <p:cNvSpPr/>
+            <p:nvPr/>
+          </p:nvSpPr>
+          <p:spPr>
+            <a:xfrm>
+              <a:off x="4403404" y="8188086"/>
+              <a:ext cx="2595259" cy="469901"/>
+            </a:xfrm>
+            <a:prstGeom prst="roundRect">
+              <a:avLst>
+                <a:gd name="adj" fmla="val 10313"/>
+              </a:avLst>
+            </a:prstGeom>
+            <a:solidFill>
+              <a:srgbClr val="FFFFFF"/>
+            </a:solidFill>
+            <a:ln w="12700">
+              <a:solidFill>
+                <a:srgbClr val="D1D1D1"/>
+              </a:solidFill>
+              <a:miter lim="400000"/>
+            </a:ln>
+            <a:effectLst>
+              <a:outerShdw blurRad="25400" dir="5400000" rotWithShape="0">
+                <a:srgbClr val="000000">
+                  <a:alpha val="10000"/>
+                </a:srgbClr>
+              </a:outerShdw>
+            </a:effectLst>
+          </p:spPr>
+          <p:txBody>
+            <a:bodyPr lIns="50800" tIns="50800" rIns="50800" bIns="50800" anchor="ctr"/>
+            <a:lstStyle/>
+            <a:p>
+              <a:pPr marL="91044" algn="l" defTabSz="914400">
+                <a:buClr>
+                  <a:srgbClr val="FAFFFF"/>
+                </a:buClr>
+                <a:buFont typeface="Helvetica Neue"/>
+                <a:defRPr sz="1300">
+                  <a:solidFill>
+                    <a:srgbClr val="5A5C5C"/>
+                  </a:solidFill>
+                  <a:uFill>
+                    <a:solidFill>
+                      <a:srgbClr val="5A5C5C"/>
+                    </a:solidFill>
+                  </a:uFill>
+                  <a:latin typeface="Helvetica Neue Medium"/>
+                  <a:ea typeface="Helvetica Neue Medium"/>
+                  <a:cs typeface="Helvetica Neue Medium"/>
+                  <a:sym typeface="Helvetica Neue Medium"/>
+                </a:defRPr>
+              </a:pPr>
+              <a:endParaRPr sz="1300"/>
+            </a:p>
+          </p:txBody>
+        </p:sp>
+        <p:sp>
+          <p:nvSpPr>
+            <p:cNvPr id="30" name="Shape 368"/>
+            <p:cNvSpPr/>
+            <p:nvPr/>
+          </p:nvSpPr>
+          <p:spPr>
+            <a:xfrm>
+              <a:off x="1749104" y="8240933"/>
+              <a:ext cx="320601" cy="364202"/>
+            </a:xfrm>
+            <a:prstGeom prst="rect">
+              <a:avLst/>
+            </a:prstGeom>
+            <a:ln w="12700">
+              <a:miter lim="400000"/>
+            </a:ln>
+            <a:extLst>
+              <a:ext uri="{C572A759-6A51-4108-AA02-DFA0A04FC94B}">
+                <ma14:wrappingTextBoxFlag xmlns:ma14="http://schemas.microsoft.com/office/mac/drawingml/2011/main" val="1"/>
+              </a:ext>
+            </a:extLst>
+          </p:spPr>
+          <p:txBody>
+            <a:bodyPr wrap="none" lIns="50800" tIns="50800" rIns="50800" bIns="50800" anchor="ctr">
+              <a:spAutoFit/>
+            </a:bodyPr>
+            <a:lstStyle>
+              <a:lvl1pPr algn="l" defTabSz="914400">
+                <a:buClr>
+                  <a:srgbClr val="FAFFFF"/>
+                </a:buClr>
+                <a:buFont typeface="Helvetica Neue"/>
+                <a:defRPr sz="1700" b="1">
+                  <a:solidFill>
+                    <a:srgbClr val="000000"/>
+                  </a:solidFill>
+                  <a:uFill>
+                    <a:solidFill>
+                      <a:srgbClr val="232323"/>
+                    </a:solidFill>
+                  </a:uFill>
+                  <a:latin typeface="Helvetica Neue"/>
+                  <a:ea typeface="Helvetica Neue"/>
+                  <a:cs typeface="Helvetica Neue"/>
+                  <a:sym typeface="Helvetica Neue"/>
+                </a:defRPr>
+              </a:lvl1pPr>
+            </a:lstStyle>
+            <a:p>
+              <a:r>
+                <a:rPr dirty="0"/>
+                <a:t>…</a:t>
+              </a:r>
+            </a:p>
+          </p:txBody>
+        </p:sp>
+        <p:sp>
+          <p:nvSpPr>
+            <p:cNvPr id="31" name="Shape 367"/>
+            <p:cNvSpPr/>
+            <p:nvPr/>
+          </p:nvSpPr>
+          <p:spPr>
+            <a:xfrm>
+              <a:off x="4398060" y="7613868"/>
+              <a:ext cx="2595259" cy="469901"/>
+            </a:xfrm>
+            <a:prstGeom prst="roundRect">
+              <a:avLst>
+                <a:gd name="adj" fmla="val 10313"/>
+              </a:avLst>
+            </a:prstGeom>
+            <a:solidFill>
+              <a:srgbClr val="FFFFFF"/>
+            </a:solidFill>
+            <a:ln w="12700">
+              <a:solidFill>
+                <a:srgbClr val="D1D1D1"/>
+              </a:solidFill>
+              <a:miter lim="400000"/>
+            </a:ln>
+            <a:effectLst>
+              <a:outerShdw blurRad="25400" dir="5400000" rotWithShape="0">
+                <a:srgbClr val="000000">
+                  <a:alpha val="10000"/>
+                </a:srgbClr>
+              </a:outerShdw>
+            </a:effectLst>
+          </p:spPr>
+          <p:txBody>
+            <a:bodyPr lIns="50800" tIns="50800" rIns="50800" bIns="50800" anchor="ctr"/>
+            <a:lstStyle/>
+            <a:p>
+              <a:pPr marL="91044" algn="l" defTabSz="914400">
+                <a:buClr>
+                  <a:srgbClr val="FAFFFF"/>
+                </a:buClr>
+                <a:buFont typeface="Helvetica Neue"/>
+                <a:defRPr sz="1300">
+                  <a:solidFill>
+                    <a:srgbClr val="5A5C5C"/>
+                  </a:solidFill>
+                  <a:uFill>
+                    <a:solidFill>
+                      <a:srgbClr val="5A5C5C"/>
+                    </a:solidFill>
+                  </a:uFill>
+                  <a:latin typeface="Helvetica Neue Medium"/>
+                  <a:ea typeface="Helvetica Neue Medium"/>
+                  <a:cs typeface="Helvetica Neue Medium"/>
+                  <a:sym typeface="Helvetica Neue Medium"/>
+                </a:defRPr>
+              </a:pPr>
+              <a:endParaRPr sz="1300"/>
+            </a:p>
+          </p:txBody>
+        </p:sp>
+        <p:sp>
+          <p:nvSpPr>
+            <p:cNvPr id="32" name="Shape 368"/>
+            <p:cNvSpPr/>
+            <p:nvPr/>
+          </p:nvSpPr>
+          <p:spPr>
+            <a:xfrm>
+              <a:off x="1743760" y="7666715"/>
+              <a:ext cx="320601" cy="364202"/>
+            </a:xfrm>
+            <a:prstGeom prst="rect">
+              <a:avLst/>
+            </a:prstGeom>
+            <a:ln w="12700">
+              <a:miter lim="400000"/>
+            </a:ln>
+            <a:extLst>
+              <a:ext uri="{C572A759-6A51-4108-AA02-DFA0A04FC94B}">
+                <ma14:wrappingTextBoxFlag xmlns:ma14="http://schemas.microsoft.com/office/mac/drawingml/2011/main" val="1"/>
+              </a:ext>
+            </a:extLst>
+          </p:spPr>
+          <p:txBody>
+            <a:bodyPr wrap="none" lIns="50800" tIns="50800" rIns="50800" bIns="50800" anchor="ctr">
+              <a:spAutoFit/>
+            </a:bodyPr>
+            <a:lstStyle>
+              <a:lvl1pPr algn="l" defTabSz="914400">
+                <a:buClr>
+                  <a:srgbClr val="FAFFFF"/>
+                </a:buClr>
+                <a:buFont typeface="Helvetica Neue"/>
+                <a:defRPr sz="1700" b="1">
+                  <a:solidFill>
+                    <a:srgbClr val="000000"/>
+                  </a:solidFill>
+                  <a:uFill>
+                    <a:solidFill>
+                      <a:srgbClr val="232323"/>
+                    </a:solidFill>
+                  </a:uFill>
+                  <a:latin typeface="Helvetica Neue"/>
+                  <a:ea typeface="Helvetica Neue"/>
+                  <a:cs typeface="Helvetica Neue"/>
+                  <a:sym typeface="Helvetica Neue"/>
+                </a:defRPr>
+              </a:lvl1pPr>
+            </a:lstStyle>
+            <a:p>
+              <a:r>
+                <a:t>…</a:t>
+              </a:r>
+            </a:p>
+          </p:txBody>
+        </p:sp>
+      </p:grpSp>
+      <p:sp>
+        <p:nvSpPr>
+          <p:cNvPr id="38" name="Shape 368"/>
+          <p:cNvSpPr/>
+          <p:nvPr/>
+        </p:nvSpPr>
+        <p:spPr>
+          <a:xfrm>
+            <a:off x="7486270" y="3148619"/>
+            <a:ext cx="1803379" cy="364202"/>
+          </a:xfrm>
+          <a:prstGeom prst="rect">
+            <a:avLst/>
+          </a:prstGeom>
+          <a:ln w="12700">
+            <a:miter lim="400000"/>
+          </a:ln>
+          <a:extLst>
+            <a:ext uri="{C572A759-6A51-4108-AA02-DFA0A04FC94B}">
+              <ma14:wrappingTextBoxFlag xmlns:ma14="http://schemas.microsoft.com/office/mac/drawingml/2011/main" val="1"/>
+            </a:ext>
+          </a:extLst>
+        </p:spPr>
+        <p:txBody>
+          <a:bodyPr wrap="none" lIns="50800" tIns="50800" rIns="50800" bIns="50800" anchor="ctr">
+            <a:spAutoFit/>
+          </a:bodyPr>
+          <a:lstStyle>
+            <a:lvl1pPr algn="l" defTabSz="914400">
+              <a:buClr>
+                <a:srgbClr val="FAFFFF"/>
+              </a:buClr>
+              <a:buFont typeface="Helvetica Neue"/>
+              <a:defRPr sz="1700" b="1">
+                <a:solidFill>
+                  <a:srgbClr val="000000"/>
+                </a:solidFill>
+                <a:uFill>
+                  <a:solidFill>
+                    <a:srgbClr val="232323"/>
+                  </a:solidFill>
+                </a:uFill>
+                <a:latin typeface="Helvetica Neue"/>
+                <a:ea typeface="Helvetica Neue"/>
+                <a:cs typeface="Helvetica Neue"/>
+                <a:sym typeface="Helvetica Neue"/>
+              </a:defRPr>
+            </a:lvl1pPr>
+          </a:lstStyle>
+          <a:p>
+            <a:r>
+              <a:rPr lang="en-US" dirty="0" smtClean="0"/>
+              <a:t>Collection Event</a:t>
+            </a:r>
+            <a:endParaRPr dirty="0"/>
+          </a:p>
+        </p:txBody>
+      </p:sp>
+      <p:grpSp>
+        <p:nvGrpSpPr>
+          <p:cNvPr id="4" name="Group 3"/>
+          <p:cNvGrpSpPr/>
+          <p:nvPr/>
+        </p:nvGrpSpPr>
+        <p:grpSpPr>
+          <a:xfrm>
+            <a:off x="7454981" y="4029445"/>
+            <a:ext cx="3744074" cy="3992255"/>
+            <a:chOff x="7440585" y="3386662"/>
+            <a:chExt cx="3744074" cy="3992255"/>
+          </a:xfrm>
+        </p:grpSpPr>
+        <p:sp>
+          <p:nvSpPr>
+            <p:cNvPr id="35" name="Shape 367"/>
+            <p:cNvSpPr/>
+            <p:nvPr/>
+          </p:nvSpPr>
+          <p:spPr>
+            <a:xfrm>
+              <a:off x="8578712" y="3443159"/>
+              <a:ext cx="2595259" cy="469901"/>
+            </a:xfrm>
+            <a:prstGeom prst="roundRect">
+              <a:avLst>
+                <a:gd name="adj" fmla="val 10313"/>
+              </a:avLst>
+            </a:prstGeom>
+            <a:solidFill>
+              <a:srgbClr val="FFFFFF"/>
+            </a:solidFill>
+            <a:ln w="12700">
+              <a:solidFill>
+                <a:srgbClr val="D1D1D1"/>
+              </a:solidFill>
+              <a:miter lim="400000"/>
+            </a:ln>
+            <a:effectLst>
+              <a:outerShdw blurRad="25400" dir="5400000" rotWithShape="0">
+                <a:srgbClr val="000000">
+                  <a:alpha val="10000"/>
+                </a:srgbClr>
+              </a:outerShdw>
+            </a:effectLst>
+          </p:spPr>
+          <p:txBody>
+            <a:bodyPr lIns="50800" tIns="50800" rIns="50800" bIns="50800" anchor="ctr"/>
+            <a:lstStyle/>
+            <a:p>
+              <a:pPr marL="91044" algn="l" defTabSz="914400">
+                <a:buClr>
+                  <a:srgbClr val="FAFFFF"/>
+                </a:buClr>
+                <a:buFont typeface="Helvetica Neue"/>
+                <a:defRPr sz="1300">
+                  <a:solidFill>
+                    <a:srgbClr val="5A5C5C"/>
+                  </a:solidFill>
+                  <a:uFill>
+                    <a:solidFill>
+                      <a:srgbClr val="5A5C5C"/>
+                    </a:solidFill>
+                  </a:uFill>
+                  <a:latin typeface="Helvetica Neue Medium"/>
+                  <a:ea typeface="Helvetica Neue Medium"/>
+                  <a:cs typeface="Helvetica Neue Medium"/>
+                  <a:sym typeface="Helvetica Neue Medium"/>
+                </a:defRPr>
+              </a:pPr>
+              <a:endParaRPr sz="1300"/>
+            </a:p>
+          </p:txBody>
+        </p:sp>
+        <p:sp>
+          <p:nvSpPr>
+            <p:cNvPr id="36" name="Shape 368"/>
+            <p:cNvSpPr/>
+            <p:nvPr/>
+          </p:nvSpPr>
+          <p:spPr>
+            <a:xfrm>
+              <a:off x="7451273" y="3386662"/>
+              <a:ext cx="320601" cy="364202"/>
+            </a:xfrm>
+            <a:prstGeom prst="rect">
+              <a:avLst/>
+            </a:prstGeom>
+            <a:ln w="12700">
+              <a:miter lim="400000"/>
+            </a:ln>
+            <a:extLst>
+              <a:ext uri="{C572A759-6A51-4108-AA02-DFA0A04FC94B}">
+                <ma14:wrappingTextBoxFlag xmlns:ma14="http://schemas.microsoft.com/office/mac/drawingml/2011/main" val="1"/>
+              </a:ext>
+            </a:extLst>
+          </p:spPr>
+          <p:txBody>
+            <a:bodyPr wrap="none" lIns="50800" tIns="50800" rIns="50800" bIns="50800" anchor="ctr">
+              <a:spAutoFit/>
+            </a:bodyPr>
+            <a:lstStyle>
+              <a:lvl1pPr algn="l" defTabSz="914400">
+                <a:buClr>
+                  <a:srgbClr val="FAFFFF"/>
+                </a:buClr>
+                <a:buFont typeface="Helvetica Neue"/>
+                <a:defRPr sz="1700" b="1">
+                  <a:solidFill>
+                    <a:srgbClr val="000000"/>
+                  </a:solidFill>
+                  <a:uFill>
+                    <a:solidFill>
+                      <a:srgbClr val="232323"/>
+                    </a:solidFill>
+                  </a:uFill>
+                  <a:latin typeface="Helvetica Neue"/>
+                  <a:ea typeface="Helvetica Neue"/>
+                  <a:cs typeface="Helvetica Neue"/>
+                  <a:sym typeface="Helvetica Neue"/>
+                </a:defRPr>
+              </a:lvl1pPr>
+            </a:lstStyle>
+            <a:p>
+              <a:r>
+                <a:rPr dirty="0"/>
+                <a:t>…</a:t>
+              </a:r>
+            </a:p>
+          </p:txBody>
+        </p:sp>
+        <p:sp>
+          <p:nvSpPr>
+            <p:cNvPr id="39" name="Shape 367"/>
+            <p:cNvSpPr/>
+            <p:nvPr/>
+          </p:nvSpPr>
+          <p:spPr>
+            <a:xfrm>
+              <a:off x="8573368" y="4594122"/>
+              <a:ext cx="2595259" cy="469901"/>
+            </a:xfrm>
+            <a:prstGeom prst="roundRect">
+              <a:avLst>
+                <a:gd name="adj" fmla="val 10313"/>
+              </a:avLst>
+            </a:prstGeom>
+            <a:solidFill>
+              <a:srgbClr val="FFFFFF"/>
+            </a:solidFill>
+            <a:ln w="12700">
+              <a:solidFill>
+                <a:srgbClr val="D1D1D1"/>
+              </a:solidFill>
+              <a:miter lim="400000"/>
+            </a:ln>
+            <a:effectLst>
+              <a:outerShdw blurRad="25400" dir="5400000" rotWithShape="0">
+                <a:srgbClr val="000000">
+                  <a:alpha val="10000"/>
+                </a:srgbClr>
+              </a:outerShdw>
+            </a:effectLst>
+          </p:spPr>
+          <p:txBody>
+            <a:bodyPr lIns="50800" tIns="50800" rIns="50800" bIns="50800" anchor="ctr"/>
+            <a:lstStyle/>
+            <a:p>
+              <a:pPr marL="91044" algn="l" defTabSz="914400">
+                <a:buClr>
+                  <a:srgbClr val="FAFFFF"/>
+                </a:buClr>
+                <a:buFont typeface="Helvetica Neue"/>
+                <a:defRPr sz="1300">
+                  <a:solidFill>
+                    <a:srgbClr val="5A5C5C"/>
+                  </a:solidFill>
+                  <a:uFill>
+                    <a:solidFill>
+                      <a:srgbClr val="5A5C5C"/>
+                    </a:solidFill>
+                  </a:uFill>
+                  <a:latin typeface="Helvetica Neue Medium"/>
+                  <a:ea typeface="Helvetica Neue Medium"/>
+                  <a:cs typeface="Helvetica Neue Medium"/>
+                  <a:sym typeface="Helvetica Neue Medium"/>
+                </a:defRPr>
+              </a:pPr>
+              <a:endParaRPr sz="1300"/>
+            </a:p>
+          </p:txBody>
+        </p:sp>
+        <p:sp>
+          <p:nvSpPr>
+            <p:cNvPr id="40" name="Shape 368"/>
+            <p:cNvSpPr/>
+            <p:nvPr/>
+          </p:nvSpPr>
+          <p:spPr>
+            <a:xfrm>
+              <a:off x="7445929" y="4537625"/>
+              <a:ext cx="320601" cy="364202"/>
+            </a:xfrm>
+            <a:prstGeom prst="rect">
+              <a:avLst/>
+            </a:prstGeom>
+            <a:ln w="12700">
+              <a:miter lim="400000"/>
+            </a:ln>
+            <a:extLst>
+              <a:ext uri="{C572A759-6A51-4108-AA02-DFA0A04FC94B}">
+                <ma14:wrappingTextBoxFlag xmlns:ma14="http://schemas.microsoft.com/office/mac/drawingml/2011/main" val="1"/>
+              </a:ext>
+            </a:extLst>
+          </p:spPr>
+          <p:txBody>
+            <a:bodyPr wrap="none" lIns="50800" tIns="50800" rIns="50800" bIns="50800" anchor="ctr">
+              <a:spAutoFit/>
+            </a:bodyPr>
+            <a:lstStyle>
+              <a:lvl1pPr algn="l" defTabSz="914400">
+                <a:buClr>
+                  <a:srgbClr val="FAFFFF"/>
+                </a:buClr>
+                <a:buFont typeface="Helvetica Neue"/>
+                <a:defRPr sz="1700" b="1">
+                  <a:solidFill>
+                    <a:srgbClr val="000000"/>
+                  </a:solidFill>
+                  <a:uFill>
+                    <a:solidFill>
+                      <a:srgbClr val="232323"/>
+                    </a:solidFill>
+                  </a:uFill>
+                  <a:latin typeface="Helvetica Neue"/>
+                  <a:ea typeface="Helvetica Neue"/>
+                  <a:cs typeface="Helvetica Neue"/>
+                  <a:sym typeface="Helvetica Neue"/>
+                </a:defRPr>
+              </a:lvl1pPr>
+            </a:lstStyle>
+            <a:p>
+              <a:r>
+                <a:rPr dirty="0"/>
+                <a:t>…</a:t>
+              </a:r>
+            </a:p>
+          </p:txBody>
+        </p:sp>
+        <p:sp>
+          <p:nvSpPr>
+            <p:cNvPr id="41" name="Shape 367"/>
+            <p:cNvSpPr/>
+            <p:nvPr/>
+          </p:nvSpPr>
+          <p:spPr>
+            <a:xfrm>
+              <a:off x="8568024" y="4019904"/>
+              <a:ext cx="2595259" cy="469901"/>
+            </a:xfrm>
+            <a:prstGeom prst="roundRect">
+              <a:avLst>
+                <a:gd name="adj" fmla="val 10313"/>
+              </a:avLst>
+            </a:prstGeom>
+            <a:solidFill>
+              <a:srgbClr val="FFFFFF"/>
+            </a:solidFill>
+            <a:ln w="12700">
+              <a:solidFill>
+                <a:srgbClr val="D1D1D1"/>
+              </a:solidFill>
+              <a:miter lim="400000"/>
+            </a:ln>
+            <a:effectLst>
+              <a:outerShdw blurRad="25400" dir="5400000" rotWithShape="0">
+                <a:srgbClr val="000000">
+                  <a:alpha val="10000"/>
+                </a:srgbClr>
+              </a:outerShdw>
+            </a:effectLst>
+          </p:spPr>
+          <p:txBody>
+            <a:bodyPr lIns="50800" tIns="50800" rIns="50800" bIns="50800" anchor="ctr"/>
+            <a:lstStyle/>
+            <a:p>
+              <a:pPr marL="91044" algn="l" defTabSz="914400">
+                <a:buClr>
+                  <a:srgbClr val="FAFFFF"/>
+                </a:buClr>
+                <a:buFont typeface="Helvetica Neue"/>
+                <a:defRPr sz="1300">
+                  <a:solidFill>
+                    <a:srgbClr val="5A5C5C"/>
+                  </a:solidFill>
+                  <a:uFill>
+                    <a:solidFill>
+                      <a:srgbClr val="5A5C5C"/>
+                    </a:solidFill>
+                  </a:uFill>
+                  <a:latin typeface="Helvetica Neue Medium"/>
+                  <a:ea typeface="Helvetica Neue Medium"/>
+                  <a:cs typeface="Helvetica Neue Medium"/>
+                  <a:sym typeface="Helvetica Neue Medium"/>
+                </a:defRPr>
+              </a:pPr>
+              <a:endParaRPr sz="1300"/>
+            </a:p>
+          </p:txBody>
+        </p:sp>
+        <p:sp>
+          <p:nvSpPr>
+            <p:cNvPr id="42" name="Shape 368"/>
+            <p:cNvSpPr/>
+            <p:nvPr/>
+          </p:nvSpPr>
+          <p:spPr>
+            <a:xfrm>
+              <a:off x="7440585" y="3963407"/>
+              <a:ext cx="320601" cy="364202"/>
+            </a:xfrm>
+            <a:prstGeom prst="rect">
+              <a:avLst/>
+            </a:prstGeom>
+            <a:ln w="12700">
+              <a:miter lim="400000"/>
+            </a:ln>
+            <a:extLst>
+              <a:ext uri="{C572A759-6A51-4108-AA02-DFA0A04FC94B}">
+                <ma14:wrappingTextBoxFlag xmlns:ma14="http://schemas.microsoft.com/office/mac/drawingml/2011/main" val="1"/>
+              </a:ext>
+            </a:extLst>
+          </p:spPr>
+          <p:txBody>
+            <a:bodyPr wrap="none" lIns="50800" tIns="50800" rIns="50800" bIns="50800" anchor="ctr">
+              <a:spAutoFit/>
+            </a:bodyPr>
+            <a:lstStyle>
+              <a:lvl1pPr algn="l" defTabSz="914400">
+                <a:buClr>
+                  <a:srgbClr val="FAFFFF"/>
+                </a:buClr>
+                <a:buFont typeface="Helvetica Neue"/>
+                <a:defRPr sz="1700" b="1">
+                  <a:solidFill>
+                    <a:srgbClr val="000000"/>
+                  </a:solidFill>
+                  <a:uFill>
+                    <a:solidFill>
+                      <a:srgbClr val="232323"/>
+                    </a:solidFill>
+                  </a:uFill>
+                  <a:latin typeface="Helvetica Neue"/>
+                  <a:ea typeface="Helvetica Neue"/>
+                  <a:cs typeface="Helvetica Neue"/>
+                  <a:sym typeface="Helvetica Neue"/>
+                </a:defRPr>
+              </a:lvl1pPr>
+            </a:lstStyle>
+            <a:p>
+              <a:r>
+                <a:t>…</a:t>
+              </a:r>
+            </a:p>
+          </p:txBody>
+        </p:sp>
+        <p:grpSp>
+          <p:nvGrpSpPr>
+            <p:cNvPr id="43" name="Group 42"/>
+            <p:cNvGrpSpPr/>
+            <p:nvPr/>
+          </p:nvGrpSpPr>
+          <p:grpSpPr>
+            <a:xfrm>
+              <a:off x="7451273" y="5127338"/>
+              <a:ext cx="3733386" cy="2251579"/>
+              <a:chOff x="1743760" y="6515752"/>
+              <a:chExt cx="3733386" cy="2251579"/>
+            </a:xfrm>
+          </p:grpSpPr>
+          <p:sp>
+            <p:nvSpPr>
+              <p:cNvPr id="44" name="Shape 367"/>
+              <p:cNvSpPr/>
+              <p:nvPr/>
+            </p:nvSpPr>
+            <p:spPr>
+              <a:xfrm>
+                <a:off x="2881887" y="7146467"/>
+                <a:ext cx="2595259" cy="469901"/>
+              </a:xfrm>
+              <a:prstGeom prst="roundRect">
+                <a:avLst>
+                  <a:gd name="adj" fmla="val 10313"/>
+                </a:avLst>
+              </a:prstGeom>
+              <a:solidFill>
+                <a:srgbClr val="FFFFFF"/>
+              </a:solidFill>
+              <a:ln w="12700">
+                <a:solidFill>
+                  <a:srgbClr val="D1D1D1"/>
+                </a:solidFill>
+                <a:miter lim="400000"/>
+              </a:ln>
+              <a:effectLst>
+                <a:outerShdw blurRad="25400" dir="5400000" rotWithShape="0">
+                  <a:srgbClr val="000000">
+                    <a:alpha val="10000"/>
+                  </a:srgbClr>
+                </a:outerShdw>
+              </a:effectLst>
+            </p:spPr>
+            <p:txBody>
+              <a:bodyPr lIns="50800" tIns="50800" rIns="50800" bIns="50800" anchor="ctr"/>
+              <a:lstStyle/>
+              <a:p>
+                <a:pPr marL="91044" algn="l" defTabSz="914400">
+                  <a:buClr>
+                    <a:srgbClr val="FAFFFF"/>
+                  </a:buClr>
+                  <a:buFont typeface="Helvetica Neue"/>
+                  <a:defRPr sz="1300">
+                    <a:solidFill>
+                      <a:srgbClr val="5A5C5C"/>
+                    </a:solidFill>
+                    <a:uFill>
+                      <a:solidFill>
+                        <a:srgbClr val="5A5C5C"/>
+                      </a:solidFill>
+                    </a:uFill>
+                    <a:latin typeface="Helvetica Neue Medium"/>
+                    <a:ea typeface="Helvetica Neue Medium"/>
+                    <a:cs typeface="Helvetica Neue Medium"/>
+                    <a:sym typeface="Helvetica Neue Medium"/>
+                  </a:defRPr>
+                </a:pPr>
+                <a:endParaRPr sz="1300"/>
+              </a:p>
+            </p:txBody>
+          </p:sp>
+          <p:sp>
+            <p:nvSpPr>
+              <p:cNvPr id="45" name="Shape 368"/>
+              <p:cNvSpPr/>
+              <p:nvPr/>
+            </p:nvSpPr>
+            <p:spPr>
+              <a:xfrm>
+                <a:off x="1754448" y="7089970"/>
+                <a:ext cx="320601" cy="364202"/>
+              </a:xfrm>
+              <a:prstGeom prst="rect">
+                <a:avLst/>
+              </a:prstGeom>
+              <a:ln w="12700">
+                <a:miter lim="400000"/>
+              </a:ln>
+              <a:extLst>
+                <a:ext uri="{C572A759-6A51-4108-AA02-DFA0A04FC94B}">
+                  <ma14:wrappingTextBoxFlag xmlns:ma14="http://schemas.microsoft.com/office/mac/drawingml/2011/main" val="1"/>
+                </a:ext>
+              </a:extLst>
+            </p:spPr>
+            <p:txBody>
+              <a:bodyPr wrap="none" lIns="50800" tIns="50800" rIns="50800" bIns="50800" anchor="ctr">
+                <a:spAutoFit/>
+              </a:bodyPr>
+              <a:lstStyle>
+                <a:lvl1pPr algn="l" defTabSz="914400">
+                  <a:buClr>
+                    <a:srgbClr val="FAFFFF"/>
+                  </a:buClr>
+                  <a:buFont typeface="Helvetica Neue"/>
+                  <a:defRPr sz="1700" b="1">
+                    <a:solidFill>
+                      <a:srgbClr val="000000"/>
+                    </a:solidFill>
+                    <a:uFill>
+                      <a:solidFill>
+                        <a:srgbClr val="232323"/>
+                      </a:solidFill>
+                    </a:uFill>
+                    <a:latin typeface="Helvetica Neue"/>
+                    <a:ea typeface="Helvetica Neue"/>
+                    <a:cs typeface="Helvetica Neue"/>
+                    <a:sym typeface="Helvetica Neue"/>
+                  </a:defRPr>
+                </a:lvl1pPr>
+              </a:lstStyle>
+              <a:p>
+                <a:r>
+                  <a:rPr dirty="0"/>
+                  <a:t>…</a:t>
+                </a:r>
+              </a:p>
+            </p:txBody>
+          </p:sp>
+          <p:sp>
+            <p:nvSpPr>
+              <p:cNvPr id="46" name="Shape 367"/>
+              <p:cNvSpPr/>
+              <p:nvPr/>
+            </p:nvSpPr>
+            <p:spPr>
+              <a:xfrm>
+                <a:off x="2876543" y="6572249"/>
+                <a:ext cx="2595259" cy="469901"/>
+              </a:xfrm>
+              <a:prstGeom prst="roundRect">
+                <a:avLst>
+                  <a:gd name="adj" fmla="val 10313"/>
+                </a:avLst>
+              </a:prstGeom>
+              <a:solidFill>
+                <a:srgbClr val="FFFFFF"/>
+              </a:solidFill>
+              <a:ln w="12700">
+                <a:solidFill>
+                  <a:srgbClr val="D1D1D1"/>
+                </a:solidFill>
+                <a:miter lim="400000"/>
+              </a:ln>
+              <a:effectLst>
+                <a:outerShdw blurRad="25400" dir="5400000" rotWithShape="0">
+                  <a:srgbClr val="000000">
+                    <a:alpha val="10000"/>
+                  </a:srgbClr>
+                </a:outerShdw>
+              </a:effectLst>
+            </p:spPr>
+            <p:txBody>
+              <a:bodyPr lIns="50800" tIns="50800" rIns="50800" bIns="50800" anchor="ctr"/>
+              <a:lstStyle/>
+              <a:p>
+                <a:pPr marL="91044" algn="l" defTabSz="914400">
+                  <a:buClr>
+                    <a:srgbClr val="FAFFFF"/>
+                  </a:buClr>
+                  <a:buFont typeface="Helvetica Neue"/>
+                  <a:defRPr sz="1300">
+                    <a:solidFill>
+                      <a:srgbClr val="5A5C5C"/>
+                    </a:solidFill>
+                    <a:uFill>
+                      <a:solidFill>
+                        <a:srgbClr val="5A5C5C"/>
+                      </a:solidFill>
+                    </a:uFill>
+                    <a:latin typeface="Helvetica Neue Medium"/>
+                    <a:ea typeface="Helvetica Neue Medium"/>
+                    <a:cs typeface="Helvetica Neue Medium"/>
+                    <a:sym typeface="Helvetica Neue Medium"/>
+                  </a:defRPr>
+                </a:pPr>
+                <a:endParaRPr sz="1300"/>
+              </a:p>
+            </p:txBody>
+          </p:sp>
+          <p:sp>
+            <p:nvSpPr>
+              <p:cNvPr id="47" name="Shape 368"/>
+              <p:cNvSpPr/>
+              <p:nvPr/>
+            </p:nvSpPr>
+            <p:spPr>
+              <a:xfrm>
+                <a:off x="1749104" y="6515752"/>
+                <a:ext cx="320601" cy="364202"/>
+              </a:xfrm>
+              <a:prstGeom prst="rect">
+                <a:avLst/>
+              </a:prstGeom>
+              <a:ln w="12700">
+                <a:miter lim="400000"/>
+              </a:ln>
+              <a:extLst>
+                <a:ext uri="{C572A759-6A51-4108-AA02-DFA0A04FC94B}">
+                  <ma14:wrappingTextBoxFlag xmlns:ma14="http://schemas.microsoft.com/office/mac/drawingml/2011/main" val="1"/>
+                </a:ext>
+              </a:extLst>
+            </p:spPr>
+            <p:txBody>
+              <a:bodyPr wrap="none" lIns="50800" tIns="50800" rIns="50800" bIns="50800" anchor="ctr">
+                <a:spAutoFit/>
+              </a:bodyPr>
+              <a:lstStyle>
+                <a:lvl1pPr algn="l" defTabSz="914400">
+                  <a:buClr>
+                    <a:srgbClr val="FAFFFF"/>
+                  </a:buClr>
+                  <a:buFont typeface="Helvetica Neue"/>
+                  <a:defRPr sz="1700" b="1">
+                    <a:solidFill>
+                      <a:srgbClr val="000000"/>
+                    </a:solidFill>
+                    <a:uFill>
+                      <a:solidFill>
+                        <a:srgbClr val="232323"/>
+                      </a:solidFill>
+                    </a:uFill>
+                    <a:latin typeface="Helvetica Neue"/>
+                    <a:ea typeface="Helvetica Neue"/>
+                    <a:cs typeface="Helvetica Neue"/>
+                    <a:sym typeface="Helvetica Neue"/>
+                  </a:defRPr>
+                </a:lvl1pPr>
+              </a:lstStyle>
+              <a:p>
+                <a:r>
+                  <a:t>…</a:t>
+                </a:r>
+              </a:p>
+            </p:txBody>
+          </p:sp>
+          <p:sp>
+            <p:nvSpPr>
+              <p:cNvPr id="48" name="Shape 367"/>
+              <p:cNvSpPr/>
+              <p:nvPr/>
+            </p:nvSpPr>
+            <p:spPr>
+              <a:xfrm>
+                <a:off x="2876543" y="8297430"/>
+                <a:ext cx="2595259" cy="469901"/>
+              </a:xfrm>
+              <a:prstGeom prst="roundRect">
+                <a:avLst>
+                  <a:gd name="adj" fmla="val 10313"/>
+                </a:avLst>
+              </a:prstGeom>
+              <a:solidFill>
+                <a:srgbClr val="FFFFFF"/>
+              </a:solidFill>
+              <a:ln w="12700">
+                <a:solidFill>
+                  <a:srgbClr val="D1D1D1"/>
+                </a:solidFill>
+                <a:miter lim="400000"/>
+              </a:ln>
+              <a:effectLst>
+                <a:outerShdw blurRad="25400" dir="5400000" rotWithShape="0">
+                  <a:srgbClr val="000000">
+                    <a:alpha val="10000"/>
+                  </a:srgbClr>
+                </a:outerShdw>
+              </a:effectLst>
+            </p:spPr>
+            <p:txBody>
+              <a:bodyPr lIns="50800" tIns="50800" rIns="50800" bIns="50800" anchor="ctr"/>
+              <a:lstStyle/>
+              <a:p>
+                <a:pPr marL="91044" algn="l" defTabSz="914400">
+                  <a:buClr>
+                    <a:srgbClr val="FAFFFF"/>
+                  </a:buClr>
+                  <a:buFont typeface="Helvetica Neue"/>
+                  <a:defRPr sz="1300">
+                    <a:solidFill>
+                      <a:srgbClr val="5A5C5C"/>
+                    </a:solidFill>
+                    <a:uFill>
+                      <a:solidFill>
+                        <a:srgbClr val="5A5C5C"/>
+                      </a:solidFill>
+                    </a:uFill>
+                    <a:latin typeface="Helvetica Neue Medium"/>
+                    <a:ea typeface="Helvetica Neue Medium"/>
+                    <a:cs typeface="Helvetica Neue Medium"/>
+                    <a:sym typeface="Helvetica Neue Medium"/>
+                  </a:defRPr>
+                </a:pPr>
+                <a:endParaRPr sz="1300"/>
+              </a:p>
+            </p:txBody>
+          </p:sp>
+          <p:sp>
+            <p:nvSpPr>
+              <p:cNvPr id="49" name="Shape 368"/>
+              <p:cNvSpPr/>
+              <p:nvPr/>
+            </p:nvSpPr>
+            <p:spPr>
+              <a:xfrm>
+                <a:off x="1749104" y="8240933"/>
+                <a:ext cx="320601" cy="364202"/>
+              </a:xfrm>
+              <a:prstGeom prst="rect">
+                <a:avLst/>
+              </a:prstGeom>
+              <a:ln w="12700">
+                <a:miter lim="400000"/>
+              </a:ln>
+              <a:extLst>
+                <a:ext uri="{C572A759-6A51-4108-AA02-DFA0A04FC94B}">
+                  <ma14:wrappingTextBoxFlag xmlns:ma14="http://schemas.microsoft.com/office/mac/drawingml/2011/main" val="1"/>
+                </a:ext>
+              </a:extLst>
+            </p:spPr>
+            <p:txBody>
+              <a:bodyPr wrap="none" lIns="50800" tIns="50800" rIns="50800" bIns="50800" anchor="ctr">
+                <a:spAutoFit/>
+              </a:bodyPr>
+              <a:lstStyle>
+                <a:lvl1pPr algn="l" defTabSz="914400">
+                  <a:buClr>
+                    <a:srgbClr val="FAFFFF"/>
+                  </a:buClr>
+                  <a:buFont typeface="Helvetica Neue"/>
+                  <a:defRPr sz="1700" b="1">
+                    <a:solidFill>
+                      <a:srgbClr val="000000"/>
+                    </a:solidFill>
+                    <a:uFill>
+                      <a:solidFill>
+                        <a:srgbClr val="232323"/>
+                      </a:solidFill>
+                    </a:uFill>
+                    <a:latin typeface="Helvetica Neue"/>
+                    <a:ea typeface="Helvetica Neue"/>
+                    <a:cs typeface="Helvetica Neue"/>
+                    <a:sym typeface="Helvetica Neue"/>
+                  </a:defRPr>
+                </a:lvl1pPr>
+              </a:lstStyle>
+              <a:p>
+                <a:r>
+                  <a:rPr dirty="0"/>
+                  <a:t>…</a:t>
+                </a:r>
+              </a:p>
+            </p:txBody>
+          </p:sp>
+          <p:sp>
+            <p:nvSpPr>
+              <p:cNvPr id="50" name="Shape 367"/>
+              <p:cNvSpPr/>
+              <p:nvPr/>
+            </p:nvSpPr>
+            <p:spPr>
+              <a:xfrm>
+                <a:off x="2871199" y="7723212"/>
+                <a:ext cx="2595259" cy="469901"/>
+              </a:xfrm>
+              <a:prstGeom prst="roundRect">
+                <a:avLst>
+                  <a:gd name="adj" fmla="val 10313"/>
+                </a:avLst>
+              </a:prstGeom>
+              <a:solidFill>
+                <a:srgbClr val="FFFFFF"/>
+              </a:solidFill>
+              <a:ln w="12700">
+                <a:solidFill>
+                  <a:srgbClr val="D1D1D1"/>
+                </a:solidFill>
+                <a:miter lim="400000"/>
+              </a:ln>
+              <a:effectLst>
+                <a:outerShdw blurRad="25400" dir="5400000" rotWithShape="0">
+                  <a:srgbClr val="000000">
+                    <a:alpha val="10000"/>
+                  </a:srgbClr>
+                </a:outerShdw>
+              </a:effectLst>
+            </p:spPr>
+            <p:txBody>
+              <a:bodyPr lIns="50800" tIns="50800" rIns="50800" bIns="50800" anchor="ctr"/>
+              <a:lstStyle/>
+              <a:p>
+                <a:pPr marL="91044" algn="l" defTabSz="914400">
+                  <a:buClr>
+                    <a:srgbClr val="FAFFFF"/>
+                  </a:buClr>
+                  <a:buFont typeface="Helvetica Neue"/>
+                  <a:defRPr sz="1300">
+                    <a:solidFill>
+                      <a:srgbClr val="5A5C5C"/>
+                    </a:solidFill>
+                    <a:uFill>
+                      <a:solidFill>
+                        <a:srgbClr val="5A5C5C"/>
+                      </a:solidFill>
+                    </a:uFill>
+                    <a:latin typeface="Helvetica Neue Medium"/>
+                    <a:ea typeface="Helvetica Neue Medium"/>
+                    <a:cs typeface="Helvetica Neue Medium"/>
+                    <a:sym typeface="Helvetica Neue Medium"/>
+                  </a:defRPr>
+                </a:pPr>
+                <a:endParaRPr sz="1300"/>
+              </a:p>
+            </p:txBody>
+          </p:sp>
+          <p:sp>
+            <p:nvSpPr>
+              <p:cNvPr id="51" name="Shape 368"/>
+              <p:cNvSpPr/>
+              <p:nvPr/>
+            </p:nvSpPr>
+            <p:spPr>
+              <a:xfrm>
+                <a:off x="1743760" y="7666715"/>
+                <a:ext cx="320601" cy="364202"/>
+              </a:xfrm>
+              <a:prstGeom prst="rect">
+                <a:avLst/>
+              </a:prstGeom>
+              <a:ln w="12700">
+                <a:miter lim="400000"/>
+              </a:ln>
+              <a:extLst>
+                <a:ext uri="{C572A759-6A51-4108-AA02-DFA0A04FC94B}">
+                  <ma14:wrappingTextBoxFlag xmlns:ma14="http://schemas.microsoft.com/office/mac/drawingml/2011/main" val="1"/>
+                </a:ext>
+              </a:extLst>
+            </p:spPr>
+            <p:txBody>
+              <a:bodyPr wrap="none" lIns="50800" tIns="50800" rIns="50800" bIns="50800" anchor="ctr">
+                <a:spAutoFit/>
+              </a:bodyPr>
+              <a:lstStyle>
+                <a:lvl1pPr algn="l" defTabSz="914400">
+                  <a:buClr>
+                    <a:srgbClr val="FAFFFF"/>
+                  </a:buClr>
+                  <a:buFont typeface="Helvetica Neue"/>
+                  <a:defRPr sz="1700" b="1">
+                    <a:solidFill>
+                      <a:srgbClr val="000000"/>
+                    </a:solidFill>
+                    <a:uFill>
+                      <a:solidFill>
+                        <a:srgbClr val="232323"/>
+                      </a:solidFill>
+                    </a:uFill>
+                    <a:latin typeface="Helvetica Neue"/>
+                    <a:ea typeface="Helvetica Neue"/>
+                    <a:cs typeface="Helvetica Neue"/>
+                    <a:sym typeface="Helvetica Neue"/>
+                  </a:defRPr>
+                </a:lvl1pPr>
+              </a:lstStyle>
+              <a:p>
+                <a:r>
+                  <a:t>…</a:t>
+                </a:r>
+              </a:p>
+            </p:txBody>
+          </p:sp>
+        </p:grpSp>
+      </p:grpSp>
+      <p:grpSp>
+        <p:nvGrpSpPr>
+          <p:cNvPr id="52" name="Group 361"/>
+          <p:cNvGrpSpPr/>
+          <p:nvPr/>
+        </p:nvGrpSpPr>
+        <p:grpSpPr>
+          <a:xfrm>
+            <a:off x="4407220" y="6462014"/>
+            <a:ext cx="2501901" cy="381001"/>
+            <a:chOff x="0" y="0"/>
+            <a:chExt cx="2501899" cy="380999"/>
+          </a:xfrm>
+        </p:grpSpPr>
+        <p:sp>
+          <p:nvSpPr>
+            <p:cNvPr id="53" name="Shape 356"/>
+            <p:cNvSpPr/>
+            <p:nvPr/>
+          </p:nvSpPr>
+          <p:spPr>
+            <a:xfrm>
+              <a:off x="0" y="0"/>
+              <a:ext cx="2247901" cy="381000"/>
+            </a:xfrm>
+            <a:custGeom>
+              <a:avLst/>
+              <a:gdLst/>
+              <a:ahLst/>
+              <a:cxnLst>
+                <a:cxn ang="0">
+                  <a:pos x="wd2" y="hd2"/>
+                </a:cxn>
+                <a:cxn ang="5400000">
+                  <a:pos x="wd2" y="hd2"/>
+                </a:cxn>
+                <a:cxn ang="10800000">
+                  <a:pos x="wd2" y="hd2"/>
+                </a:cxn>
+                <a:cxn ang="16200000">
+                  <a:pos x="wd2" y="hd2"/>
+                </a:cxn>
+              </a:cxnLst>
+              <a:rect l="0" t="0" r="r" b="b"/>
+              <a:pathLst>
+                <a:path w="21600" h="21600" extrusionOk="0">
+                  <a:moveTo>
+                    <a:pt x="0" y="2061"/>
+                  </a:moveTo>
+                  <a:cubicBezTo>
+                    <a:pt x="0" y="923"/>
+                    <a:pt x="116" y="0"/>
+                    <a:pt x="260" y="0"/>
+                  </a:cubicBezTo>
+                  <a:lnTo>
+                    <a:pt x="21600" y="0"/>
+                  </a:lnTo>
+                  <a:lnTo>
+                    <a:pt x="21600" y="21600"/>
+                  </a:lnTo>
+                  <a:lnTo>
+                    <a:pt x="260" y="21600"/>
+                  </a:lnTo>
+                  <a:cubicBezTo>
+                    <a:pt x="116" y="21600"/>
+                    <a:pt x="0" y="20677"/>
+                    <a:pt x="0" y="19539"/>
+                  </a:cubicBezTo>
+                  <a:lnTo>
+                    <a:pt x="0" y="2061"/>
+                  </a:lnTo>
+                  <a:close/>
+                </a:path>
+              </a:pathLst>
+            </a:custGeom>
+            <a:gradFill flip="none" rotWithShape="1">
+              <a:gsLst>
+                <a:gs pos="0">
+                  <a:srgbClr val="FFFFFF"/>
+                </a:gs>
+                <a:gs pos="100000">
+                  <a:srgbClr val="E0E0E0"/>
+                </a:gs>
+              </a:gsLst>
+              <a:lin ang="16200000" scaled="0"/>
+            </a:gradFill>
+            <a:ln w="12700" cap="flat">
+              <a:solidFill>
+                <a:srgbClr val="9C9C9C"/>
+              </a:solidFill>
+              <a:prstDash val="solid"/>
+              <a:round/>
+            </a:ln>
+            <a:effectLst/>
+            <a:extLst>
+              <a:ext uri="{C572A759-6A51-4108-AA02-DFA0A04FC94B}">
+                <ma14:wrappingTextBoxFlag xmlns:ma14="http://schemas.microsoft.com/office/mac/drawingml/2011/main" val="1"/>
+              </a:ext>
+            </a:extLst>
+          </p:spPr>
+          <p:txBody>
+            <a:bodyPr wrap="square" lIns="50800" tIns="50800" rIns="50800" bIns="50800" numCol="1" anchor="ctr">
+              <a:noAutofit/>
+            </a:bodyPr>
+            <a:lstStyle>
+              <a:lvl1pPr marL="91439" algn="l" defTabSz="914400">
+                <a:buClr>
+                  <a:srgbClr val="5A5C5C"/>
+                </a:buClr>
+                <a:buFont typeface="Helvetica Neue"/>
+                <a:defRPr sz="1300">
+                  <a:solidFill>
+                    <a:srgbClr val="5A5C5C"/>
+                  </a:solidFill>
+                  <a:uFill>
+                    <a:solidFill>
+                      <a:srgbClr val="5A5C5C"/>
+                    </a:solidFill>
+                  </a:uFill>
+                  <a:latin typeface="Helvetica Neue"/>
+                  <a:ea typeface="Helvetica Neue"/>
+                  <a:cs typeface="Helvetica Neue"/>
+                  <a:sym typeface="Helvetica Neue"/>
+                </a:defRPr>
+              </a:lvl1pPr>
+            </a:lstStyle>
+            <a:p>
+              <a:r>
+                <a:rPr dirty="0"/>
+                <a:t>- - Select - -</a:t>
+              </a:r>
+            </a:p>
+          </p:txBody>
+        </p:sp>
+        <p:grpSp>
+          <p:nvGrpSpPr>
+            <p:cNvPr id="54" name="Group 360"/>
+            <p:cNvGrpSpPr/>
+            <p:nvPr/>
+          </p:nvGrpSpPr>
+          <p:grpSpPr>
+            <a:xfrm>
+              <a:off x="2252388" y="0"/>
+              <a:ext cx="249512" cy="381000"/>
+              <a:chOff x="0" y="0"/>
+              <a:chExt cx="249511" cy="380999"/>
+            </a:xfrm>
+          </p:grpSpPr>
+          <p:sp>
+            <p:nvSpPr>
+              <p:cNvPr id="55" name="Shape 357"/>
+              <p:cNvSpPr/>
+              <p:nvPr/>
+            </p:nvSpPr>
+            <p:spPr>
+              <a:xfrm>
+                <a:off x="0" y="0"/>
+                <a:ext cx="249512" cy="381000"/>
+              </a:xfrm>
+              <a:custGeom>
+                <a:avLst/>
+                <a:gdLst/>
+                <a:ahLst/>
+                <a:cxnLst>
+                  <a:cxn ang="0">
+                    <a:pos x="wd2" y="hd2"/>
+                  </a:cxn>
+                  <a:cxn ang="5400000">
+                    <a:pos x="wd2" y="hd2"/>
+                  </a:cxn>
+                  <a:cxn ang="10800000">
+                    <a:pos x="wd2" y="hd2"/>
+                  </a:cxn>
+                  <a:cxn ang="16200000">
+                    <a:pos x="wd2" y="hd2"/>
+                  </a:cxn>
+                </a:cxnLst>
+                <a:rect l="0" t="0" r="r" b="b"/>
+                <a:pathLst>
+                  <a:path w="21600" h="21600" extrusionOk="0">
+                    <a:moveTo>
+                      <a:pt x="0" y="0"/>
+                    </a:moveTo>
+                    <a:lnTo>
+                      <a:pt x="16708" y="0"/>
+                    </a:lnTo>
+                    <a:cubicBezTo>
+                      <a:pt x="19410" y="0"/>
+                      <a:pt x="21600" y="1652"/>
+                      <a:pt x="21600" y="3689"/>
+                    </a:cubicBezTo>
+                    <a:lnTo>
+                      <a:pt x="21600" y="17911"/>
+                    </a:lnTo>
+                    <a:cubicBezTo>
+                      <a:pt x="21600" y="19948"/>
+                      <a:pt x="19410" y="21600"/>
+                      <a:pt x="16708" y="21600"/>
+                    </a:cubicBezTo>
+                    <a:lnTo>
+                      <a:pt x="0" y="21600"/>
+                    </a:lnTo>
+                    <a:lnTo>
+                      <a:pt x="0" y="0"/>
+                    </a:lnTo>
+                    <a:close/>
+                  </a:path>
+                </a:pathLst>
+              </a:custGeom>
+              <a:gradFill flip="none" rotWithShape="1">
+                <a:gsLst>
+                  <a:gs pos="0">
+                    <a:srgbClr val="FFFFFF"/>
+                  </a:gs>
+                  <a:gs pos="100000">
+                    <a:srgbClr val="D1D1D1"/>
+                  </a:gs>
+                </a:gsLst>
+                <a:lin ang="0" scaled="0"/>
+              </a:gradFill>
+              <a:ln w="12700" cap="flat">
+                <a:solidFill>
+                  <a:srgbClr val="9C9C9C"/>
+                </a:solidFill>
+                <a:prstDash val="solid"/>
+                <a:miter lim="400000"/>
+              </a:ln>
+              <a:effectLst/>
+            </p:spPr>
+            <p:txBody>
+              <a:bodyPr wrap="square" lIns="50800" tIns="50800" rIns="50800" bIns="50800" numCol="1" anchor="ctr">
+                <a:noAutofit/>
+              </a:bodyPr>
+              <a:lstStyle/>
+              <a:p>
+                <a:pPr marL="40639" marR="40639" algn="l" defTabSz="914400">
+                  <a:defRPr sz="1200">
+                    <a:solidFill>
+                      <a:srgbClr val="000000"/>
+                    </a:solidFill>
+                    <a:uFill>
+                      <a:solidFill>
+                        <a:srgbClr val="000000"/>
+                      </a:solidFill>
+                    </a:uFill>
+                  </a:defRPr>
+                </a:pPr>
+                <a:endParaRPr sz="1200"/>
+              </a:p>
+            </p:txBody>
+          </p:sp>
+          <p:sp>
+            <p:nvSpPr>
+              <p:cNvPr id="56" name="Shape 358"/>
+              <p:cNvSpPr/>
+              <p:nvPr/>
+            </p:nvSpPr>
+            <p:spPr>
+              <a:xfrm rot="10800000">
+                <a:off x="71166" y="212190"/>
+                <a:ext cx="92405" cy="70731"/>
+              </a:xfrm>
+              <a:prstGeom prst="triangle">
+                <a:avLst/>
+              </a:prstGeom>
+              <a:gradFill flip="none" rotWithShape="1">
+                <a:gsLst>
+                  <a:gs pos="0">
+                    <a:srgbClr val="A8A8A8"/>
+                  </a:gs>
+                  <a:gs pos="100000">
+                    <a:srgbClr val="676867"/>
+                  </a:gs>
+                </a:gsLst>
+                <a:lin ang="16200000" scaled="0"/>
+              </a:gradFill>
+              <a:ln w="6350" cap="flat">
+                <a:solidFill>
+                  <a:srgbClr val="565656"/>
+                </a:solidFill>
+                <a:prstDash val="solid"/>
+                <a:miter lim="400000"/>
+              </a:ln>
+              <a:effectLst>
+                <a:outerShdw blurRad="38100" dist="12700" dir="5400000" rotWithShape="0">
+                  <a:srgbClr val="D2D2D2">
+                    <a:alpha val="74996"/>
+                  </a:srgbClr>
+                </a:outerShdw>
+              </a:effectLst>
+            </p:spPr>
+            <p:txBody>
+              <a:bodyPr wrap="square" lIns="50800" tIns="50800" rIns="50800" bIns="50800" numCol="1" anchor="ctr">
+                <a:noAutofit/>
+              </a:bodyPr>
+              <a:lstStyle/>
+              <a:p>
+                <a:pPr marL="40639" marR="40639" algn="l" defTabSz="914400">
+                  <a:defRPr sz="1200">
+                    <a:solidFill>
+                      <a:srgbClr val="000000"/>
+                    </a:solidFill>
+                    <a:uFill>
+                      <a:solidFill>
+                        <a:srgbClr val="000000"/>
+                      </a:solidFill>
+                    </a:uFill>
+                  </a:defRPr>
+                </a:pPr>
+                <a:endParaRPr sz="1200"/>
+              </a:p>
+            </p:txBody>
+          </p:sp>
+          <p:sp>
+            <p:nvSpPr>
+              <p:cNvPr id="57" name="Shape 359"/>
+              <p:cNvSpPr/>
+              <p:nvPr/>
+            </p:nvSpPr>
+            <p:spPr>
+              <a:xfrm>
+                <a:off x="71166" y="88648"/>
+                <a:ext cx="92405" cy="69317"/>
+              </a:xfrm>
+              <a:prstGeom prst="triangle">
+                <a:avLst/>
+              </a:prstGeom>
+              <a:gradFill flip="none" rotWithShape="1">
+                <a:gsLst>
+                  <a:gs pos="0">
+                    <a:srgbClr val="A8A8A8"/>
+                  </a:gs>
+                  <a:gs pos="100000">
+                    <a:srgbClr val="676867"/>
+                  </a:gs>
+                </a:gsLst>
+                <a:lin ang="16200000" scaled="0"/>
+              </a:gradFill>
+              <a:ln w="6350" cap="flat">
+                <a:solidFill>
+                  <a:srgbClr val="565656"/>
+                </a:solidFill>
+                <a:prstDash val="solid"/>
+                <a:miter lim="400000"/>
+              </a:ln>
+              <a:effectLst>
+                <a:outerShdw blurRad="38100" dist="12700" dir="5400000" rotWithShape="0">
+                  <a:srgbClr val="D2D2D2">
+                    <a:alpha val="74996"/>
+                  </a:srgbClr>
+                </a:outerShdw>
+              </a:effectLst>
+            </p:spPr>
+            <p:txBody>
+              <a:bodyPr wrap="square" lIns="50800" tIns="50800" rIns="50800" bIns="50800" numCol="1" anchor="ctr">
+                <a:noAutofit/>
+              </a:bodyPr>
+              <a:lstStyle/>
+              <a:p>
+                <a:pPr marL="40639" marR="40639" algn="l" defTabSz="914400">
+                  <a:defRPr sz="1200">
+                    <a:solidFill>
+                      <a:srgbClr val="000000"/>
+                    </a:solidFill>
+                    <a:uFill>
+                      <a:solidFill>
+                        <a:srgbClr val="000000"/>
+                      </a:solidFill>
+                    </a:uFill>
+                  </a:defRPr>
+                </a:pPr>
+                <a:endParaRPr sz="1200"/>
+              </a:p>
+            </p:txBody>
+          </p:sp>
+        </p:grpSp>
+      </p:grpSp>
+      <p:sp>
+        <p:nvSpPr>
+          <p:cNvPr id="58" name="Shape 363"/>
+          <p:cNvSpPr/>
+          <p:nvPr/>
+        </p:nvSpPr>
+        <p:spPr>
+          <a:xfrm>
+            <a:off x="4398060" y="6879954"/>
+            <a:ext cx="2492376" cy="1130301"/>
+          </a:xfrm>
+          <a:prstGeom prst="roundRect">
+            <a:avLst>
+              <a:gd name="adj" fmla="val 5743"/>
+            </a:avLst>
+          </a:prstGeom>
+          <a:solidFill>
+            <a:srgbClr val="FFFFFF"/>
+          </a:solidFill>
+          <a:ln>
+            <a:solidFill>
+              <a:srgbClr val="C3C3C3"/>
+            </a:solidFill>
+            <a:miter lim="400000"/>
+          </a:ln>
+          <a:effectLst>
+            <a:outerShdw blurRad="101600" dist="50800" dir="2700000" rotWithShape="0">
+              <a:srgbClr val="000000">
+                <a:alpha val="15000"/>
+              </a:srgbClr>
+            </a:outerShdw>
+          </a:effectLst>
+          <a:extLst>
+            <a:ext uri="{C572A759-6A51-4108-AA02-DFA0A04FC94B}">
+              <ma14:wrappingTextBoxFlag xmlns:ma14="http://schemas.microsoft.com/office/mac/drawingml/2011/main" val="1"/>
+            </a:ext>
+          </a:extLst>
+        </p:spPr>
+        <p:txBody>
+          <a:bodyPr lIns="114300" tIns="114300" rIns="114300" bIns="114300" anchor="ctr"/>
+          <a:lstStyle/>
+          <a:p>
+            <a:pPr algn="l" defTabSz="914400">
+              <a:lnSpc>
+                <a:spcPct val="150000"/>
+              </a:lnSpc>
+              <a:defRPr sz="1400">
+                <a:solidFill>
+                  <a:srgbClr val="373939"/>
+                </a:solidFill>
+                <a:uFill>
+                  <a:solidFill>
+                    <a:srgbClr val="373939"/>
+                  </a:solidFill>
+                </a:uFill>
+                <a:latin typeface="Helvetica Neue"/>
+                <a:ea typeface="Helvetica Neue"/>
+                <a:cs typeface="Helvetica Neue"/>
+                <a:sym typeface="Helvetica Neue"/>
+              </a:defRPr>
+            </a:pPr>
+            <a:r>
+              <a:rPr lang="en-US" sz="1400" dirty="0" smtClean="0"/>
+              <a:t>   </a:t>
+            </a:r>
+            <a:r>
+              <a:rPr lang="en-US" sz="1400" dirty="0" err="1" smtClean="0"/>
+              <a:t>Culicidae</a:t>
+            </a:r>
+            <a:endParaRPr sz="1400" dirty="0"/>
+          </a:p>
+          <a:p>
+            <a:pPr algn="l" defTabSz="914400">
+              <a:lnSpc>
+                <a:spcPct val="150000"/>
+              </a:lnSpc>
+              <a:defRPr sz="1400">
+                <a:solidFill>
+                  <a:srgbClr val="373939"/>
+                </a:solidFill>
+                <a:uFill>
+                  <a:solidFill>
+                    <a:srgbClr val="373939"/>
+                  </a:solidFill>
+                </a:uFill>
+                <a:latin typeface="Helvetica Neue"/>
+                <a:ea typeface="Helvetica Neue"/>
+                <a:cs typeface="Helvetica Neue"/>
+                <a:sym typeface="Helvetica Neue"/>
+              </a:defRPr>
+            </a:pPr>
+            <a:r>
+              <a:rPr sz="1400" dirty="0"/>
+              <a:t>   </a:t>
+            </a:r>
+            <a:r>
+              <a:rPr lang="en-US" sz="1400" dirty="0" smtClean="0"/>
+              <a:t>Apieda</a:t>
+            </a:r>
+            <a:endParaRPr sz="1400" dirty="0"/>
+          </a:p>
+          <a:p>
+            <a:pPr algn="l" defTabSz="914400">
+              <a:lnSpc>
+                <a:spcPct val="150000"/>
+              </a:lnSpc>
+              <a:defRPr sz="1400">
+                <a:solidFill>
+                  <a:srgbClr val="373939"/>
+                </a:solidFill>
+                <a:uFill>
+                  <a:solidFill>
+                    <a:srgbClr val="373939"/>
+                  </a:solidFill>
+                </a:uFill>
+                <a:latin typeface="Helvetica Neue"/>
+                <a:ea typeface="Helvetica Neue"/>
+                <a:cs typeface="Helvetica Neue"/>
+                <a:sym typeface="Helvetica Neue"/>
+              </a:defRPr>
+            </a:pPr>
+            <a:r>
+              <a:rPr sz="1400" dirty="0"/>
+              <a:t>  </a:t>
+            </a:r>
+            <a:r>
+              <a:rPr lang="en-US" sz="1400" dirty="0" smtClean="0"/>
+              <a:t> ADD NEW</a:t>
+            </a:r>
+            <a:endParaRPr sz="1400" dirty="0"/>
+          </a:p>
+        </p:txBody>
+      </p:sp>
+      <p:sp>
+        <p:nvSpPr>
+          <p:cNvPr id="67" name="Shape 403"/>
+          <p:cNvSpPr/>
+          <p:nvPr/>
+        </p:nvSpPr>
+        <p:spPr>
+          <a:xfrm>
+            <a:off x="37660" y="5790623"/>
+            <a:ext cx="1585393" cy="1114092"/>
+          </a:xfrm>
+          <a:prstGeom prst="roundRect">
+            <a:avLst>
+              <a:gd name="adj" fmla="val 25360"/>
+            </a:avLst>
+          </a:prstGeom>
+          <a:solidFill>
+            <a:srgbClr val="FFFFFF"/>
+          </a:solidFill>
+          <a:ln w="25400">
+            <a:solidFill>
+              <a:srgbClr val="85888D"/>
+            </a:solidFill>
+            <a:miter lim="400000"/>
+          </a:ln>
+          <a:extLst>
+            <a:ext uri="{C572A759-6A51-4108-AA02-DFA0A04FC94B}">
+              <ma14:wrappingTextBoxFlag xmlns:ma14="http://schemas.microsoft.com/office/mac/drawingml/2011/main" val="1"/>
+            </a:ext>
+          </a:extLst>
+        </p:spPr>
+        <p:txBody>
+          <a:bodyPr lIns="50800" tIns="50800" rIns="50800" bIns="50800"/>
+          <a:lstStyle>
+            <a:lvl1pPr>
+              <a:defRPr sz="1200">
+                <a:solidFill>
+                  <a:srgbClr val="000000"/>
+                </a:solidFill>
+                <a:latin typeface="Helvetica Neue"/>
+                <a:ea typeface="Helvetica Neue"/>
+                <a:cs typeface="Helvetica Neue"/>
+                <a:sym typeface="Helvetica Neue"/>
+              </a:defRPr>
+            </a:lvl1pPr>
+          </a:lstStyle>
+          <a:p>
+            <a:r>
+              <a:rPr lang="en-US" dirty="0" smtClean="0"/>
+              <a:t>Choosing family could narrow down options for Genus (need to think about scope)</a:t>
+            </a:r>
+            <a:endParaRPr dirty="0"/>
+          </a:p>
+        </p:txBody>
+      </p:sp>
+      <p:sp>
+        <p:nvSpPr>
+          <p:cNvPr id="69" name="Shape 403"/>
+          <p:cNvSpPr/>
+          <p:nvPr/>
+        </p:nvSpPr>
+        <p:spPr>
+          <a:xfrm>
+            <a:off x="10707270" y="1621624"/>
+            <a:ext cx="1558116" cy="673099"/>
+          </a:xfrm>
+          <a:prstGeom prst="roundRect">
+            <a:avLst>
+              <a:gd name="adj" fmla="val 25360"/>
+            </a:avLst>
+          </a:prstGeom>
+          <a:solidFill>
+            <a:srgbClr val="FFFFFF"/>
+          </a:solidFill>
+          <a:ln w="25400">
+            <a:solidFill>
+              <a:srgbClr val="85888D"/>
+            </a:solidFill>
+            <a:miter lim="400000"/>
+          </a:ln>
+          <a:extLst>
+            <a:ext uri="{C572A759-6A51-4108-AA02-DFA0A04FC94B}">
+              <ma14:wrappingTextBoxFlag xmlns:ma14="http://schemas.microsoft.com/office/mac/drawingml/2011/main" val="1"/>
+            </a:ext>
+          </a:extLst>
+        </p:spPr>
+        <p:txBody>
+          <a:bodyPr lIns="50800" tIns="50800" rIns="50800" bIns="50800"/>
+          <a:lstStyle>
+            <a:lvl1pPr>
+              <a:defRPr sz="1200">
+                <a:solidFill>
+                  <a:srgbClr val="000000"/>
+                </a:solidFill>
+                <a:latin typeface="Helvetica Neue"/>
+                <a:ea typeface="Helvetica Neue"/>
+                <a:cs typeface="Helvetica Neue"/>
+                <a:sym typeface="Helvetica Neue"/>
+              </a:defRPr>
+            </a:lvl1pPr>
+          </a:lstStyle>
+          <a:p>
+            <a:r>
+              <a:rPr lang="en-US" dirty="0" smtClean="0"/>
+              <a:t>Add popup to enter</a:t>
+            </a:r>
+          </a:p>
+          <a:p>
+            <a:r>
+              <a:rPr lang="en-US" dirty="0" smtClean="0"/>
+              <a:t>Collecting Event data</a:t>
+            </a:r>
+            <a:endParaRPr dirty="0"/>
+          </a:p>
+        </p:txBody>
+      </p:sp>
+      <p:sp>
+        <p:nvSpPr>
+          <p:cNvPr id="72" name="Shape 364"/>
+          <p:cNvSpPr/>
+          <p:nvPr/>
+        </p:nvSpPr>
+        <p:spPr>
+          <a:xfrm>
+            <a:off x="5929461" y="9124882"/>
+            <a:ext cx="1451323" cy="469901"/>
+          </a:xfrm>
+          <a:prstGeom prst="roundRect">
+            <a:avLst>
+              <a:gd name="adj" fmla="val 10313"/>
+            </a:avLst>
+          </a:prstGeom>
+          <a:solidFill>
+            <a:srgbClr val="454747"/>
+          </a:solidFill>
+          <a:ln w="25400">
+            <a:miter lim="400000"/>
+          </a:ln>
+          <a:extLst>
+            <a:ext uri="{C572A759-6A51-4108-AA02-DFA0A04FC94B}">
+              <ma14:wrappingTextBoxFlag xmlns:ma14="http://schemas.microsoft.com/office/mac/drawingml/2011/main" val="1"/>
+            </a:ext>
+          </a:extLst>
+        </p:spPr>
+        <p:txBody>
+          <a:bodyPr lIns="50800" tIns="50800" rIns="50800" bIns="50800" anchor="ctr"/>
+          <a:lstStyle>
+            <a:lvl1pPr defTabSz="914400">
+              <a:buClr>
+                <a:srgbClr val="FAFFFF"/>
+              </a:buClr>
+              <a:buFont typeface="Helvetica Neue"/>
+              <a:defRPr sz="1400" b="1">
+                <a:uFill>
+                  <a:solidFill>
+                    <a:srgbClr val="FFFFFF"/>
+                  </a:solidFill>
+                </a:uFill>
+                <a:latin typeface="Helvetica Neue"/>
+                <a:ea typeface="Helvetica Neue"/>
+                <a:cs typeface="Helvetica Neue"/>
+                <a:sym typeface="Helvetica Neue"/>
+              </a:defRPr>
+            </a:lvl1pPr>
+          </a:lstStyle>
+          <a:p>
+            <a:r>
+              <a:rPr lang="en-US" dirty="0" smtClean="0"/>
+              <a:t>Save and Copy to NEW record</a:t>
+            </a:r>
+            <a:endParaRPr dirty="0"/>
+          </a:p>
+        </p:txBody>
+      </p:sp>
+      <p:sp>
+        <p:nvSpPr>
+          <p:cNvPr id="74" name="Shape 403"/>
+          <p:cNvSpPr/>
+          <p:nvPr/>
+        </p:nvSpPr>
+        <p:spPr>
+          <a:xfrm>
+            <a:off x="8769" y="7277165"/>
+            <a:ext cx="1632108" cy="733090"/>
+          </a:xfrm>
+          <a:prstGeom prst="roundRect">
+            <a:avLst>
+              <a:gd name="adj" fmla="val 25360"/>
+            </a:avLst>
+          </a:prstGeom>
+          <a:solidFill>
+            <a:srgbClr val="FFFFFF"/>
+          </a:solidFill>
+          <a:ln w="25400">
+            <a:solidFill>
+              <a:srgbClr val="85888D"/>
+            </a:solidFill>
+            <a:miter lim="400000"/>
+          </a:ln>
+          <a:extLst>
+            <a:ext uri="{C572A759-6A51-4108-AA02-DFA0A04FC94B}">
+              <ma14:wrappingTextBoxFlag xmlns:ma14="http://schemas.microsoft.com/office/mac/drawingml/2011/main" val="1"/>
+            </a:ext>
+          </a:extLst>
+        </p:spPr>
+        <p:txBody>
+          <a:bodyPr lIns="50800" tIns="50800" rIns="50800" bIns="50800"/>
+          <a:lstStyle>
+            <a:lvl1pPr>
+              <a:defRPr sz="1200">
+                <a:solidFill>
+                  <a:srgbClr val="000000"/>
+                </a:solidFill>
+                <a:latin typeface="Helvetica Neue"/>
+                <a:ea typeface="Helvetica Neue"/>
+                <a:cs typeface="Helvetica Neue"/>
+                <a:sym typeface="Helvetica Neue"/>
+              </a:defRPr>
+            </a:lvl1pPr>
+          </a:lstStyle>
+          <a:p>
+            <a:r>
+              <a:rPr lang="en-US" dirty="0" smtClean="0"/>
+              <a:t>Select list w/ </a:t>
+            </a:r>
+          </a:p>
+          <a:p>
+            <a:r>
+              <a:rPr lang="en-US" dirty="0" smtClean="0"/>
+              <a:t>Warning option </a:t>
+            </a:r>
+          </a:p>
+          <a:p>
+            <a:r>
+              <a:rPr lang="en-US" dirty="0" smtClean="0"/>
+              <a:t>Can ADD values</a:t>
+            </a:r>
+            <a:endParaRPr dirty="0"/>
+          </a:p>
+        </p:txBody>
+      </p:sp>
+      <p:sp>
+        <p:nvSpPr>
+          <p:cNvPr id="75" name="Shape 404"/>
+          <p:cNvSpPr/>
+          <p:nvPr/>
+        </p:nvSpPr>
+        <p:spPr>
+          <a:xfrm>
+            <a:off x="1640877" y="7664187"/>
+            <a:ext cx="2948971" cy="98439"/>
+          </a:xfrm>
+          <a:prstGeom prst="line">
+            <a:avLst/>
+          </a:prstGeom>
+          <a:ln w="38100" cap="rnd">
+            <a:solidFill>
+              <a:srgbClr val="000000"/>
+            </a:solidFill>
+            <a:custDash>
+              <a:ds d="100000" sp="200000"/>
+            </a:custDash>
+            <a:miter lim="400000"/>
+            <a:tailEnd type="triangle"/>
+          </a:ln>
+        </p:spPr>
+        <p:txBody>
+          <a:bodyPr lIns="50800" tIns="50800" rIns="50800" bIns="50800" anchor="ctr"/>
+          <a:lstStyle/>
+          <a:p>
+            <a:pPr>
+              <a:defRPr sz="3000">
+                <a:effectLst>
+                  <a:outerShdw blurRad="38100" dist="12700" dir="5400000" rotWithShape="0">
+                    <a:srgbClr val="000000">
+                      <a:alpha val="50000"/>
+                    </a:srgbClr>
+                  </a:outerShdw>
+                </a:effectLst>
+              </a:defRPr>
+            </a:pPr>
+            <a:endParaRPr sz="3000"/>
+          </a:p>
+        </p:txBody>
+      </p:sp>
+      <p:sp>
+        <p:nvSpPr>
+          <p:cNvPr id="76" name="Shape 403"/>
+          <p:cNvSpPr/>
+          <p:nvPr/>
+        </p:nvSpPr>
+        <p:spPr>
+          <a:xfrm>
+            <a:off x="36813" y="3191717"/>
+            <a:ext cx="1632108" cy="733090"/>
+          </a:xfrm>
+          <a:prstGeom prst="roundRect">
+            <a:avLst>
+              <a:gd name="adj" fmla="val 25360"/>
+            </a:avLst>
+          </a:prstGeom>
+          <a:solidFill>
+            <a:srgbClr val="FFFFFF"/>
+          </a:solidFill>
+          <a:ln w="25400">
+            <a:solidFill>
+              <a:srgbClr val="85888D"/>
+            </a:solidFill>
+            <a:miter lim="400000"/>
+          </a:ln>
+          <a:extLst>
+            <a:ext uri="{C572A759-6A51-4108-AA02-DFA0A04FC94B}">
+              <ma14:wrappingTextBoxFlag xmlns:ma14="http://schemas.microsoft.com/office/mac/drawingml/2011/main" val="1"/>
+            </a:ext>
+          </a:extLst>
+        </p:spPr>
+        <p:txBody>
+          <a:bodyPr lIns="50800" tIns="50800" rIns="50800" bIns="50800"/>
+          <a:lstStyle>
+            <a:lvl1pPr>
+              <a:defRPr sz="1200">
+                <a:solidFill>
+                  <a:srgbClr val="000000"/>
+                </a:solidFill>
+                <a:latin typeface="Helvetica Neue"/>
+                <a:ea typeface="Helvetica Neue"/>
+                <a:cs typeface="Helvetica Neue"/>
+                <a:sym typeface="Helvetica Neue"/>
+              </a:defRPr>
+            </a:lvl1pPr>
+          </a:lstStyle>
+          <a:p>
+            <a:r>
+              <a:rPr lang="en-US" dirty="0" smtClean="0"/>
+              <a:t>Select list w/ </a:t>
+            </a:r>
+          </a:p>
+          <a:p>
+            <a:r>
+              <a:rPr lang="en-US" dirty="0" smtClean="0"/>
+              <a:t>Error option </a:t>
+            </a:r>
+          </a:p>
+          <a:p>
+            <a:r>
+              <a:rPr lang="en-US" dirty="0" smtClean="0"/>
+              <a:t>Cannot add values</a:t>
+            </a:r>
+            <a:endParaRPr dirty="0"/>
+          </a:p>
+        </p:txBody>
+      </p:sp>
+      <p:sp>
+        <p:nvSpPr>
+          <p:cNvPr id="77" name="Shape 404"/>
+          <p:cNvSpPr/>
+          <p:nvPr/>
+        </p:nvSpPr>
+        <p:spPr>
+          <a:xfrm>
+            <a:off x="1590413" y="3586634"/>
+            <a:ext cx="2807647" cy="1638786"/>
+          </a:xfrm>
+          <a:prstGeom prst="line">
+            <a:avLst/>
+          </a:prstGeom>
+          <a:ln w="38100" cap="rnd">
+            <a:solidFill>
+              <a:srgbClr val="000000"/>
+            </a:solidFill>
+            <a:custDash>
+              <a:ds d="100000" sp="200000"/>
+            </a:custDash>
+            <a:miter lim="400000"/>
+            <a:tailEnd type="triangle"/>
+          </a:ln>
+        </p:spPr>
+        <p:txBody>
+          <a:bodyPr lIns="50800" tIns="50800" rIns="50800" bIns="50800" anchor="ctr"/>
+          <a:lstStyle/>
+          <a:p>
+            <a:pPr>
+              <a:defRPr sz="3000">
+                <a:effectLst>
+                  <a:outerShdw blurRad="38100" dist="12700" dir="5400000" rotWithShape="0">
+                    <a:srgbClr val="000000">
+                      <a:alpha val="50000"/>
+                    </a:srgbClr>
+                  </a:outerShdw>
+                </a:effectLst>
+              </a:defRPr>
+            </a:pPr>
+            <a:endParaRPr sz="3000"/>
+          </a:p>
+        </p:txBody>
+      </p:sp>
+      <p:grpSp>
+        <p:nvGrpSpPr>
+          <p:cNvPr id="78" name="Group 361"/>
+          <p:cNvGrpSpPr/>
+          <p:nvPr/>
+        </p:nvGrpSpPr>
+        <p:grpSpPr>
+          <a:xfrm>
+            <a:off x="9484782" y="3209443"/>
+            <a:ext cx="1612492" cy="381001"/>
+            <a:chOff x="0" y="0"/>
+            <a:chExt cx="2501899" cy="380999"/>
+          </a:xfrm>
+        </p:grpSpPr>
+        <p:sp>
+          <p:nvSpPr>
+            <p:cNvPr id="79" name="Shape 356"/>
+            <p:cNvSpPr/>
+            <p:nvPr/>
+          </p:nvSpPr>
+          <p:spPr>
+            <a:xfrm>
+              <a:off x="0" y="0"/>
+              <a:ext cx="2247901" cy="381000"/>
+            </a:xfrm>
+            <a:custGeom>
+              <a:avLst/>
+              <a:gdLst/>
+              <a:ahLst/>
+              <a:cxnLst>
+                <a:cxn ang="0">
+                  <a:pos x="wd2" y="hd2"/>
+                </a:cxn>
+                <a:cxn ang="5400000">
+                  <a:pos x="wd2" y="hd2"/>
+                </a:cxn>
+                <a:cxn ang="10800000">
+                  <a:pos x="wd2" y="hd2"/>
+                </a:cxn>
+                <a:cxn ang="16200000">
+                  <a:pos x="wd2" y="hd2"/>
+                </a:cxn>
+              </a:cxnLst>
+              <a:rect l="0" t="0" r="r" b="b"/>
+              <a:pathLst>
+                <a:path w="21600" h="21600" extrusionOk="0">
+                  <a:moveTo>
+                    <a:pt x="0" y="2061"/>
+                  </a:moveTo>
+                  <a:cubicBezTo>
+                    <a:pt x="0" y="923"/>
+                    <a:pt x="116" y="0"/>
+                    <a:pt x="260" y="0"/>
+                  </a:cubicBezTo>
+                  <a:lnTo>
+                    <a:pt x="21600" y="0"/>
+                  </a:lnTo>
+                  <a:lnTo>
+                    <a:pt x="21600" y="21600"/>
+                  </a:lnTo>
+                  <a:lnTo>
+                    <a:pt x="260" y="21600"/>
+                  </a:lnTo>
+                  <a:cubicBezTo>
+                    <a:pt x="116" y="21600"/>
+                    <a:pt x="0" y="20677"/>
+                    <a:pt x="0" y="19539"/>
+                  </a:cubicBezTo>
+                  <a:lnTo>
+                    <a:pt x="0" y="2061"/>
+                  </a:lnTo>
+                  <a:close/>
+                </a:path>
+              </a:pathLst>
+            </a:custGeom>
+            <a:gradFill flip="none" rotWithShape="1">
+              <a:gsLst>
+                <a:gs pos="0">
+                  <a:srgbClr val="FFFFFF"/>
+                </a:gs>
+                <a:gs pos="100000">
+                  <a:srgbClr val="E0E0E0"/>
+                </a:gs>
+              </a:gsLst>
+              <a:lin ang="16200000" scaled="0"/>
+            </a:gradFill>
+            <a:ln w="12700" cap="flat">
+              <a:solidFill>
+                <a:srgbClr val="9C9C9C"/>
+              </a:solidFill>
+              <a:prstDash val="solid"/>
+              <a:round/>
+            </a:ln>
+            <a:effectLst/>
+            <a:extLst>
+              <a:ext uri="{C572A759-6A51-4108-AA02-DFA0A04FC94B}">
+                <ma14:wrappingTextBoxFlag xmlns:ma14="http://schemas.microsoft.com/office/mac/drawingml/2011/main" val="1"/>
+              </a:ext>
+            </a:extLst>
+          </p:spPr>
+          <p:txBody>
+            <a:bodyPr wrap="square" lIns="50800" tIns="50800" rIns="50800" bIns="50800" numCol="1" anchor="ctr">
+              <a:noAutofit/>
+            </a:bodyPr>
+            <a:lstStyle>
+              <a:lvl1pPr marL="91439" algn="l" defTabSz="914400">
+                <a:buClr>
+                  <a:srgbClr val="5A5C5C"/>
+                </a:buClr>
+                <a:buFont typeface="Helvetica Neue"/>
+                <a:defRPr sz="1300">
+                  <a:solidFill>
+                    <a:srgbClr val="5A5C5C"/>
+                  </a:solidFill>
+                  <a:uFill>
+                    <a:solidFill>
+                      <a:srgbClr val="5A5C5C"/>
+                    </a:solidFill>
+                  </a:uFill>
+                  <a:latin typeface="Helvetica Neue"/>
+                  <a:ea typeface="Helvetica Neue"/>
+                  <a:cs typeface="Helvetica Neue"/>
+                  <a:sym typeface="Helvetica Neue"/>
+                </a:defRPr>
+              </a:lvl1pPr>
+            </a:lstStyle>
+            <a:p>
+              <a:r>
+                <a:t>- - Select - -</a:t>
+              </a:r>
+            </a:p>
+          </p:txBody>
+        </p:sp>
+        <p:grpSp>
+          <p:nvGrpSpPr>
+            <p:cNvPr id="80" name="Group 360"/>
+            <p:cNvGrpSpPr/>
+            <p:nvPr/>
+          </p:nvGrpSpPr>
+          <p:grpSpPr>
+            <a:xfrm>
+              <a:off x="2252388" y="0"/>
+              <a:ext cx="249512" cy="381000"/>
+              <a:chOff x="0" y="0"/>
+              <a:chExt cx="249511" cy="380999"/>
+            </a:xfrm>
+          </p:grpSpPr>
+          <p:sp>
+            <p:nvSpPr>
+              <p:cNvPr id="81" name="Shape 357"/>
+              <p:cNvSpPr/>
+              <p:nvPr/>
+            </p:nvSpPr>
+            <p:spPr>
+              <a:xfrm>
+                <a:off x="0" y="0"/>
+                <a:ext cx="249512" cy="381000"/>
+              </a:xfrm>
+              <a:custGeom>
+                <a:avLst/>
+                <a:gdLst/>
+                <a:ahLst/>
+                <a:cxnLst>
+                  <a:cxn ang="0">
+                    <a:pos x="wd2" y="hd2"/>
+                  </a:cxn>
+                  <a:cxn ang="5400000">
+                    <a:pos x="wd2" y="hd2"/>
+                  </a:cxn>
+                  <a:cxn ang="10800000">
+                    <a:pos x="wd2" y="hd2"/>
+                  </a:cxn>
+                  <a:cxn ang="16200000">
+                    <a:pos x="wd2" y="hd2"/>
+                  </a:cxn>
+                </a:cxnLst>
+                <a:rect l="0" t="0" r="r" b="b"/>
+                <a:pathLst>
+                  <a:path w="21600" h="21600" extrusionOk="0">
+                    <a:moveTo>
+                      <a:pt x="0" y="0"/>
+                    </a:moveTo>
+                    <a:lnTo>
+                      <a:pt x="16708" y="0"/>
+                    </a:lnTo>
+                    <a:cubicBezTo>
+                      <a:pt x="19410" y="0"/>
+                      <a:pt x="21600" y="1652"/>
+                      <a:pt x="21600" y="3689"/>
+                    </a:cubicBezTo>
+                    <a:lnTo>
+                      <a:pt x="21600" y="17911"/>
+                    </a:lnTo>
+                    <a:cubicBezTo>
+                      <a:pt x="21600" y="19948"/>
+                      <a:pt x="19410" y="21600"/>
+                      <a:pt x="16708" y="21600"/>
+                    </a:cubicBezTo>
+                    <a:lnTo>
+                      <a:pt x="0" y="21600"/>
+                    </a:lnTo>
+                    <a:lnTo>
+                      <a:pt x="0" y="0"/>
+                    </a:lnTo>
+                    <a:close/>
+                  </a:path>
+                </a:pathLst>
+              </a:custGeom>
+              <a:gradFill flip="none" rotWithShape="1">
+                <a:gsLst>
+                  <a:gs pos="0">
+                    <a:srgbClr val="FFFFFF"/>
+                  </a:gs>
+                  <a:gs pos="100000">
+                    <a:srgbClr val="D1D1D1"/>
+                  </a:gs>
+                </a:gsLst>
+                <a:lin ang="0" scaled="0"/>
+              </a:gradFill>
+              <a:ln w="12700" cap="flat">
+                <a:solidFill>
+                  <a:srgbClr val="9C9C9C"/>
+                </a:solidFill>
+                <a:prstDash val="solid"/>
+                <a:miter lim="400000"/>
+              </a:ln>
+              <a:effectLst/>
+            </p:spPr>
+            <p:txBody>
+              <a:bodyPr wrap="square" lIns="50800" tIns="50800" rIns="50800" bIns="50800" numCol="1" anchor="ctr">
+                <a:noAutofit/>
+              </a:bodyPr>
+              <a:lstStyle/>
+              <a:p>
+                <a:pPr marL="40639" marR="40639" algn="l" defTabSz="914400">
+                  <a:defRPr sz="1200">
+                    <a:solidFill>
+                      <a:srgbClr val="000000"/>
+                    </a:solidFill>
+                    <a:uFill>
+                      <a:solidFill>
+                        <a:srgbClr val="000000"/>
+                      </a:solidFill>
+                    </a:uFill>
+                  </a:defRPr>
+                </a:pPr>
+                <a:endParaRPr sz="1200"/>
+              </a:p>
+            </p:txBody>
+          </p:sp>
+          <p:sp>
+            <p:nvSpPr>
+              <p:cNvPr id="82" name="Shape 358"/>
+              <p:cNvSpPr/>
+              <p:nvPr/>
+            </p:nvSpPr>
+            <p:spPr>
+              <a:xfrm rot="10800000">
+                <a:off x="71166" y="212190"/>
+                <a:ext cx="92405" cy="70731"/>
+              </a:xfrm>
+              <a:prstGeom prst="triangle">
+                <a:avLst/>
+              </a:prstGeom>
+              <a:gradFill flip="none" rotWithShape="1">
+                <a:gsLst>
+                  <a:gs pos="0">
+                    <a:srgbClr val="A8A8A8"/>
+                  </a:gs>
+                  <a:gs pos="100000">
+                    <a:srgbClr val="676867"/>
+                  </a:gs>
+                </a:gsLst>
+                <a:lin ang="16200000" scaled="0"/>
+              </a:gradFill>
+              <a:ln w="6350" cap="flat">
+                <a:solidFill>
+                  <a:srgbClr val="565656"/>
+                </a:solidFill>
+                <a:prstDash val="solid"/>
+                <a:miter lim="400000"/>
+              </a:ln>
+              <a:effectLst>
+                <a:outerShdw blurRad="38100" dist="12700" dir="5400000" rotWithShape="0">
+                  <a:srgbClr val="D2D2D2">
+                    <a:alpha val="74996"/>
+                  </a:srgbClr>
+                </a:outerShdw>
+              </a:effectLst>
+            </p:spPr>
+            <p:txBody>
+              <a:bodyPr wrap="square" lIns="50800" tIns="50800" rIns="50800" bIns="50800" numCol="1" anchor="ctr">
+                <a:noAutofit/>
+              </a:bodyPr>
+              <a:lstStyle/>
+              <a:p>
+                <a:pPr marL="40639" marR="40639" algn="l" defTabSz="914400">
+                  <a:defRPr sz="1200">
+                    <a:solidFill>
+                      <a:srgbClr val="000000"/>
+                    </a:solidFill>
+                    <a:uFill>
+                      <a:solidFill>
+                        <a:srgbClr val="000000"/>
+                      </a:solidFill>
+                    </a:uFill>
+                  </a:defRPr>
+                </a:pPr>
+                <a:endParaRPr sz="1200"/>
+              </a:p>
+            </p:txBody>
+          </p:sp>
+          <p:sp>
+            <p:nvSpPr>
+              <p:cNvPr id="83" name="Shape 359"/>
+              <p:cNvSpPr/>
+              <p:nvPr/>
+            </p:nvSpPr>
+            <p:spPr>
+              <a:xfrm>
+                <a:off x="71166" y="88648"/>
+                <a:ext cx="92405" cy="69317"/>
+              </a:xfrm>
+              <a:prstGeom prst="triangle">
+                <a:avLst/>
+              </a:prstGeom>
+              <a:gradFill flip="none" rotWithShape="1">
+                <a:gsLst>
+                  <a:gs pos="0">
+                    <a:srgbClr val="A8A8A8"/>
+                  </a:gs>
+                  <a:gs pos="100000">
+                    <a:srgbClr val="676867"/>
+                  </a:gs>
+                </a:gsLst>
+                <a:lin ang="16200000" scaled="0"/>
+              </a:gradFill>
+              <a:ln w="6350" cap="flat">
+                <a:solidFill>
+                  <a:srgbClr val="565656"/>
+                </a:solidFill>
+                <a:prstDash val="solid"/>
+                <a:miter lim="400000"/>
+              </a:ln>
+              <a:effectLst>
+                <a:outerShdw blurRad="38100" dist="12700" dir="5400000" rotWithShape="0">
+                  <a:srgbClr val="D2D2D2">
+                    <a:alpha val="74996"/>
+                  </a:srgbClr>
+                </a:outerShdw>
+              </a:effectLst>
+            </p:spPr>
+            <p:txBody>
+              <a:bodyPr wrap="square" lIns="50800" tIns="50800" rIns="50800" bIns="50800" numCol="1" anchor="ctr">
+                <a:noAutofit/>
+              </a:bodyPr>
+              <a:lstStyle/>
+              <a:p>
+                <a:pPr marL="40639" marR="40639" algn="l" defTabSz="914400">
+                  <a:defRPr sz="1200">
+                    <a:solidFill>
+                      <a:srgbClr val="000000"/>
+                    </a:solidFill>
+                    <a:uFill>
+                      <a:solidFill>
+                        <a:srgbClr val="000000"/>
+                      </a:solidFill>
+                    </a:uFill>
+                  </a:defRPr>
+                </a:pPr>
+                <a:endParaRPr sz="1200"/>
+              </a:p>
+            </p:txBody>
+          </p:sp>
+        </p:grpSp>
+      </p:grpSp>
+      <p:sp>
+        <p:nvSpPr>
+          <p:cNvPr id="90" name="Shape 363"/>
+          <p:cNvSpPr/>
+          <p:nvPr/>
+        </p:nvSpPr>
+        <p:spPr>
+          <a:xfrm>
+            <a:off x="9484781" y="3635273"/>
+            <a:ext cx="1601085" cy="1130301"/>
+          </a:xfrm>
+          <a:prstGeom prst="roundRect">
+            <a:avLst>
+              <a:gd name="adj" fmla="val 5743"/>
+            </a:avLst>
+          </a:prstGeom>
+          <a:solidFill>
+            <a:srgbClr val="FFFFFF"/>
+          </a:solidFill>
+          <a:ln>
+            <a:solidFill>
+              <a:srgbClr val="C3C3C3"/>
+            </a:solidFill>
+            <a:miter lim="400000"/>
+          </a:ln>
+          <a:effectLst>
+            <a:outerShdw blurRad="101600" dist="50800" dir="2700000" rotWithShape="0">
+              <a:srgbClr val="000000">
+                <a:alpha val="15000"/>
+              </a:srgbClr>
+            </a:outerShdw>
+          </a:effectLst>
+          <a:extLst>
+            <a:ext uri="{C572A759-6A51-4108-AA02-DFA0A04FC94B}">
+              <ma14:wrappingTextBoxFlag xmlns:ma14="http://schemas.microsoft.com/office/mac/drawingml/2011/main" val="1"/>
+            </a:ext>
+          </a:extLst>
+        </p:spPr>
+        <p:txBody>
+          <a:bodyPr lIns="114300" tIns="114300" rIns="114300" bIns="114300" anchor="ctr"/>
+          <a:lstStyle/>
+          <a:p>
+            <a:pPr algn="l" defTabSz="914400">
+              <a:lnSpc>
+                <a:spcPct val="150000"/>
+              </a:lnSpc>
+              <a:defRPr sz="1400">
+                <a:solidFill>
+                  <a:srgbClr val="373939"/>
+                </a:solidFill>
+                <a:uFill>
+                  <a:solidFill>
+                    <a:srgbClr val="373939"/>
+                  </a:solidFill>
+                </a:uFill>
+                <a:latin typeface="Helvetica Neue"/>
+                <a:ea typeface="Helvetica Neue"/>
+                <a:cs typeface="Helvetica Neue"/>
+                <a:sym typeface="Helvetica Neue"/>
+              </a:defRPr>
+            </a:pPr>
+            <a:r>
+              <a:rPr lang="en-US" sz="1400" b="1" dirty="0" smtClean="0"/>
+              <a:t>Event1</a:t>
+            </a:r>
+          </a:p>
+          <a:p>
+            <a:pPr algn="l" defTabSz="914400">
+              <a:lnSpc>
+                <a:spcPct val="150000"/>
+              </a:lnSpc>
+              <a:defRPr sz="1400">
+                <a:solidFill>
+                  <a:srgbClr val="373939"/>
+                </a:solidFill>
+                <a:uFill>
+                  <a:solidFill>
+                    <a:srgbClr val="373939"/>
+                  </a:solidFill>
+                </a:uFill>
+                <a:latin typeface="Helvetica Neue"/>
+                <a:ea typeface="Helvetica Neue"/>
+                <a:cs typeface="Helvetica Neue"/>
+                <a:sym typeface="Helvetica Neue"/>
+              </a:defRPr>
+            </a:pPr>
+            <a:r>
+              <a:rPr lang="en-US" sz="1400" dirty="0" smtClean="0"/>
+              <a:t>Event2</a:t>
+            </a:r>
+            <a:endParaRPr lang="en-US" sz="1400" dirty="0"/>
+          </a:p>
+          <a:p>
+            <a:pPr algn="l" defTabSz="914400">
+              <a:lnSpc>
+                <a:spcPct val="150000"/>
+              </a:lnSpc>
+              <a:defRPr sz="1400">
+                <a:solidFill>
+                  <a:srgbClr val="373939"/>
+                </a:solidFill>
+                <a:uFill>
+                  <a:solidFill>
+                    <a:srgbClr val="373939"/>
+                  </a:solidFill>
+                </a:uFill>
+                <a:latin typeface="Helvetica Neue"/>
+                <a:ea typeface="Helvetica Neue"/>
+                <a:cs typeface="Helvetica Neue"/>
+                <a:sym typeface="Helvetica Neue"/>
+              </a:defRPr>
+            </a:pPr>
+            <a:r>
+              <a:rPr lang="en-US" sz="1400" dirty="0" smtClean="0"/>
+              <a:t>ADD NEW</a:t>
+            </a:r>
+          </a:p>
+        </p:txBody>
+      </p:sp>
+      <p:sp>
+        <p:nvSpPr>
+          <p:cNvPr id="68" name="Shape 404"/>
+          <p:cNvSpPr/>
+          <p:nvPr/>
+        </p:nvSpPr>
+        <p:spPr>
+          <a:xfrm flipH="1">
+            <a:off x="10502152" y="2339549"/>
+            <a:ext cx="951731" cy="2203326"/>
+          </a:xfrm>
+          <a:prstGeom prst="line">
+            <a:avLst/>
+          </a:prstGeom>
+          <a:ln w="38100" cap="rnd">
+            <a:solidFill>
+              <a:srgbClr val="000000"/>
+            </a:solidFill>
+            <a:custDash>
+              <a:ds d="100000" sp="200000"/>
+            </a:custDash>
+            <a:miter lim="400000"/>
+            <a:tailEnd type="triangle"/>
+          </a:ln>
+        </p:spPr>
+        <p:txBody>
+          <a:bodyPr lIns="50800" tIns="50800" rIns="50800" bIns="50800" anchor="ctr"/>
+          <a:lstStyle/>
+          <a:p>
+            <a:pPr>
+              <a:defRPr sz="3000">
+                <a:effectLst>
+                  <a:outerShdw blurRad="38100" dist="12700" dir="5400000" rotWithShape="0">
+                    <a:srgbClr val="000000">
+                      <a:alpha val="50000"/>
+                    </a:srgbClr>
+                  </a:outerShdw>
+                </a:effectLst>
+              </a:defRPr>
+            </a:pPr>
+            <a:endParaRPr sz="3000"/>
+          </a:p>
+        </p:txBody>
+      </p:sp>
+      <p:sp>
+        <p:nvSpPr>
+          <p:cNvPr id="91" name="Shape 404"/>
+          <p:cNvSpPr/>
+          <p:nvPr/>
+        </p:nvSpPr>
+        <p:spPr>
+          <a:xfrm>
+            <a:off x="1623053" y="6427137"/>
+            <a:ext cx="2732687" cy="205690"/>
+          </a:xfrm>
+          <a:prstGeom prst="line">
+            <a:avLst/>
+          </a:prstGeom>
+          <a:ln w="38100" cap="rnd">
+            <a:solidFill>
+              <a:srgbClr val="000000"/>
+            </a:solidFill>
+            <a:custDash>
+              <a:ds d="100000" sp="200000"/>
+            </a:custDash>
+            <a:miter lim="400000"/>
+            <a:tailEnd type="triangle"/>
+          </a:ln>
+        </p:spPr>
+        <p:txBody>
+          <a:bodyPr lIns="50800" tIns="50800" rIns="50800" bIns="50800" anchor="ctr"/>
+          <a:lstStyle/>
+          <a:p>
+            <a:pPr>
+              <a:defRPr sz="3000">
+                <a:effectLst>
+                  <a:outerShdw blurRad="38100" dist="12700" dir="5400000" rotWithShape="0">
+                    <a:srgbClr val="000000">
+                      <a:alpha val="50000"/>
+                    </a:srgbClr>
+                  </a:outerShdw>
+                </a:effectLst>
+              </a:defRPr>
+            </a:pPr>
+            <a:endParaRPr sz="3000"/>
+          </a:p>
+        </p:txBody>
+      </p:sp>
+    </p:spTree>
+  </p:cSld>
+  <p:clrMapOvr>
+    <a:masterClrMapping/>
+  </p:clrMapOvr>
+  <p:transition spd="slow"/>
+  <p:timing>
+    <p:tnLst>
+      <p:par>
+        <p:cTn id="1" dur="indefinite" restart="never" nodeType="tmRoot"/>
+      </p:par>
+    </p:tnLst>
+  </p:timing>
+</p:sld>
+</file>
+
+<file path=ppt/slides/slide5.xml><?xml version="1.0" encoding="utf-8"?>
+<p:sld xmlns:a="http://schemas.openxmlformats.org/drawingml/2006/main" xmlns:r="http://schemas.openxmlformats.org/officeDocument/2006/relationships" xmlns:p="http://schemas.openxmlformats.org/presentationml/2006/main">
+  <p:cSld>
+    <p:spTree>
+      <p:nvGrpSpPr>
+        <p:cNvPr id="1" name=""/>
+        <p:cNvGrpSpPr/>
+        <p:nvPr/>
+      </p:nvGrpSpPr>
+      <p:grpSpPr>
+        <a:xfrm>
+          <a:off x="0" y="0"/>
+          <a:ext cx="0" cy="0"/>
+          <a:chOff x="0" y="0"/>
+          <a:chExt cx="0" cy="0"/>
+        </a:xfrm>
+      </p:grpSpPr>
+      <p:sp>
+        <p:nvSpPr>
+          <p:cNvPr id="27" name="Shape 367"/>
+          <p:cNvSpPr/>
+          <p:nvPr/>
+        </p:nvSpPr>
+        <p:spPr>
+          <a:xfrm>
+            <a:off x="4502359" y="6057059"/>
             <a:ext cx="2595259" cy="469901"/>
           </a:xfrm>
           <a:prstGeom prst="roundRect">
@@ -7822,14 +11368,162 @@
       </p:sp>
       <p:sp>
         <p:nvSpPr>
-          <p:cNvPr id="368" name="Shape 368"/>
+          <p:cNvPr id="349" name="Shape 349"/>
           <p:cNvSpPr/>
           <p:nvPr/>
         </p:nvSpPr>
         <p:spPr>
           <a:xfrm>
-            <a:off x="3662419" y="7560406"/>
-            <a:ext cx="320601" cy="364202"/>
+            <a:off x="3868110" y="2158864"/>
+            <a:ext cx="5499675" cy="364012"/>
+          </a:xfrm>
+          <a:prstGeom prst="roundRect">
+            <a:avLst>
+              <a:gd name="adj" fmla="val 9274"/>
+            </a:avLst>
+          </a:prstGeom>
+          <a:ln w="25400">
+            <a:miter lim="400000"/>
+          </a:ln>
+          <a:extLst>
+            <a:ext uri="{C572A759-6A51-4108-AA02-DFA0A04FC94B}">
+              <ma14:wrappingTextBoxFlag xmlns:ma14="http://schemas.microsoft.com/office/mac/drawingml/2011/main" val="1"/>
+            </a:ext>
+          </a:extLst>
+        </p:spPr>
+        <p:txBody>
+          <a:bodyPr lIns="50800" tIns="50800" rIns="50800" bIns="50800" anchor="ctr"/>
+          <a:lstStyle/>
+          <a:p>
+            <a:pPr algn="l" defTabSz="914400">
+              <a:defRPr sz="2000">
+                <a:solidFill>
+                  <a:srgbClr val="929292"/>
+                </a:solidFill>
+                <a:uFill>
+                  <a:solidFill>
+                    <a:srgbClr val="929292"/>
+                  </a:solidFill>
+                </a:uFill>
+                <a:latin typeface="Helvetica Neue Medium"/>
+                <a:ea typeface="Helvetica Neue Medium"/>
+                <a:cs typeface="Helvetica Neue Medium"/>
+                <a:sym typeface="Helvetica Neue Medium"/>
+              </a:defRPr>
+            </a:pPr>
+            <a:r>
+              <a:rPr sz="1400"/>
+              <a:t>   </a:t>
+            </a:r>
+            <a:r>
+              <a:rPr sz="1400">
+                <a:solidFill>
+                  <a:srgbClr val="4D97C8"/>
+                </a:solidFill>
+                <a:uFill>
+                  <a:solidFill>
+                    <a:srgbClr val="4D97C8"/>
+                  </a:solidFill>
+                </a:uFill>
+              </a:rPr>
+              <a:t>Dashboard</a:t>
+            </a:r>
+            <a:r>
+              <a:rPr sz="1400"/>
+              <a:t> </a:t>
+            </a:r>
+            <a:r>
+              <a:rPr sz="1400">
+                <a:solidFill>
+                  <a:srgbClr val="D6D6D6"/>
+                </a:solidFill>
+                <a:uFill>
+                  <a:solidFill>
+                    <a:srgbClr val="D6D6D6"/>
+                  </a:solidFill>
+                </a:uFill>
+              </a:rPr>
+              <a:t> /</a:t>
+            </a:r>
+            <a:r>
+              <a:rPr sz="1400"/>
+              <a:t>  DEMO_EXPEDITION_1</a:t>
+            </a:r>
+          </a:p>
+        </p:txBody>
+      </p:sp>
+      <p:sp>
+        <p:nvSpPr>
+          <p:cNvPr id="350" name="Shape 350"/>
+          <p:cNvSpPr/>
+          <p:nvPr/>
+        </p:nvSpPr>
+        <p:spPr>
+          <a:xfrm>
+            <a:off x="1866894" y="2569199"/>
+            <a:ext cx="5230599" cy="456535"/>
+          </a:xfrm>
+          <a:prstGeom prst="rect">
+            <a:avLst/>
+          </a:prstGeom>
+          <a:ln w="12700">
+            <a:miter lim="400000"/>
+          </a:ln>
+          <a:extLst>
+            <a:ext uri="{C572A759-6A51-4108-AA02-DFA0A04FC94B}">
+              <ma14:wrappingTextBoxFlag xmlns:ma14="http://schemas.microsoft.com/office/mac/drawingml/2011/main" val="1"/>
+            </a:ext>
+          </a:extLst>
+        </p:spPr>
+        <p:txBody>
+          <a:bodyPr wrap="none" lIns="50800" tIns="50800" rIns="50800" bIns="50800" anchor="ctr">
+            <a:spAutoFit/>
+          </a:bodyPr>
+          <a:lstStyle>
+            <a:lvl1pPr algn="l" defTabSz="914400">
+              <a:buClr>
+                <a:srgbClr val="FAFFFF"/>
+              </a:buClr>
+              <a:buFont typeface="Helvetica Neue"/>
+              <a:defRPr sz="2300" b="1">
+                <a:solidFill>
+                  <a:srgbClr val="232323"/>
+                </a:solidFill>
+                <a:uFill>
+                  <a:solidFill>
+                    <a:srgbClr val="232323"/>
+                  </a:solidFill>
+                </a:uFill>
+                <a:latin typeface="Helvetica Neue"/>
+                <a:ea typeface="Helvetica Neue"/>
+                <a:cs typeface="Helvetica Neue"/>
+                <a:sym typeface="Helvetica Neue"/>
+              </a:defRPr>
+            </a:lvl1pPr>
+          </a:lstStyle>
+          <a:p>
+            <a:r>
+              <a:rPr smtClean="0"/>
+              <a:t>DEMO_EXPEDITION_1</a:t>
+            </a:r>
+            <a:r>
+              <a:rPr lang="en-US" smtClean="0"/>
+              <a:t> -- Subsample</a:t>
+            </a:r>
+            <a:endParaRPr/>
+          </a:p>
+        </p:txBody>
+      </p:sp>
+      <p:sp>
+        <p:nvSpPr>
+          <p:cNvPr id="352" name="Shape 352"/>
+          <p:cNvSpPr/>
+          <p:nvPr/>
+        </p:nvSpPr>
+        <p:spPr>
+          <a:xfrm>
+            <a:off x="1854261" y="3846883"/>
+            <a:ext cx="780663" cy="364202"/>
           </a:xfrm>
           <a:prstGeom prst="rect">
             <a:avLst/>
@@ -7855,7 +11549,11 @@
               <a:buFont typeface="Helvetica Neue"/>
               <a:defRPr sz="1700" b="1">
                 <a:solidFill>
-                  <a:srgbClr val="000000"/>
+                  <a:schemeClr val="accent5">
+                    <a:hueOff val="-444211"/>
+                    <a:satOff val="-14915"/>
+                    <a:lumOff val="22857"/>
+                  </a:schemeClr>
                 </a:solidFill>
                 <a:uFill>
                   <a:solidFill>
@@ -7871,20 +11569,702 @@
           </a:lstStyle>
           <a:p>
             <a:r>
-              <a:t>…</a:t>
-            </a:r>
+              <a:rPr lang="en-US" dirty="0" smtClean="0"/>
+              <a:t>Tissue</a:t>
+            </a:r>
+            <a:endParaRPr dirty="0"/>
           </a:p>
         </p:txBody>
       </p:sp>
       <p:sp>
         <p:nvSpPr>
-          <p:cNvPr id="22" name="Shape 364"/>
+          <p:cNvPr id="353" name="Shape 353"/>
           <p:cNvSpPr/>
           <p:nvPr/>
         </p:nvSpPr>
         <p:spPr>
           <a:xfrm>
-            <a:off x="5734130" y="8689465"/>
+            <a:off x="1804419" y="5488007"/>
+            <a:ext cx="2651367" cy="348813"/>
+          </a:xfrm>
+          <a:prstGeom prst="rect">
+            <a:avLst/>
+          </a:prstGeom>
+          <a:ln w="12700">
+            <a:miter lim="400000"/>
+          </a:ln>
+          <a:extLst>
+            <a:ext uri="{C572A759-6A51-4108-AA02-DFA0A04FC94B}">
+              <ma14:wrappingTextBoxFlag xmlns:ma14="http://schemas.microsoft.com/office/mac/drawingml/2011/main" val="1"/>
+            </a:ext>
+          </a:extLst>
+        </p:spPr>
+        <p:txBody>
+          <a:bodyPr wrap="none" lIns="50800" tIns="50800" rIns="50800" bIns="50800" anchor="ctr">
+            <a:spAutoFit/>
+          </a:bodyPr>
+          <a:lstStyle>
+            <a:lvl1pPr algn="l" defTabSz="914400">
+              <a:buClr>
+                <a:srgbClr val="FAFFFF"/>
+              </a:buClr>
+              <a:buFont typeface="Helvetica Neue"/>
+              <a:defRPr sz="1700" b="1">
+                <a:solidFill>
+                  <a:schemeClr val="accent5">
+                    <a:hueOff val="-444211"/>
+                    <a:satOff val="-14915"/>
+                    <a:lumOff val="22857"/>
+                  </a:schemeClr>
+                </a:solidFill>
+                <a:uFill>
+                  <a:solidFill>
+                    <a:srgbClr val="232323"/>
+                  </a:solidFill>
+                </a:uFill>
+                <a:latin typeface="Helvetica Neue"/>
+                <a:ea typeface="Helvetica Neue"/>
+                <a:cs typeface="Helvetica Neue"/>
+                <a:sym typeface="Helvetica Neue"/>
+              </a:defRPr>
+            </a:lvl1pPr>
+          </a:lstStyle>
+          <a:p>
+            <a:r>
+              <a:rPr sz="1600" dirty="0"/>
+              <a:t>Date </a:t>
+            </a:r>
+            <a:r>
+              <a:rPr lang="en-US" sz="1600" dirty="0" smtClean="0"/>
+              <a:t>of Subsample </a:t>
+            </a:r>
+            <a:r>
+              <a:rPr sz="1600" dirty="0" smtClean="0"/>
+              <a:t>(From</a:t>
+            </a:r>
+            <a:r>
+              <a:rPr sz="1600" dirty="0"/>
+              <a:t>)</a:t>
+            </a:r>
+          </a:p>
+        </p:txBody>
+      </p:sp>
+      <p:sp>
+        <p:nvSpPr>
+          <p:cNvPr id="354" name="Shape 354"/>
+          <p:cNvSpPr/>
+          <p:nvPr/>
+        </p:nvSpPr>
+        <p:spPr>
+          <a:xfrm>
+            <a:off x="4499721" y="5467296"/>
+            <a:ext cx="1386727" cy="469901"/>
+          </a:xfrm>
+          <a:prstGeom prst="roundRect">
+            <a:avLst>
+              <a:gd name="adj" fmla="val 10313"/>
+            </a:avLst>
+          </a:prstGeom>
+          <a:solidFill>
+            <a:srgbClr val="FFFFFF"/>
+          </a:solidFill>
+          <a:ln w="12700">
+            <a:solidFill>
+              <a:srgbClr val="D1D1D1"/>
+            </a:solidFill>
+            <a:miter lim="400000"/>
+          </a:ln>
+          <a:effectLst>
+            <a:outerShdw blurRad="25400" dir="5400000" rotWithShape="0">
+              <a:srgbClr val="000000">
+                <a:alpha val="10000"/>
+              </a:srgbClr>
+            </a:outerShdw>
+          </a:effectLst>
+          <a:extLst>
+            <a:ext uri="{C572A759-6A51-4108-AA02-DFA0A04FC94B}">
+              <ma14:wrappingTextBoxFlag xmlns:ma14="http://schemas.microsoft.com/office/mac/drawingml/2011/main" val="1"/>
+            </a:ext>
+          </a:extLst>
+        </p:spPr>
+        <p:txBody>
+          <a:bodyPr lIns="50800" tIns="50800" rIns="50800" bIns="50800" anchor="ctr"/>
+          <a:lstStyle>
+            <a:lvl1pPr marL="91044" algn="l" defTabSz="914400">
+              <a:buClr>
+                <a:srgbClr val="FAFFFF"/>
+              </a:buClr>
+              <a:buFont typeface="Helvetica Neue"/>
+              <a:defRPr sz="1300">
+                <a:solidFill>
+                  <a:srgbClr val="5A5C5C"/>
+                </a:solidFill>
+                <a:uFill>
+                  <a:solidFill>
+                    <a:srgbClr val="5A5C5C"/>
+                  </a:solidFill>
+                </a:uFill>
+                <a:latin typeface="Helvetica Neue Medium"/>
+                <a:ea typeface="Helvetica Neue Medium"/>
+                <a:cs typeface="Helvetica Neue Medium"/>
+                <a:sym typeface="Helvetica Neue Medium"/>
+              </a:defRPr>
+            </a:lvl1pPr>
+          </a:lstStyle>
+          <a:p>
+            <a:r>
+              <a:t>2016 08 14</a:t>
+            </a:r>
+          </a:p>
+        </p:txBody>
+      </p:sp>
+      <p:pic>
+        <p:nvPicPr>
+          <p:cNvPr id="355" name="Screen Shot 2016-08-18 at 3.26.44 PM.png"/>
+          <p:cNvPicPr>
+            <a:picLocks noChangeAspect="1"/>
+          </p:cNvPicPr>
+          <p:nvPr/>
+        </p:nvPicPr>
+        <p:blipFill>
+          <a:blip r:embed="rId2">
+            <a:extLst/>
+          </a:blip>
+          <a:stretch>
+            <a:fillRect/>
+          </a:stretch>
+        </p:blipFill>
+        <p:spPr>
+          <a:xfrm>
+            <a:off x="6023721" y="5505396"/>
+            <a:ext cx="1143001" cy="393701"/>
+          </a:xfrm>
+          <a:prstGeom prst="rect">
+            <a:avLst/>
+          </a:prstGeom>
+          <a:ln w="12700">
+            <a:miter lim="400000"/>
+          </a:ln>
+        </p:spPr>
+      </p:pic>
+      <p:grpSp>
+        <p:nvGrpSpPr>
+          <p:cNvPr id="361" name="Group 361"/>
+          <p:cNvGrpSpPr/>
+          <p:nvPr/>
+        </p:nvGrpSpPr>
+        <p:grpSpPr>
+          <a:xfrm>
+            <a:off x="4479283" y="3896934"/>
+            <a:ext cx="2501901" cy="381001"/>
+            <a:chOff x="0" y="0"/>
+            <a:chExt cx="2501899" cy="380999"/>
+          </a:xfrm>
+        </p:grpSpPr>
+        <p:sp>
+          <p:nvSpPr>
+            <p:cNvPr id="356" name="Shape 356"/>
+            <p:cNvSpPr/>
+            <p:nvPr/>
+          </p:nvSpPr>
+          <p:spPr>
+            <a:xfrm>
+              <a:off x="0" y="0"/>
+              <a:ext cx="2247901" cy="381000"/>
+            </a:xfrm>
+            <a:custGeom>
+              <a:avLst/>
+              <a:gdLst/>
+              <a:ahLst/>
+              <a:cxnLst>
+                <a:cxn ang="0">
+                  <a:pos x="wd2" y="hd2"/>
+                </a:cxn>
+                <a:cxn ang="5400000">
+                  <a:pos x="wd2" y="hd2"/>
+                </a:cxn>
+                <a:cxn ang="10800000">
+                  <a:pos x="wd2" y="hd2"/>
+                </a:cxn>
+                <a:cxn ang="16200000">
+                  <a:pos x="wd2" y="hd2"/>
+                </a:cxn>
+              </a:cxnLst>
+              <a:rect l="0" t="0" r="r" b="b"/>
+              <a:pathLst>
+                <a:path w="21600" h="21600" extrusionOk="0">
+                  <a:moveTo>
+                    <a:pt x="0" y="2061"/>
+                  </a:moveTo>
+                  <a:cubicBezTo>
+                    <a:pt x="0" y="923"/>
+                    <a:pt x="116" y="0"/>
+                    <a:pt x="260" y="0"/>
+                  </a:cubicBezTo>
+                  <a:lnTo>
+                    <a:pt x="21600" y="0"/>
+                  </a:lnTo>
+                  <a:lnTo>
+                    <a:pt x="21600" y="21600"/>
+                  </a:lnTo>
+                  <a:lnTo>
+                    <a:pt x="260" y="21600"/>
+                  </a:lnTo>
+                  <a:cubicBezTo>
+                    <a:pt x="116" y="21600"/>
+                    <a:pt x="0" y="20677"/>
+                    <a:pt x="0" y="19539"/>
+                  </a:cubicBezTo>
+                  <a:lnTo>
+                    <a:pt x="0" y="2061"/>
+                  </a:lnTo>
+                  <a:close/>
+                </a:path>
+              </a:pathLst>
+            </a:custGeom>
+            <a:gradFill flip="none" rotWithShape="1">
+              <a:gsLst>
+                <a:gs pos="0">
+                  <a:srgbClr val="FFFFFF"/>
+                </a:gs>
+                <a:gs pos="100000">
+                  <a:srgbClr val="E0E0E0"/>
+                </a:gs>
+              </a:gsLst>
+              <a:lin ang="16200000" scaled="0"/>
+            </a:gradFill>
+            <a:ln w="12700" cap="flat">
+              <a:solidFill>
+                <a:srgbClr val="9C9C9C"/>
+              </a:solidFill>
+              <a:prstDash val="solid"/>
+              <a:round/>
+            </a:ln>
+            <a:effectLst/>
+            <a:extLst>
+              <a:ext uri="{C572A759-6A51-4108-AA02-DFA0A04FC94B}">
+                <ma14:wrappingTextBoxFlag xmlns:ma14="http://schemas.microsoft.com/office/mac/drawingml/2011/main" val="1"/>
+              </a:ext>
+            </a:extLst>
+          </p:spPr>
+          <p:txBody>
+            <a:bodyPr wrap="square" lIns="50800" tIns="50800" rIns="50800" bIns="50800" numCol="1" anchor="ctr">
+              <a:noAutofit/>
+            </a:bodyPr>
+            <a:lstStyle>
+              <a:lvl1pPr marL="91439" algn="l" defTabSz="914400">
+                <a:buClr>
+                  <a:srgbClr val="5A5C5C"/>
+                </a:buClr>
+                <a:buFont typeface="Helvetica Neue"/>
+                <a:defRPr sz="1300">
+                  <a:solidFill>
+                    <a:srgbClr val="5A5C5C"/>
+                  </a:solidFill>
+                  <a:uFill>
+                    <a:solidFill>
+                      <a:srgbClr val="5A5C5C"/>
+                    </a:solidFill>
+                  </a:uFill>
+                  <a:latin typeface="Helvetica Neue"/>
+                  <a:ea typeface="Helvetica Neue"/>
+                  <a:cs typeface="Helvetica Neue"/>
+                  <a:sym typeface="Helvetica Neue"/>
+                </a:defRPr>
+              </a:lvl1pPr>
+            </a:lstStyle>
+            <a:p>
+              <a:r>
+                <a:rPr dirty="0"/>
+                <a:t>- - Select - -</a:t>
+              </a:r>
+            </a:p>
+          </p:txBody>
+        </p:sp>
+        <p:grpSp>
+          <p:nvGrpSpPr>
+            <p:cNvPr id="360" name="Group 360"/>
+            <p:cNvGrpSpPr/>
+            <p:nvPr/>
+          </p:nvGrpSpPr>
+          <p:grpSpPr>
+            <a:xfrm>
+              <a:off x="2252388" y="0"/>
+              <a:ext cx="249512" cy="381000"/>
+              <a:chOff x="0" y="0"/>
+              <a:chExt cx="249511" cy="380999"/>
+            </a:xfrm>
+          </p:grpSpPr>
+          <p:sp>
+            <p:nvSpPr>
+              <p:cNvPr id="357" name="Shape 357"/>
+              <p:cNvSpPr/>
+              <p:nvPr/>
+            </p:nvSpPr>
+            <p:spPr>
+              <a:xfrm>
+                <a:off x="0" y="0"/>
+                <a:ext cx="249512" cy="381000"/>
+              </a:xfrm>
+              <a:custGeom>
+                <a:avLst/>
+                <a:gdLst/>
+                <a:ahLst/>
+                <a:cxnLst>
+                  <a:cxn ang="0">
+                    <a:pos x="wd2" y="hd2"/>
+                  </a:cxn>
+                  <a:cxn ang="5400000">
+                    <a:pos x="wd2" y="hd2"/>
+                  </a:cxn>
+                  <a:cxn ang="10800000">
+                    <a:pos x="wd2" y="hd2"/>
+                  </a:cxn>
+                  <a:cxn ang="16200000">
+                    <a:pos x="wd2" y="hd2"/>
+                  </a:cxn>
+                </a:cxnLst>
+                <a:rect l="0" t="0" r="r" b="b"/>
+                <a:pathLst>
+                  <a:path w="21600" h="21600" extrusionOk="0">
+                    <a:moveTo>
+                      <a:pt x="0" y="0"/>
+                    </a:moveTo>
+                    <a:lnTo>
+                      <a:pt x="16708" y="0"/>
+                    </a:lnTo>
+                    <a:cubicBezTo>
+                      <a:pt x="19410" y="0"/>
+                      <a:pt x="21600" y="1652"/>
+                      <a:pt x="21600" y="3689"/>
+                    </a:cubicBezTo>
+                    <a:lnTo>
+                      <a:pt x="21600" y="17911"/>
+                    </a:lnTo>
+                    <a:cubicBezTo>
+                      <a:pt x="21600" y="19948"/>
+                      <a:pt x="19410" y="21600"/>
+                      <a:pt x="16708" y="21600"/>
+                    </a:cubicBezTo>
+                    <a:lnTo>
+                      <a:pt x="0" y="21600"/>
+                    </a:lnTo>
+                    <a:lnTo>
+                      <a:pt x="0" y="0"/>
+                    </a:lnTo>
+                    <a:close/>
+                  </a:path>
+                </a:pathLst>
+              </a:custGeom>
+              <a:gradFill flip="none" rotWithShape="1">
+                <a:gsLst>
+                  <a:gs pos="0">
+                    <a:srgbClr val="FFFFFF"/>
+                  </a:gs>
+                  <a:gs pos="100000">
+                    <a:srgbClr val="D1D1D1"/>
+                  </a:gs>
+                </a:gsLst>
+                <a:lin ang="0" scaled="0"/>
+              </a:gradFill>
+              <a:ln w="12700" cap="flat">
+                <a:solidFill>
+                  <a:srgbClr val="9C9C9C"/>
+                </a:solidFill>
+                <a:prstDash val="solid"/>
+                <a:miter lim="400000"/>
+              </a:ln>
+              <a:effectLst/>
+            </p:spPr>
+            <p:txBody>
+              <a:bodyPr wrap="square" lIns="50800" tIns="50800" rIns="50800" bIns="50800" numCol="1" anchor="ctr">
+                <a:noAutofit/>
+              </a:bodyPr>
+              <a:lstStyle/>
+              <a:p>
+                <a:pPr marL="40639" marR="40639" algn="l" defTabSz="914400">
+                  <a:defRPr sz="1200">
+                    <a:solidFill>
+                      <a:srgbClr val="000000"/>
+                    </a:solidFill>
+                    <a:uFill>
+                      <a:solidFill>
+                        <a:srgbClr val="000000"/>
+                      </a:solidFill>
+                    </a:uFill>
+                  </a:defRPr>
+                </a:pPr>
+                <a:endParaRPr sz="1200"/>
+              </a:p>
+            </p:txBody>
+          </p:sp>
+          <p:sp>
+            <p:nvSpPr>
+              <p:cNvPr id="358" name="Shape 358"/>
+              <p:cNvSpPr/>
+              <p:nvPr/>
+            </p:nvSpPr>
+            <p:spPr>
+              <a:xfrm rot="10800000">
+                <a:off x="71166" y="212190"/>
+                <a:ext cx="92405" cy="70731"/>
+              </a:xfrm>
+              <a:prstGeom prst="triangle">
+                <a:avLst/>
+              </a:prstGeom>
+              <a:gradFill flip="none" rotWithShape="1">
+                <a:gsLst>
+                  <a:gs pos="0">
+                    <a:srgbClr val="A8A8A8"/>
+                  </a:gs>
+                  <a:gs pos="100000">
+                    <a:srgbClr val="676867"/>
+                  </a:gs>
+                </a:gsLst>
+                <a:lin ang="16200000" scaled="0"/>
+              </a:gradFill>
+              <a:ln w="6350" cap="flat">
+                <a:solidFill>
+                  <a:srgbClr val="565656"/>
+                </a:solidFill>
+                <a:prstDash val="solid"/>
+                <a:miter lim="400000"/>
+              </a:ln>
+              <a:effectLst>
+                <a:outerShdw blurRad="38100" dist="12700" dir="5400000" rotWithShape="0">
+                  <a:srgbClr val="D2D2D2">
+                    <a:alpha val="74996"/>
+                  </a:srgbClr>
+                </a:outerShdw>
+              </a:effectLst>
+            </p:spPr>
+            <p:txBody>
+              <a:bodyPr wrap="square" lIns="50800" tIns="50800" rIns="50800" bIns="50800" numCol="1" anchor="ctr">
+                <a:noAutofit/>
+              </a:bodyPr>
+              <a:lstStyle/>
+              <a:p>
+                <a:pPr marL="40639" marR="40639" algn="l" defTabSz="914400">
+                  <a:defRPr sz="1200">
+                    <a:solidFill>
+                      <a:srgbClr val="000000"/>
+                    </a:solidFill>
+                    <a:uFill>
+                      <a:solidFill>
+                        <a:srgbClr val="000000"/>
+                      </a:solidFill>
+                    </a:uFill>
+                  </a:defRPr>
+                </a:pPr>
+                <a:endParaRPr sz="1200"/>
+              </a:p>
+            </p:txBody>
+          </p:sp>
+          <p:sp>
+            <p:nvSpPr>
+              <p:cNvPr id="359" name="Shape 359"/>
+              <p:cNvSpPr/>
+              <p:nvPr/>
+            </p:nvSpPr>
+            <p:spPr>
+              <a:xfrm>
+                <a:off x="71166" y="88648"/>
+                <a:ext cx="92405" cy="69317"/>
+              </a:xfrm>
+              <a:prstGeom prst="triangle">
+                <a:avLst/>
+              </a:prstGeom>
+              <a:gradFill flip="none" rotWithShape="1">
+                <a:gsLst>
+                  <a:gs pos="0">
+                    <a:srgbClr val="A8A8A8"/>
+                  </a:gs>
+                  <a:gs pos="100000">
+                    <a:srgbClr val="676867"/>
+                  </a:gs>
+                </a:gsLst>
+                <a:lin ang="16200000" scaled="0"/>
+              </a:gradFill>
+              <a:ln w="6350" cap="flat">
+                <a:solidFill>
+                  <a:srgbClr val="565656"/>
+                </a:solidFill>
+                <a:prstDash val="solid"/>
+                <a:miter lim="400000"/>
+              </a:ln>
+              <a:effectLst>
+                <a:outerShdw blurRad="38100" dist="12700" dir="5400000" rotWithShape="0">
+                  <a:srgbClr val="D2D2D2">
+                    <a:alpha val="74996"/>
+                  </a:srgbClr>
+                </a:outerShdw>
+              </a:effectLst>
+            </p:spPr>
+            <p:txBody>
+              <a:bodyPr wrap="square" lIns="50800" tIns="50800" rIns="50800" bIns="50800" numCol="1" anchor="ctr">
+                <a:noAutofit/>
+              </a:bodyPr>
+              <a:lstStyle/>
+              <a:p>
+                <a:pPr marL="40639" marR="40639" algn="l" defTabSz="914400">
+                  <a:defRPr sz="1200">
+                    <a:solidFill>
+                      <a:srgbClr val="000000"/>
+                    </a:solidFill>
+                    <a:uFill>
+                      <a:solidFill>
+                        <a:srgbClr val="000000"/>
+                      </a:solidFill>
+                    </a:uFill>
+                  </a:defRPr>
+                </a:pPr>
+                <a:endParaRPr sz="1200"/>
+              </a:p>
+            </p:txBody>
+          </p:sp>
+        </p:grpSp>
+      </p:grpSp>
+      <p:sp>
+        <p:nvSpPr>
+          <p:cNvPr id="363" name="Shape 363"/>
+          <p:cNvSpPr/>
+          <p:nvPr/>
+        </p:nvSpPr>
+        <p:spPr>
+          <a:xfrm>
+            <a:off x="4484043" y="4271584"/>
+            <a:ext cx="2492376" cy="1130301"/>
+          </a:xfrm>
+          <a:prstGeom prst="roundRect">
+            <a:avLst>
+              <a:gd name="adj" fmla="val 5743"/>
+            </a:avLst>
+          </a:prstGeom>
+          <a:solidFill>
+            <a:srgbClr val="FFFFFF"/>
+          </a:solidFill>
+          <a:ln>
+            <a:solidFill>
+              <a:srgbClr val="C3C3C3"/>
+            </a:solidFill>
+            <a:miter lim="400000"/>
+          </a:ln>
+          <a:effectLst>
+            <a:outerShdw blurRad="101600" dist="50800" dir="2700000" rotWithShape="0">
+              <a:srgbClr val="000000">
+                <a:alpha val="15000"/>
+              </a:srgbClr>
+            </a:outerShdw>
+          </a:effectLst>
+          <a:extLst>
+            <a:ext uri="{C572A759-6A51-4108-AA02-DFA0A04FC94B}">
+              <ma14:wrappingTextBoxFlag xmlns:ma14="http://schemas.microsoft.com/office/mac/drawingml/2011/main" val="1"/>
+            </a:ext>
+          </a:extLst>
+        </p:spPr>
+        <p:txBody>
+          <a:bodyPr lIns="114300" tIns="114300" rIns="114300" bIns="114300" anchor="ctr"/>
+          <a:lstStyle/>
+          <a:p>
+            <a:pPr algn="l" defTabSz="914400">
+              <a:lnSpc>
+                <a:spcPct val="150000"/>
+              </a:lnSpc>
+              <a:defRPr sz="1400">
+                <a:solidFill>
+                  <a:srgbClr val="373939"/>
+                </a:solidFill>
+                <a:uFill>
+                  <a:solidFill>
+                    <a:srgbClr val="373939"/>
+                  </a:solidFill>
+                </a:uFill>
+                <a:latin typeface="Helvetica Neue"/>
+                <a:ea typeface="Helvetica Neue"/>
+                <a:cs typeface="Helvetica Neue"/>
+                <a:sym typeface="Helvetica Neue"/>
+              </a:defRPr>
+            </a:pPr>
+            <a:r>
+              <a:rPr sz="1400" dirty="0"/>
+              <a:t>   Aquatic herb</a:t>
+            </a:r>
+          </a:p>
+          <a:p>
+            <a:pPr algn="l" defTabSz="914400">
+              <a:lnSpc>
+                <a:spcPct val="150000"/>
+              </a:lnSpc>
+              <a:defRPr sz="1400">
+                <a:solidFill>
+                  <a:srgbClr val="373939"/>
+                </a:solidFill>
+                <a:uFill>
+                  <a:solidFill>
+                    <a:srgbClr val="373939"/>
+                  </a:solidFill>
+                </a:uFill>
+                <a:latin typeface="Helvetica Neue"/>
+                <a:ea typeface="Helvetica Neue"/>
+                <a:cs typeface="Helvetica Neue"/>
+                <a:sym typeface="Helvetica Neue"/>
+              </a:defRPr>
+            </a:pPr>
+            <a:r>
+              <a:rPr sz="1400" dirty="0"/>
+              <a:t>   Cespitose </a:t>
+            </a:r>
+            <a:r>
+              <a:rPr sz="1400" dirty="0" smtClean="0"/>
+              <a:t>herb</a:t>
+            </a:r>
+            <a:endParaRPr lang="en-US" sz="1400" dirty="0" smtClean="0"/>
+          </a:p>
+          <a:p>
+            <a:pPr algn="l" defTabSz="914400">
+              <a:lnSpc>
+                <a:spcPct val="150000"/>
+              </a:lnSpc>
+              <a:defRPr sz="1400">
+                <a:solidFill>
+                  <a:srgbClr val="373939"/>
+                </a:solidFill>
+                <a:uFill>
+                  <a:solidFill>
+                    <a:srgbClr val="373939"/>
+                  </a:solidFill>
+                </a:uFill>
+                <a:latin typeface="Helvetica Neue"/>
+                <a:ea typeface="Helvetica Neue"/>
+                <a:cs typeface="Helvetica Neue"/>
+                <a:sym typeface="Helvetica Neue"/>
+              </a:defRPr>
+            </a:pPr>
+            <a:r>
+              <a:rPr lang="en-US" sz="1400" dirty="0"/>
+              <a:t> </a:t>
+            </a:r>
+            <a:r>
+              <a:rPr lang="en-US" sz="1400" dirty="0" smtClean="0"/>
+              <a:t>  </a:t>
+            </a:r>
+            <a:r>
+              <a:rPr lang="is-IS" sz="1400" dirty="0" smtClean="0"/>
+              <a:t>…</a:t>
+            </a:r>
+            <a:endParaRPr sz="1400" dirty="0"/>
+          </a:p>
+        </p:txBody>
+      </p:sp>
+      <p:sp>
+        <p:nvSpPr>
+          <p:cNvPr id="364" name="Shape 364"/>
+          <p:cNvSpPr/>
+          <p:nvPr/>
+        </p:nvSpPr>
+        <p:spPr>
+          <a:xfrm>
+            <a:off x="7585598" y="9123813"/>
             <a:ext cx="1451323" cy="469901"/>
           </a:xfrm>
           <a:prstGeom prst="roundRect">
@@ -7927,20 +12307,84 @@
           </a:lstStyle>
           <a:p>
             <a:r>
-              <a:t>Save Sample</a:t>
-            </a:r>
+              <a:rPr dirty="0"/>
+              <a:t>Save </a:t>
+            </a:r>
+            <a:r>
+              <a:rPr lang="en-US" dirty="0" smtClean="0"/>
+              <a:t>and </a:t>
+            </a:r>
+            <a:r>
+              <a:rPr lang="en-US" dirty="0" smtClean="0"/>
+              <a:t>Blank New record</a:t>
+            </a:r>
+            <a:endParaRPr dirty="0"/>
           </a:p>
         </p:txBody>
       </p:sp>
       <p:sp>
         <p:nvSpPr>
-          <p:cNvPr id="23" name="Shape 364"/>
+          <p:cNvPr id="366" name="Shape 366"/>
           <p:cNvSpPr/>
           <p:nvPr/>
         </p:nvSpPr>
         <p:spPr>
           <a:xfrm>
-            <a:off x="3957145" y="8689464"/>
+            <a:off x="1824981" y="6593932"/>
+            <a:ext cx="102657" cy="364202"/>
+          </a:xfrm>
+          <a:prstGeom prst="rect">
+            <a:avLst/>
+          </a:prstGeom>
+          <a:ln w="12700">
+            <a:miter lim="400000"/>
+          </a:ln>
+          <a:extLst>
+            <a:ext uri="{C572A759-6A51-4108-AA02-DFA0A04FC94B}">
+              <ma14:wrappingTextBoxFlag xmlns:ma14="http://schemas.microsoft.com/office/mac/drawingml/2011/main" val="1"/>
+            </a:ext>
+          </a:extLst>
+        </p:spPr>
+        <p:txBody>
+          <a:bodyPr wrap="none" lIns="50800" tIns="50800" rIns="50800" bIns="50800" anchor="ctr">
+            <a:spAutoFit/>
+          </a:bodyPr>
+          <a:lstStyle>
+            <a:lvl1pPr algn="l" defTabSz="914400">
+              <a:buClr>
+                <a:srgbClr val="FAFFFF"/>
+              </a:buClr>
+              <a:buFont typeface="Helvetica Neue"/>
+              <a:defRPr sz="1700" b="1">
+                <a:solidFill>
+                  <a:srgbClr val="000000"/>
+                </a:solidFill>
+                <a:uFill>
+                  <a:solidFill>
+                    <a:srgbClr val="232323"/>
+                  </a:solidFill>
+                </a:uFill>
+                <a:latin typeface="Helvetica Neue"/>
+                <a:ea typeface="Helvetica Neue"/>
+                <a:cs typeface="Helvetica Neue"/>
+                <a:sym typeface="Helvetica Neue"/>
+              </a:defRPr>
+            </a:lvl1pPr>
+          </a:lstStyle>
+          <a:p>
+            <a:endParaRPr dirty="0"/>
+          </a:p>
+        </p:txBody>
+      </p:sp>
+      <p:sp>
+        <p:nvSpPr>
+          <p:cNvPr id="22" name="Shape 364"/>
+          <p:cNvSpPr/>
+          <p:nvPr/>
+        </p:nvSpPr>
+        <p:spPr>
+          <a:xfrm>
+            <a:off x="4300874" y="9110805"/>
             <a:ext cx="1451323" cy="469901"/>
           </a:xfrm>
           <a:prstGeom prst="roundRect">
@@ -7983,22 +12427,20 @@
           </a:lstStyle>
           <a:p>
             <a:r>
-              <a:rPr lang="en-US" dirty="0" smtClean="0"/>
-              <a:t>Cancel</a:t>
-            </a:r>
-            <a:endParaRPr dirty="0"/>
+              <a:t>Save Sample</a:t>
+            </a:r>
           </a:p>
         </p:txBody>
       </p:sp>
       <p:sp>
         <p:nvSpPr>
-          <p:cNvPr id="24" name="Shape 364"/>
+          <p:cNvPr id="23" name="Shape 364"/>
           <p:cNvSpPr/>
           <p:nvPr/>
         </p:nvSpPr>
         <p:spPr>
           <a:xfrm>
-            <a:off x="9149939" y="8669751"/>
+            <a:off x="2523889" y="9110804"/>
             <a:ext cx="1451323" cy="469901"/>
           </a:xfrm>
           <a:prstGeom prst="roundRect">
@@ -8041,18 +12483,847 @@
           </a:lstStyle>
           <a:p>
             <a:r>
-              <a:rPr dirty="0"/>
-              <a:t>Save </a:t>
-            </a:r>
-            <a:r>
               <a:rPr lang="en-US" dirty="0" smtClean="0"/>
-              <a:t>and Close</a:t>
+              <a:t>Cancel</a:t>
             </a:r>
             <a:endParaRPr dirty="0"/>
           </a:p>
         </p:txBody>
       </p:sp>
+      <p:sp>
+        <p:nvSpPr>
+          <p:cNvPr id="24" name="Shape 364"/>
+          <p:cNvSpPr/>
+          <p:nvPr/>
+        </p:nvSpPr>
+        <p:spPr>
+          <a:xfrm>
+            <a:off x="9244068" y="9104098"/>
+            <a:ext cx="1451323" cy="469901"/>
+          </a:xfrm>
+          <a:prstGeom prst="roundRect">
+            <a:avLst>
+              <a:gd name="adj" fmla="val 10313"/>
+            </a:avLst>
+          </a:prstGeom>
+          <a:solidFill>
+            <a:srgbClr val="454747"/>
+          </a:solidFill>
+          <a:ln w="25400">
+            <a:miter lim="400000"/>
+          </a:ln>
+          <a:extLst>
+            <a:ext uri="{C572A759-6A51-4108-AA02-DFA0A04FC94B}">
+              <ma14:wrappingTextBoxFlag xmlns:ma14="http://schemas.microsoft.com/office/mac/drawingml/2011/main" val="1"/>
+            </a:ext>
+          </a:extLst>
+        </p:spPr>
+        <p:txBody>
+          <a:bodyPr lIns="50800" tIns="50800" rIns="50800" bIns="50800" anchor="ctr"/>
+          <a:lstStyle>
+            <a:lvl1pPr defTabSz="914400">
+              <a:buClr>
+                <a:srgbClr val="FAFFFF"/>
+              </a:buClr>
+              <a:buFont typeface="Helvetica Neue"/>
+              <a:defRPr sz="1400" b="1">
+                <a:uFill>
+                  <a:solidFill>
+                    <a:srgbClr val="FFFFFF"/>
+                  </a:solidFill>
+                </a:uFill>
+                <a:latin typeface="Helvetica Neue"/>
+                <a:ea typeface="Helvetica Neue"/>
+                <a:cs typeface="Helvetica Neue"/>
+                <a:sym typeface="Helvetica Neue"/>
+              </a:defRPr>
+            </a:lvl1pPr>
+          </a:lstStyle>
+          <a:p>
+            <a:r>
+              <a:rPr dirty="0"/>
+              <a:t>Save </a:t>
+            </a:r>
+            <a:r>
+              <a:rPr lang="en-US" dirty="0" smtClean="0"/>
+              <a:t>and Close</a:t>
+            </a:r>
+            <a:endParaRPr dirty="0"/>
+          </a:p>
+        </p:txBody>
+      </p:sp>
+      <p:sp>
+        <p:nvSpPr>
+          <p:cNvPr id="28" name="Shape 368"/>
+          <p:cNvSpPr/>
+          <p:nvPr/>
+        </p:nvSpPr>
+        <p:spPr>
+          <a:xfrm>
+            <a:off x="1848059" y="6109906"/>
+            <a:ext cx="2226572" cy="364202"/>
+          </a:xfrm>
+          <a:prstGeom prst="rect">
+            <a:avLst/>
+          </a:prstGeom>
+          <a:ln w="12700">
+            <a:miter lim="400000"/>
+          </a:ln>
+          <a:extLst>
+            <a:ext uri="{C572A759-6A51-4108-AA02-DFA0A04FC94B}">
+              <ma14:wrappingTextBoxFlag xmlns:ma14="http://schemas.microsoft.com/office/mac/drawingml/2011/main" val="1"/>
+            </a:ext>
+          </a:extLst>
+        </p:spPr>
+        <p:txBody>
+          <a:bodyPr wrap="none" lIns="50800" tIns="50800" rIns="50800" bIns="50800" anchor="ctr">
+            <a:spAutoFit/>
+          </a:bodyPr>
+          <a:lstStyle>
+            <a:lvl1pPr algn="l" defTabSz="914400">
+              <a:buClr>
+                <a:srgbClr val="FAFFFF"/>
+              </a:buClr>
+              <a:buFont typeface="Helvetica Neue"/>
+              <a:defRPr sz="1700" b="1">
+                <a:solidFill>
+                  <a:srgbClr val="000000"/>
+                </a:solidFill>
+                <a:uFill>
+                  <a:solidFill>
+                    <a:srgbClr val="232323"/>
+                  </a:solidFill>
+                </a:uFill>
+                <a:latin typeface="Helvetica Neue"/>
+                <a:ea typeface="Helvetica Neue"/>
+                <a:cs typeface="Helvetica Neue"/>
+                <a:sym typeface="Helvetica Neue"/>
+              </a:defRPr>
+            </a:lvl1pPr>
+          </a:lstStyle>
+          <a:p>
+            <a:r>
+              <a:rPr lang="en-US" dirty="0" smtClean="0"/>
+              <a:t>Person subsampling</a:t>
+            </a:r>
+            <a:endParaRPr dirty="0"/>
+          </a:p>
+        </p:txBody>
+      </p:sp>
+      <p:sp>
+        <p:nvSpPr>
+          <p:cNvPr id="26" name="Shape 368"/>
+          <p:cNvSpPr/>
+          <p:nvPr/>
+        </p:nvSpPr>
+        <p:spPr>
+          <a:xfrm>
+            <a:off x="1838072" y="6646820"/>
+            <a:ext cx="990656" cy="364202"/>
+          </a:xfrm>
+          <a:prstGeom prst="rect">
+            <a:avLst/>
+          </a:prstGeom>
+          <a:ln w="12700">
+            <a:miter lim="400000"/>
+          </a:ln>
+          <a:extLst>
+            <a:ext uri="{C572A759-6A51-4108-AA02-DFA0A04FC94B}">
+              <ma14:wrappingTextBoxFlag xmlns:ma14="http://schemas.microsoft.com/office/mac/drawingml/2011/main" val="1"/>
+            </a:ext>
+          </a:extLst>
+        </p:spPr>
+        <p:txBody>
+          <a:bodyPr wrap="none" lIns="50800" tIns="50800" rIns="50800" bIns="50800" anchor="ctr">
+            <a:spAutoFit/>
+          </a:bodyPr>
+          <a:lstStyle>
+            <a:lvl1pPr algn="l" defTabSz="914400">
+              <a:buClr>
+                <a:srgbClr val="FAFFFF"/>
+              </a:buClr>
+              <a:buFont typeface="Helvetica Neue"/>
+              <a:defRPr sz="1700" b="1">
+                <a:solidFill>
+                  <a:srgbClr val="000000"/>
+                </a:solidFill>
+                <a:uFill>
+                  <a:solidFill>
+                    <a:srgbClr val="232323"/>
+                  </a:solidFill>
+                </a:uFill>
+                <a:latin typeface="Helvetica Neue"/>
+                <a:ea typeface="Helvetica Neue"/>
+                <a:cs typeface="Helvetica Neue"/>
+                <a:sym typeface="Helvetica Neue"/>
+              </a:defRPr>
+            </a:lvl1pPr>
+          </a:lstStyle>
+          <a:p>
+            <a:r>
+              <a:rPr lang="en-US" dirty="0" smtClean="0"/>
+              <a:t>Protocol</a:t>
+            </a:r>
+            <a:endParaRPr dirty="0"/>
+          </a:p>
+        </p:txBody>
+      </p:sp>
+      <p:grpSp>
+        <p:nvGrpSpPr>
+          <p:cNvPr id="52" name="Group 361"/>
+          <p:cNvGrpSpPr/>
+          <p:nvPr/>
+        </p:nvGrpSpPr>
+        <p:grpSpPr>
+          <a:xfrm>
+            <a:off x="4479280" y="6661717"/>
+            <a:ext cx="2501901" cy="381001"/>
+            <a:chOff x="0" y="0"/>
+            <a:chExt cx="2501899" cy="380999"/>
+          </a:xfrm>
+        </p:grpSpPr>
+        <p:sp>
+          <p:nvSpPr>
+            <p:cNvPr id="53" name="Shape 356"/>
+            <p:cNvSpPr/>
+            <p:nvPr/>
+          </p:nvSpPr>
+          <p:spPr>
+            <a:xfrm>
+              <a:off x="0" y="0"/>
+              <a:ext cx="2247901" cy="381000"/>
+            </a:xfrm>
+            <a:custGeom>
+              <a:avLst/>
+              <a:gdLst/>
+              <a:ahLst/>
+              <a:cxnLst>
+                <a:cxn ang="0">
+                  <a:pos x="wd2" y="hd2"/>
+                </a:cxn>
+                <a:cxn ang="5400000">
+                  <a:pos x="wd2" y="hd2"/>
+                </a:cxn>
+                <a:cxn ang="10800000">
+                  <a:pos x="wd2" y="hd2"/>
+                </a:cxn>
+                <a:cxn ang="16200000">
+                  <a:pos x="wd2" y="hd2"/>
+                </a:cxn>
+              </a:cxnLst>
+              <a:rect l="0" t="0" r="r" b="b"/>
+              <a:pathLst>
+                <a:path w="21600" h="21600" extrusionOk="0">
+                  <a:moveTo>
+                    <a:pt x="0" y="2061"/>
+                  </a:moveTo>
+                  <a:cubicBezTo>
+                    <a:pt x="0" y="923"/>
+                    <a:pt x="116" y="0"/>
+                    <a:pt x="260" y="0"/>
+                  </a:cubicBezTo>
+                  <a:lnTo>
+                    <a:pt x="21600" y="0"/>
+                  </a:lnTo>
+                  <a:lnTo>
+                    <a:pt x="21600" y="21600"/>
+                  </a:lnTo>
+                  <a:lnTo>
+                    <a:pt x="260" y="21600"/>
+                  </a:lnTo>
+                  <a:cubicBezTo>
+                    <a:pt x="116" y="21600"/>
+                    <a:pt x="0" y="20677"/>
+                    <a:pt x="0" y="19539"/>
+                  </a:cubicBezTo>
+                  <a:lnTo>
+                    <a:pt x="0" y="2061"/>
+                  </a:lnTo>
+                  <a:close/>
+                </a:path>
+              </a:pathLst>
+            </a:custGeom>
+            <a:gradFill flip="none" rotWithShape="1">
+              <a:gsLst>
+                <a:gs pos="0">
+                  <a:srgbClr val="FFFFFF"/>
+                </a:gs>
+                <a:gs pos="100000">
+                  <a:srgbClr val="E0E0E0"/>
+                </a:gs>
+              </a:gsLst>
+              <a:lin ang="16200000" scaled="0"/>
+            </a:gradFill>
+            <a:ln w="12700" cap="flat">
+              <a:solidFill>
+                <a:srgbClr val="9C9C9C"/>
+              </a:solidFill>
+              <a:prstDash val="solid"/>
+              <a:round/>
+            </a:ln>
+            <a:effectLst/>
+            <a:extLst>
+              <a:ext uri="{C572A759-6A51-4108-AA02-DFA0A04FC94B}">
+                <ma14:wrappingTextBoxFlag xmlns:ma14="http://schemas.microsoft.com/office/mac/drawingml/2011/main" val="1"/>
+              </a:ext>
+            </a:extLst>
+          </p:spPr>
+          <p:txBody>
+            <a:bodyPr wrap="square" lIns="50800" tIns="50800" rIns="50800" bIns="50800" numCol="1" anchor="ctr">
+              <a:noAutofit/>
+            </a:bodyPr>
+            <a:lstStyle>
+              <a:lvl1pPr marL="91439" algn="l" defTabSz="914400">
+                <a:buClr>
+                  <a:srgbClr val="5A5C5C"/>
+                </a:buClr>
+                <a:buFont typeface="Helvetica Neue"/>
+                <a:defRPr sz="1300">
+                  <a:solidFill>
+                    <a:srgbClr val="5A5C5C"/>
+                  </a:solidFill>
+                  <a:uFill>
+                    <a:solidFill>
+                      <a:srgbClr val="5A5C5C"/>
+                    </a:solidFill>
+                  </a:uFill>
+                  <a:latin typeface="Helvetica Neue"/>
+                  <a:ea typeface="Helvetica Neue"/>
+                  <a:cs typeface="Helvetica Neue"/>
+                  <a:sym typeface="Helvetica Neue"/>
+                </a:defRPr>
+              </a:lvl1pPr>
+            </a:lstStyle>
+            <a:p>
+              <a:r>
+                <a:rPr dirty="0"/>
+                <a:t>- - Select - -</a:t>
+              </a:r>
+            </a:p>
+          </p:txBody>
+        </p:sp>
+        <p:grpSp>
+          <p:nvGrpSpPr>
+            <p:cNvPr id="54" name="Group 360"/>
+            <p:cNvGrpSpPr/>
+            <p:nvPr/>
+          </p:nvGrpSpPr>
+          <p:grpSpPr>
+            <a:xfrm>
+              <a:off x="2252388" y="0"/>
+              <a:ext cx="249512" cy="381000"/>
+              <a:chOff x="0" y="0"/>
+              <a:chExt cx="249511" cy="380999"/>
+            </a:xfrm>
+          </p:grpSpPr>
+          <p:sp>
+            <p:nvSpPr>
+              <p:cNvPr id="55" name="Shape 357"/>
+              <p:cNvSpPr/>
+              <p:nvPr/>
+            </p:nvSpPr>
+            <p:spPr>
+              <a:xfrm>
+                <a:off x="0" y="0"/>
+                <a:ext cx="249512" cy="381000"/>
+              </a:xfrm>
+              <a:custGeom>
+                <a:avLst/>
+                <a:gdLst/>
+                <a:ahLst/>
+                <a:cxnLst>
+                  <a:cxn ang="0">
+                    <a:pos x="wd2" y="hd2"/>
+                  </a:cxn>
+                  <a:cxn ang="5400000">
+                    <a:pos x="wd2" y="hd2"/>
+                  </a:cxn>
+                  <a:cxn ang="10800000">
+                    <a:pos x="wd2" y="hd2"/>
+                  </a:cxn>
+                  <a:cxn ang="16200000">
+                    <a:pos x="wd2" y="hd2"/>
+                  </a:cxn>
+                </a:cxnLst>
+                <a:rect l="0" t="0" r="r" b="b"/>
+                <a:pathLst>
+                  <a:path w="21600" h="21600" extrusionOk="0">
+                    <a:moveTo>
+                      <a:pt x="0" y="0"/>
+                    </a:moveTo>
+                    <a:lnTo>
+                      <a:pt x="16708" y="0"/>
+                    </a:lnTo>
+                    <a:cubicBezTo>
+                      <a:pt x="19410" y="0"/>
+                      <a:pt x="21600" y="1652"/>
+                      <a:pt x="21600" y="3689"/>
+                    </a:cubicBezTo>
+                    <a:lnTo>
+                      <a:pt x="21600" y="17911"/>
+                    </a:lnTo>
+                    <a:cubicBezTo>
+                      <a:pt x="21600" y="19948"/>
+                      <a:pt x="19410" y="21600"/>
+                      <a:pt x="16708" y="21600"/>
+                    </a:cubicBezTo>
+                    <a:lnTo>
+                      <a:pt x="0" y="21600"/>
+                    </a:lnTo>
+                    <a:lnTo>
+                      <a:pt x="0" y="0"/>
+                    </a:lnTo>
+                    <a:close/>
+                  </a:path>
+                </a:pathLst>
+              </a:custGeom>
+              <a:gradFill flip="none" rotWithShape="1">
+                <a:gsLst>
+                  <a:gs pos="0">
+                    <a:srgbClr val="FFFFFF"/>
+                  </a:gs>
+                  <a:gs pos="100000">
+                    <a:srgbClr val="D1D1D1"/>
+                  </a:gs>
+                </a:gsLst>
+                <a:lin ang="0" scaled="0"/>
+              </a:gradFill>
+              <a:ln w="12700" cap="flat">
+                <a:solidFill>
+                  <a:srgbClr val="9C9C9C"/>
+                </a:solidFill>
+                <a:prstDash val="solid"/>
+                <a:miter lim="400000"/>
+              </a:ln>
+              <a:effectLst/>
+            </p:spPr>
+            <p:txBody>
+              <a:bodyPr wrap="square" lIns="50800" tIns="50800" rIns="50800" bIns="50800" numCol="1" anchor="ctr">
+                <a:noAutofit/>
+              </a:bodyPr>
+              <a:lstStyle/>
+              <a:p>
+                <a:pPr marL="40639" marR="40639" algn="l" defTabSz="914400">
+                  <a:defRPr sz="1200">
+                    <a:solidFill>
+                      <a:srgbClr val="000000"/>
+                    </a:solidFill>
+                    <a:uFill>
+                      <a:solidFill>
+                        <a:srgbClr val="000000"/>
+                      </a:solidFill>
+                    </a:uFill>
+                  </a:defRPr>
+                </a:pPr>
+                <a:endParaRPr sz="1200"/>
+              </a:p>
+            </p:txBody>
+          </p:sp>
+          <p:sp>
+            <p:nvSpPr>
+              <p:cNvPr id="56" name="Shape 358"/>
+              <p:cNvSpPr/>
+              <p:nvPr/>
+            </p:nvSpPr>
+            <p:spPr>
+              <a:xfrm rot="10800000">
+                <a:off x="71166" y="212190"/>
+                <a:ext cx="92405" cy="70731"/>
+              </a:xfrm>
+              <a:prstGeom prst="triangle">
+                <a:avLst/>
+              </a:prstGeom>
+              <a:gradFill flip="none" rotWithShape="1">
+                <a:gsLst>
+                  <a:gs pos="0">
+                    <a:srgbClr val="A8A8A8"/>
+                  </a:gs>
+                  <a:gs pos="100000">
+                    <a:srgbClr val="676867"/>
+                  </a:gs>
+                </a:gsLst>
+                <a:lin ang="16200000" scaled="0"/>
+              </a:gradFill>
+              <a:ln w="6350" cap="flat">
+                <a:solidFill>
+                  <a:srgbClr val="565656"/>
+                </a:solidFill>
+                <a:prstDash val="solid"/>
+                <a:miter lim="400000"/>
+              </a:ln>
+              <a:effectLst>
+                <a:outerShdw blurRad="38100" dist="12700" dir="5400000" rotWithShape="0">
+                  <a:srgbClr val="D2D2D2">
+                    <a:alpha val="74996"/>
+                  </a:srgbClr>
+                </a:outerShdw>
+              </a:effectLst>
+            </p:spPr>
+            <p:txBody>
+              <a:bodyPr wrap="square" lIns="50800" tIns="50800" rIns="50800" bIns="50800" numCol="1" anchor="ctr">
+                <a:noAutofit/>
+              </a:bodyPr>
+              <a:lstStyle/>
+              <a:p>
+                <a:pPr marL="40639" marR="40639" algn="l" defTabSz="914400">
+                  <a:defRPr sz="1200">
+                    <a:solidFill>
+                      <a:srgbClr val="000000"/>
+                    </a:solidFill>
+                    <a:uFill>
+                      <a:solidFill>
+                        <a:srgbClr val="000000"/>
+                      </a:solidFill>
+                    </a:uFill>
+                  </a:defRPr>
+                </a:pPr>
+                <a:endParaRPr sz="1200"/>
+              </a:p>
+            </p:txBody>
+          </p:sp>
+          <p:sp>
+            <p:nvSpPr>
+              <p:cNvPr id="57" name="Shape 359"/>
+              <p:cNvSpPr/>
+              <p:nvPr/>
+            </p:nvSpPr>
+            <p:spPr>
+              <a:xfrm>
+                <a:off x="71166" y="88648"/>
+                <a:ext cx="92405" cy="69317"/>
+              </a:xfrm>
+              <a:prstGeom prst="triangle">
+                <a:avLst/>
+              </a:prstGeom>
+              <a:gradFill flip="none" rotWithShape="1">
+                <a:gsLst>
+                  <a:gs pos="0">
+                    <a:srgbClr val="A8A8A8"/>
+                  </a:gs>
+                  <a:gs pos="100000">
+                    <a:srgbClr val="676867"/>
+                  </a:gs>
+                </a:gsLst>
+                <a:lin ang="16200000" scaled="0"/>
+              </a:gradFill>
+              <a:ln w="6350" cap="flat">
+                <a:solidFill>
+                  <a:srgbClr val="565656"/>
+                </a:solidFill>
+                <a:prstDash val="solid"/>
+                <a:miter lim="400000"/>
+              </a:ln>
+              <a:effectLst>
+                <a:outerShdw blurRad="38100" dist="12700" dir="5400000" rotWithShape="0">
+                  <a:srgbClr val="D2D2D2">
+                    <a:alpha val="74996"/>
+                  </a:srgbClr>
+                </a:outerShdw>
+              </a:effectLst>
+            </p:spPr>
+            <p:txBody>
+              <a:bodyPr wrap="square" lIns="50800" tIns="50800" rIns="50800" bIns="50800" numCol="1" anchor="ctr">
+                <a:noAutofit/>
+              </a:bodyPr>
+              <a:lstStyle/>
+              <a:p>
+                <a:pPr marL="40639" marR="40639" algn="l" defTabSz="914400">
+                  <a:defRPr sz="1200">
+                    <a:solidFill>
+                      <a:srgbClr val="000000"/>
+                    </a:solidFill>
+                    <a:uFill>
+                      <a:solidFill>
+                        <a:srgbClr val="000000"/>
+                      </a:solidFill>
+                    </a:uFill>
+                  </a:defRPr>
+                </a:pPr>
+                <a:endParaRPr sz="1200"/>
+              </a:p>
+            </p:txBody>
+          </p:sp>
+        </p:grpSp>
+      </p:grpSp>
+      <p:sp>
+        <p:nvSpPr>
+          <p:cNvPr id="58" name="Shape 363"/>
+          <p:cNvSpPr/>
+          <p:nvPr/>
+        </p:nvSpPr>
+        <p:spPr>
+          <a:xfrm>
+            <a:off x="4475465" y="7063498"/>
+            <a:ext cx="2492376" cy="1130301"/>
+          </a:xfrm>
+          <a:prstGeom prst="roundRect">
+            <a:avLst>
+              <a:gd name="adj" fmla="val 5743"/>
+            </a:avLst>
+          </a:prstGeom>
+          <a:solidFill>
+            <a:srgbClr val="FFFFFF"/>
+          </a:solidFill>
+          <a:ln>
+            <a:solidFill>
+              <a:srgbClr val="C3C3C3"/>
+            </a:solidFill>
+            <a:miter lim="400000"/>
+          </a:ln>
+          <a:effectLst>
+            <a:outerShdw blurRad="101600" dist="50800" dir="2700000" rotWithShape="0">
+              <a:srgbClr val="000000">
+                <a:alpha val="15000"/>
+              </a:srgbClr>
+            </a:outerShdw>
+          </a:effectLst>
+          <a:extLst>
+            <a:ext uri="{C572A759-6A51-4108-AA02-DFA0A04FC94B}">
+              <ma14:wrappingTextBoxFlag xmlns:ma14="http://schemas.microsoft.com/office/mac/drawingml/2011/main" val="1"/>
+            </a:ext>
+          </a:extLst>
+        </p:spPr>
+        <p:txBody>
+          <a:bodyPr lIns="114300" tIns="114300" rIns="114300" bIns="114300" anchor="ctr"/>
+          <a:lstStyle/>
+          <a:p>
+            <a:pPr algn="l" defTabSz="914400">
+              <a:lnSpc>
+                <a:spcPct val="150000"/>
+              </a:lnSpc>
+              <a:defRPr sz="1400">
+                <a:solidFill>
+                  <a:srgbClr val="373939"/>
+                </a:solidFill>
+                <a:uFill>
+                  <a:solidFill>
+                    <a:srgbClr val="373939"/>
+                  </a:solidFill>
+                </a:uFill>
+                <a:latin typeface="Helvetica Neue"/>
+                <a:ea typeface="Helvetica Neue"/>
+                <a:cs typeface="Helvetica Neue"/>
+                <a:sym typeface="Helvetica Neue"/>
+              </a:defRPr>
+            </a:pPr>
+            <a:r>
+              <a:rPr lang="en-US" sz="1400" dirty="0" smtClean="0"/>
+              <a:t>   Tweezers</a:t>
+            </a:r>
+            <a:endParaRPr sz="1400" dirty="0"/>
+          </a:p>
+          <a:p>
+            <a:pPr algn="l" defTabSz="914400">
+              <a:lnSpc>
+                <a:spcPct val="150000"/>
+              </a:lnSpc>
+              <a:defRPr sz="1400">
+                <a:solidFill>
+                  <a:srgbClr val="373939"/>
+                </a:solidFill>
+                <a:uFill>
+                  <a:solidFill>
+                    <a:srgbClr val="373939"/>
+                  </a:solidFill>
+                </a:uFill>
+                <a:latin typeface="Helvetica Neue"/>
+                <a:ea typeface="Helvetica Neue"/>
+                <a:cs typeface="Helvetica Neue"/>
+                <a:sym typeface="Helvetica Neue"/>
+              </a:defRPr>
+            </a:pPr>
+            <a:r>
+              <a:rPr sz="1400" dirty="0"/>
+              <a:t>   </a:t>
+            </a:r>
+            <a:r>
+              <a:rPr lang="en-US" sz="1400" dirty="0"/>
+              <a:t>P</a:t>
+            </a:r>
+            <a:r>
+              <a:rPr lang="en-US" sz="1400" dirty="0" smtClean="0"/>
+              <a:t>ipette</a:t>
+            </a:r>
+            <a:endParaRPr sz="1400" dirty="0"/>
+          </a:p>
+          <a:p>
+            <a:pPr algn="l" defTabSz="914400">
+              <a:lnSpc>
+                <a:spcPct val="150000"/>
+              </a:lnSpc>
+              <a:defRPr sz="1400">
+                <a:solidFill>
+                  <a:srgbClr val="373939"/>
+                </a:solidFill>
+                <a:uFill>
+                  <a:solidFill>
+                    <a:srgbClr val="373939"/>
+                  </a:solidFill>
+                </a:uFill>
+                <a:latin typeface="Helvetica Neue"/>
+                <a:ea typeface="Helvetica Neue"/>
+                <a:cs typeface="Helvetica Neue"/>
+                <a:sym typeface="Helvetica Neue"/>
+              </a:defRPr>
+            </a:pPr>
+            <a:r>
+              <a:rPr sz="1400" dirty="0"/>
+              <a:t>  </a:t>
+            </a:r>
+            <a:r>
+              <a:rPr lang="en-US" sz="1400" dirty="0" smtClean="0"/>
+              <a:t> ADD NEW</a:t>
+            </a:r>
+            <a:endParaRPr sz="1400" dirty="0"/>
+          </a:p>
+        </p:txBody>
+      </p:sp>
+      <p:sp>
+        <p:nvSpPr>
+          <p:cNvPr id="72" name="Shape 364"/>
+          <p:cNvSpPr/>
+          <p:nvPr/>
+        </p:nvSpPr>
+        <p:spPr>
+          <a:xfrm>
+            <a:off x="5929461" y="9124882"/>
+            <a:ext cx="1451323" cy="469901"/>
+          </a:xfrm>
+          <a:prstGeom prst="roundRect">
+            <a:avLst>
+              <a:gd name="adj" fmla="val 10313"/>
+            </a:avLst>
+          </a:prstGeom>
+          <a:solidFill>
+            <a:srgbClr val="454747"/>
+          </a:solidFill>
+          <a:ln w="25400">
+            <a:miter lim="400000"/>
+          </a:ln>
+          <a:extLst>
+            <a:ext uri="{C572A759-6A51-4108-AA02-DFA0A04FC94B}">
+              <ma14:wrappingTextBoxFlag xmlns:ma14="http://schemas.microsoft.com/office/mac/drawingml/2011/main" val="1"/>
+            </a:ext>
+          </a:extLst>
+        </p:spPr>
+        <p:txBody>
+          <a:bodyPr lIns="50800" tIns="50800" rIns="50800" bIns="50800" anchor="ctr"/>
+          <a:lstStyle>
+            <a:lvl1pPr defTabSz="914400">
+              <a:buClr>
+                <a:srgbClr val="FAFFFF"/>
+              </a:buClr>
+              <a:buFont typeface="Helvetica Neue"/>
+              <a:defRPr sz="1400" b="1">
+                <a:uFill>
+                  <a:solidFill>
+                    <a:srgbClr val="FFFFFF"/>
+                  </a:solidFill>
+                </a:uFill>
+                <a:latin typeface="Helvetica Neue"/>
+                <a:ea typeface="Helvetica Neue"/>
+                <a:cs typeface="Helvetica Neue"/>
+                <a:sym typeface="Helvetica Neue"/>
+              </a:defRPr>
+            </a:lvl1pPr>
+          </a:lstStyle>
+          <a:p>
+            <a:r>
+              <a:rPr lang="en-US" dirty="0" smtClean="0"/>
+              <a:t>Save and Copy to NEW record</a:t>
+            </a:r>
+            <a:endParaRPr dirty="0"/>
+          </a:p>
+        </p:txBody>
+      </p:sp>
+      <p:sp>
+        <p:nvSpPr>
+          <p:cNvPr id="84" name="Shape 368"/>
+          <p:cNvSpPr/>
+          <p:nvPr/>
+        </p:nvSpPr>
+        <p:spPr>
+          <a:xfrm>
+            <a:off x="1866894" y="3113918"/>
+            <a:ext cx="2507097" cy="364202"/>
+          </a:xfrm>
+          <a:prstGeom prst="rect">
+            <a:avLst/>
+          </a:prstGeom>
+          <a:ln w="12700">
+            <a:miter lim="400000"/>
+          </a:ln>
+          <a:extLst>
+            <a:ext uri="{C572A759-6A51-4108-AA02-DFA0A04FC94B}">
+              <ma14:wrappingTextBoxFlag xmlns:ma14="http://schemas.microsoft.com/office/mac/drawingml/2011/main" val="1"/>
+            </a:ext>
+          </a:extLst>
+        </p:spPr>
+        <p:txBody>
+          <a:bodyPr wrap="none" lIns="50800" tIns="50800" rIns="50800" bIns="50800" anchor="ctr">
+            <a:spAutoFit/>
+          </a:bodyPr>
+          <a:lstStyle>
+            <a:lvl1pPr algn="l" defTabSz="914400">
+              <a:buClr>
+                <a:srgbClr val="FAFFFF"/>
+              </a:buClr>
+              <a:buFont typeface="Helvetica Neue"/>
+              <a:defRPr sz="1700" b="1">
+                <a:solidFill>
+                  <a:srgbClr val="000000"/>
+                </a:solidFill>
+                <a:uFill>
+                  <a:solidFill>
+                    <a:srgbClr val="232323"/>
+                  </a:solidFill>
+                </a:uFill>
+                <a:latin typeface="Helvetica Neue"/>
+                <a:ea typeface="Helvetica Neue"/>
+                <a:cs typeface="Helvetica Neue"/>
+                <a:sym typeface="Helvetica Neue"/>
+              </a:defRPr>
+            </a:lvl1pPr>
+          </a:lstStyle>
+          <a:p>
+            <a:r>
+              <a:rPr lang="en-US" b="0" smtClean="0">
+                <a:ln w="0"/>
+                <a:solidFill>
+                  <a:schemeClr val="accent1"/>
+                </a:solidFill>
+                <a:effectLst>
+                  <a:outerShdw blurRad="38100" dist="25400" dir="5400000" algn="ctr" rotWithShape="0">
+                    <a:srgbClr val="6E747A">
+                      <a:alpha val="43000"/>
+                    </a:srgbClr>
+                  </a:outerShdw>
+                </a:effectLst>
+              </a:rPr>
+              <a:t>Return to Parent Sample</a:t>
+            </a:r>
+            <a:endParaRPr b="0" dirty="0">
+              <a:ln w="0"/>
+              <a:solidFill>
+                <a:schemeClr val="accent1"/>
+              </a:solidFill>
+              <a:effectLst>
+                <a:outerShdw blurRad="38100" dist="25400" dir="5400000" algn="ctr" rotWithShape="0">
+                  <a:srgbClr val="6E747A">
+                    <a:alpha val="43000"/>
+                  </a:srgbClr>
+                </a:outerShdw>
+              </a:effectLst>
+            </a:endParaRPr>
+          </a:p>
+        </p:txBody>
+      </p:sp>
     </p:spTree>
+    <p:extLst>
+      <p:ext uri="{BB962C8B-B14F-4D97-AF65-F5344CB8AC3E}">
+        <p14:creationId xmlns:p14="http://schemas.microsoft.com/office/powerpoint/2010/main" val="1428277143"/>
+      </p:ext>
+    </p:extLst>
   </p:cSld>
   <p:clrMapOvr>
     <a:masterClrMapping/>
